--- a/Kanta/Pasiuna/You Are The Voice.pptx
+++ b/Kanta/Pasiuna/You Are The Voice.pptx
@@ -14,7 +14,6 @@
     <p:sldId id="265" r:id="rId8"/>
     <p:sldId id="266" r:id="rId9"/>
     <p:sldId id="267" r:id="rId10"/>
-    <p:sldId id="268" r:id="rId11"/>
   </p:sldIdLst>
   <p:sldSz cx="12192000" cy="6858000"/>
   <p:notesSz cx="6858000" cy="9144000"/>
@@ -268,7 +267,7 @@
           <a:p>
             <a:fld id="{689CB065-93CC-4F93-97CB-5160E2F98F73}" type="datetimeFigureOut">
               <a:rPr lang="en-US" smtClean="0"/>
-              <a:t>1/4/2026</a:t>
+              <a:t>1/5/2026</a:t>
             </a:fld>
             <a:endParaRPr lang="en-US"/>
           </a:p>
@@ -466,7 +465,7 @@
           <a:p>
             <a:fld id="{689CB065-93CC-4F93-97CB-5160E2F98F73}" type="datetimeFigureOut">
               <a:rPr lang="en-US" smtClean="0"/>
-              <a:t>1/4/2026</a:t>
+              <a:t>1/5/2026</a:t>
             </a:fld>
             <a:endParaRPr lang="en-US"/>
           </a:p>
@@ -674,7 +673,7 @@
           <a:p>
             <a:fld id="{689CB065-93CC-4F93-97CB-5160E2F98F73}" type="datetimeFigureOut">
               <a:rPr lang="en-US" smtClean="0"/>
-              <a:t>1/4/2026</a:t>
+              <a:t>1/5/2026</a:t>
             </a:fld>
             <a:endParaRPr lang="en-US"/>
           </a:p>
@@ -872,7 +871,7 @@
           <a:p>
             <a:fld id="{689CB065-93CC-4F93-97CB-5160E2F98F73}" type="datetimeFigureOut">
               <a:rPr lang="en-US" smtClean="0"/>
-              <a:t>1/4/2026</a:t>
+              <a:t>1/5/2026</a:t>
             </a:fld>
             <a:endParaRPr lang="en-US"/>
           </a:p>
@@ -1147,7 +1146,7 @@
           <a:p>
             <a:fld id="{689CB065-93CC-4F93-97CB-5160E2F98F73}" type="datetimeFigureOut">
               <a:rPr lang="en-US" smtClean="0"/>
-              <a:t>1/4/2026</a:t>
+              <a:t>1/5/2026</a:t>
             </a:fld>
             <a:endParaRPr lang="en-US"/>
           </a:p>
@@ -1412,7 +1411,7 @@
           <a:p>
             <a:fld id="{689CB065-93CC-4F93-97CB-5160E2F98F73}" type="datetimeFigureOut">
               <a:rPr lang="en-US" smtClean="0"/>
-              <a:t>1/4/2026</a:t>
+              <a:t>1/5/2026</a:t>
             </a:fld>
             <a:endParaRPr lang="en-US"/>
           </a:p>
@@ -1824,7 +1823,7 @@
           <a:p>
             <a:fld id="{689CB065-93CC-4F93-97CB-5160E2F98F73}" type="datetimeFigureOut">
               <a:rPr lang="en-US" smtClean="0"/>
-              <a:t>1/4/2026</a:t>
+              <a:t>1/5/2026</a:t>
             </a:fld>
             <a:endParaRPr lang="en-US"/>
           </a:p>
@@ -1965,7 +1964,7 @@
           <a:p>
             <a:fld id="{689CB065-93CC-4F93-97CB-5160E2F98F73}" type="datetimeFigureOut">
               <a:rPr lang="en-US" smtClean="0"/>
-              <a:t>1/4/2026</a:t>
+              <a:t>1/5/2026</a:t>
             </a:fld>
             <a:endParaRPr lang="en-US"/>
           </a:p>
@@ -2078,7 +2077,7 @@
           <a:p>
             <a:fld id="{689CB065-93CC-4F93-97CB-5160E2F98F73}" type="datetimeFigureOut">
               <a:rPr lang="en-US" smtClean="0"/>
-              <a:t>1/4/2026</a:t>
+              <a:t>1/5/2026</a:t>
             </a:fld>
             <a:endParaRPr lang="en-US"/>
           </a:p>
@@ -2389,7 +2388,7 @@
           <a:p>
             <a:fld id="{689CB065-93CC-4F93-97CB-5160E2F98F73}" type="datetimeFigureOut">
               <a:rPr lang="en-US" smtClean="0"/>
-              <a:t>1/4/2026</a:t>
+              <a:t>1/5/2026</a:t>
             </a:fld>
             <a:endParaRPr lang="en-US"/>
           </a:p>
@@ -2677,7 +2676,7 @@
           <a:p>
             <a:fld id="{689CB065-93CC-4F93-97CB-5160E2F98F73}" type="datetimeFigureOut">
               <a:rPr lang="en-US" smtClean="0"/>
-              <a:t>1/4/2026</a:t>
+              <a:t>1/5/2026</a:t>
             </a:fld>
             <a:endParaRPr lang="en-US"/>
           </a:p>
@@ -2921,7 +2920,7 @@
           <a:p>
             <a:fld id="{689CB065-93CC-4F93-97CB-5160E2F98F73}" type="datetimeFigureOut">
               <a:rPr lang="en-US" smtClean="0"/>
-              <a:t>1/4/2026</a:t>
+              <a:t>1/5/2026</a:t>
             </a:fld>
             <a:endParaRPr lang="en-US"/>
           </a:p>
@@ -3418,72 +3417,6 @@
 </p:sld>
 </file>
 
-<file path=ppt/slides/slide10.xml><?xml version="1.0" encoding="utf-8"?>
-<p:sld xmlns:a="http://schemas.openxmlformats.org/drawingml/2006/main" xmlns:r="http://schemas.openxmlformats.org/officeDocument/2006/relationships" xmlns:p="http://schemas.openxmlformats.org/presentationml/2006/main">
-  <p:cSld>
-    <p:spTree>
-      <p:nvGrpSpPr>
-        <p:cNvPr id="1" name=""/>
-        <p:cNvGrpSpPr/>
-        <p:nvPr/>
-      </p:nvGrpSpPr>
-      <p:grpSpPr>
-        <a:xfrm>
-          <a:off x="0" y="0"/>
-          <a:ext cx="0" cy="0"/>
-          <a:chOff x="0" y="0"/>
-          <a:chExt cx="0" cy="0"/>
-        </a:xfrm>
-      </p:grpSpPr>
-      <p:sp>
-        <p:nvSpPr>
-          <p:cNvPr id="6" name="Title 1"/>
-          <p:cNvSpPr>
-            <a:spLocks noGrp="1"/>
-          </p:cNvSpPr>
-          <p:nvPr>
-            <p:ph type="title"/>
-          </p:nvPr>
-        </p:nvSpPr>
-        <p:spPr>
-          <a:xfrm>
-            <a:off x="157162" y="142875"/>
-            <a:ext cx="11858625" cy="6557963"/>
-          </a:xfrm>
-        </p:spPr>
-        <p:txBody>
-          <a:bodyPr anchor="ctr">
-            <a:normAutofit/>
-          </a:bodyPr>
-          <a:lstStyle/>
-          <a:p>
-            <a:pPr algn="ctr"/>
-            <a:r>
-              <a:rPr lang="en-US" sz="11500" dirty="0">
-                <a:solidFill>
-                  <a:schemeClr val="bg1"/>
-                </a:solidFill>
-                <a:latin typeface="Times New Roman" panose="02020603050405020304" pitchFamily="18" charset="0"/>
-                <a:cs typeface="Times New Roman" panose="02020603050405020304" pitchFamily="18" charset="0"/>
-              </a:rPr>
-              <a:t>to open our eyes to the lord!</a:t>
-            </a:r>
-          </a:p>
-        </p:txBody>
-      </p:sp>
-    </p:spTree>
-    <p:extLst>
-      <p:ext uri="{BB962C8B-B14F-4D97-AF65-F5344CB8AC3E}">
-        <p14:creationId xmlns:p14="http://schemas.microsoft.com/office/powerpoint/2010/main" val="660123209"/>
-      </p:ext>
-    </p:extLst>
-  </p:cSld>
-  <p:clrMapOvr>
-    <a:masterClrMapping/>
-  </p:clrMapOvr>
-</p:sld>
-</file>
-
 <file path=ppt/slides/slide2.xml><?xml version="1.0" encoding="utf-8"?>
 <p:sld xmlns:a="http://schemas.openxmlformats.org/drawingml/2006/main" xmlns:r="http://schemas.openxmlformats.org/officeDocument/2006/relationships" xmlns:p="http://schemas.openxmlformats.org/presentationml/2006/main">
   <p:cSld>
@@ -3534,6 +3467,1254 @@
               </a:rPr>
               <a:t>You are the voice of the living god, calling us now to live in your love,</a:t>
             </a:r>
+          </a:p>
+        </p:txBody>
+      </p:sp>
+      <p:sp>
+        <p:nvSpPr>
+          <p:cNvPr id="3" name="Rectangle 2">
+            <a:extLst>
+              <a:ext uri="{FF2B5EF4-FFF2-40B4-BE49-F238E27FC236}">
+                <a16:creationId xmlns:a16="http://schemas.microsoft.com/office/drawing/2014/main" id="{41830E8C-610D-4073-AA73-B4F60A414A38}"/>
+              </a:ext>
+            </a:extLst>
+          </p:cNvPr>
+          <p:cNvSpPr/>
+          <p:nvPr/>
+        </p:nvSpPr>
+        <p:spPr>
+          <a:xfrm>
+            <a:off x="1396248" y="-246102"/>
+            <a:ext cx="1786597" cy="970671"/>
+          </a:xfrm>
+          <a:prstGeom prst="rect">
+            <a:avLst/>
+          </a:prstGeom>
+          <a:noFill/>
+          <a:ln>
+            <a:noFill/>
+          </a:ln>
+        </p:spPr>
+        <p:style>
+          <a:lnRef idx="2">
+            <a:schemeClr val="accent1">
+              <a:shade val="50000"/>
+            </a:schemeClr>
+          </a:lnRef>
+          <a:fillRef idx="1">
+            <a:schemeClr val="accent1"/>
+          </a:fillRef>
+          <a:effectRef idx="0">
+            <a:schemeClr val="accent1"/>
+          </a:effectRef>
+          <a:fontRef idx="minor">
+            <a:schemeClr val="lt1"/>
+          </a:fontRef>
+        </p:style>
+        <p:txBody>
+          <a:bodyPr rtlCol="0" anchor="ctr"/>
+          <a:lstStyle>
+            <a:defPPr>
+              <a:defRPr lang="en-US"/>
+            </a:defPPr>
+            <a:lvl1pPr marL="0" algn="l" defTabSz="914400" rtl="0" eaLnBrk="1" latinLnBrk="0" hangingPunct="1">
+              <a:defRPr sz="1800" kern="1200">
+                <a:solidFill>
+                  <a:schemeClr val="lt1"/>
+                </a:solidFill>
+                <a:latin typeface="+mn-lt"/>
+                <a:ea typeface="+mn-ea"/>
+                <a:cs typeface="+mn-cs"/>
+              </a:defRPr>
+            </a:lvl1pPr>
+            <a:lvl2pPr marL="457200" algn="l" defTabSz="914400" rtl="0" eaLnBrk="1" latinLnBrk="0" hangingPunct="1">
+              <a:defRPr sz="1800" kern="1200">
+                <a:solidFill>
+                  <a:schemeClr val="lt1"/>
+                </a:solidFill>
+                <a:latin typeface="+mn-lt"/>
+                <a:ea typeface="+mn-ea"/>
+                <a:cs typeface="+mn-cs"/>
+              </a:defRPr>
+            </a:lvl2pPr>
+            <a:lvl3pPr marL="914400" algn="l" defTabSz="914400" rtl="0" eaLnBrk="1" latinLnBrk="0" hangingPunct="1">
+              <a:defRPr sz="1800" kern="1200">
+                <a:solidFill>
+                  <a:schemeClr val="lt1"/>
+                </a:solidFill>
+                <a:latin typeface="+mn-lt"/>
+                <a:ea typeface="+mn-ea"/>
+                <a:cs typeface="+mn-cs"/>
+              </a:defRPr>
+            </a:lvl3pPr>
+            <a:lvl4pPr marL="1371600" algn="l" defTabSz="914400" rtl="0" eaLnBrk="1" latinLnBrk="0" hangingPunct="1">
+              <a:defRPr sz="1800" kern="1200">
+                <a:solidFill>
+                  <a:schemeClr val="lt1"/>
+                </a:solidFill>
+                <a:latin typeface="+mn-lt"/>
+                <a:ea typeface="+mn-ea"/>
+                <a:cs typeface="+mn-cs"/>
+              </a:defRPr>
+            </a:lvl4pPr>
+            <a:lvl5pPr marL="1828800" algn="l" defTabSz="914400" rtl="0" eaLnBrk="1" latinLnBrk="0" hangingPunct="1">
+              <a:defRPr sz="1800" kern="1200">
+                <a:solidFill>
+                  <a:schemeClr val="lt1"/>
+                </a:solidFill>
+                <a:latin typeface="+mn-lt"/>
+                <a:ea typeface="+mn-ea"/>
+                <a:cs typeface="+mn-cs"/>
+              </a:defRPr>
+            </a:lvl5pPr>
+            <a:lvl6pPr marL="2286000" algn="l" defTabSz="914400" rtl="0" eaLnBrk="1" latinLnBrk="0" hangingPunct="1">
+              <a:defRPr sz="1800" kern="1200">
+                <a:solidFill>
+                  <a:schemeClr val="lt1"/>
+                </a:solidFill>
+                <a:latin typeface="+mn-lt"/>
+                <a:ea typeface="+mn-ea"/>
+                <a:cs typeface="+mn-cs"/>
+              </a:defRPr>
+            </a:lvl6pPr>
+            <a:lvl7pPr marL="2743200" algn="l" defTabSz="914400" rtl="0" eaLnBrk="1" latinLnBrk="0" hangingPunct="1">
+              <a:defRPr sz="1800" kern="1200">
+                <a:solidFill>
+                  <a:schemeClr val="lt1"/>
+                </a:solidFill>
+                <a:latin typeface="+mn-lt"/>
+                <a:ea typeface="+mn-ea"/>
+                <a:cs typeface="+mn-cs"/>
+              </a:defRPr>
+            </a:lvl7pPr>
+            <a:lvl8pPr marL="3200400" algn="l" defTabSz="914400" rtl="0" eaLnBrk="1" latinLnBrk="0" hangingPunct="1">
+              <a:defRPr sz="1800" kern="1200">
+                <a:solidFill>
+                  <a:schemeClr val="lt1"/>
+                </a:solidFill>
+                <a:latin typeface="+mn-lt"/>
+                <a:ea typeface="+mn-ea"/>
+                <a:cs typeface="+mn-cs"/>
+              </a:defRPr>
+            </a:lvl8pPr>
+            <a:lvl9pPr marL="3657600" algn="l" defTabSz="914400" rtl="0" eaLnBrk="1" latinLnBrk="0" hangingPunct="1">
+              <a:defRPr sz="1800" kern="1200">
+                <a:solidFill>
+                  <a:schemeClr val="lt1"/>
+                </a:solidFill>
+                <a:latin typeface="+mn-lt"/>
+                <a:ea typeface="+mn-ea"/>
+                <a:cs typeface="+mn-cs"/>
+              </a:defRPr>
+            </a:lvl9pPr>
+          </a:lstStyle>
+          <a:p>
+            <a:pPr algn="ctr"/>
+            <a:r>
+              <a:rPr lang="en-US" sz="5400" dirty="0">
+                <a:solidFill>
+                  <a:schemeClr val="accent4"/>
+                </a:solidFill>
+              </a:rPr>
+              <a:t>A</a:t>
+            </a:r>
+            <a:endParaRPr lang="en-PH" sz="5400" dirty="0">
+              <a:solidFill>
+                <a:schemeClr val="accent4"/>
+              </a:solidFill>
+            </a:endParaRPr>
+          </a:p>
+        </p:txBody>
+      </p:sp>
+      <p:sp>
+        <p:nvSpPr>
+          <p:cNvPr id="4" name="Rectangle 3">
+            <a:extLst>
+              <a:ext uri="{FF2B5EF4-FFF2-40B4-BE49-F238E27FC236}">
+                <a16:creationId xmlns:a16="http://schemas.microsoft.com/office/drawing/2014/main" id="{C84BE522-B192-402A-8A2E-AFA32010F8CB}"/>
+              </a:ext>
+            </a:extLst>
+          </p:cNvPr>
+          <p:cNvSpPr/>
+          <p:nvPr/>
+        </p:nvSpPr>
+        <p:spPr>
+          <a:xfrm>
+            <a:off x="8396015" y="-242557"/>
+            <a:ext cx="1786597" cy="970671"/>
+          </a:xfrm>
+          <a:prstGeom prst="rect">
+            <a:avLst/>
+          </a:prstGeom>
+          <a:noFill/>
+          <a:ln>
+            <a:noFill/>
+          </a:ln>
+        </p:spPr>
+        <p:style>
+          <a:lnRef idx="2">
+            <a:schemeClr val="accent1">
+              <a:shade val="50000"/>
+            </a:schemeClr>
+          </a:lnRef>
+          <a:fillRef idx="1">
+            <a:schemeClr val="accent1"/>
+          </a:fillRef>
+          <a:effectRef idx="0">
+            <a:schemeClr val="accent1"/>
+          </a:effectRef>
+          <a:fontRef idx="minor">
+            <a:schemeClr val="lt1"/>
+          </a:fontRef>
+        </p:style>
+        <p:txBody>
+          <a:bodyPr rtlCol="0" anchor="ctr"/>
+          <a:lstStyle>
+            <a:defPPr>
+              <a:defRPr lang="en-US"/>
+            </a:defPPr>
+            <a:lvl1pPr marL="0" algn="l" defTabSz="914400" rtl="0" eaLnBrk="1" latinLnBrk="0" hangingPunct="1">
+              <a:defRPr sz="1800" kern="1200">
+                <a:solidFill>
+                  <a:schemeClr val="lt1"/>
+                </a:solidFill>
+                <a:latin typeface="+mn-lt"/>
+                <a:ea typeface="+mn-ea"/>
+                <a:cs typeface="+mn-cs"/>
+              </a:defRPr>
+            </a:lvl1pPr>
+            <a:lvl2pPr marL="457200" algn="l" defTabSz="914400" rtl="0" eaLnBrk="1" latinLnBrk="0" hangingPunct="1">
+              <a:defRPr sz="1800" kern="1200">
+                <a:solidFill>
+                  <a:schemeClr val="lt1"/>
+                </a:solidFill>
+                <a:latin typeface="+mn-lt"/>
+                <a:ea typeface="+mn-ea"/>
+                <a:cs typeface="+mn-cs"/>
+              </a:defRPr>
+            </a:lvl2pPr>
+            <a:lvl3pPr marL="914400" algn="l" defTabSz="914400" rtl="0" eaLnBrk="1" latinLnBrk="0" hangingPunct="1">
+              <a:defRPr sz="1800" kern="1200">
+                <a:solidFill>
+                  <a:schemeClr val="lt1"/>
+                </a:solidFill>
+                <a:latin typeface="+mn-lt"/>
+                <a:ea typeface="+mn-ea"/>
+                <a:cs typeface="+mn-cs"/>
+              </a:defRPr>
+            </a:lvl3pPr>
+            <a:lvl4pPr marL="1371600" algn="l" defTabSz="914400" rtl="0" eaLnBrk="1" latinLnBrk="0" hangingPunct="1">
+              <a:defRPr sz="1800" kern="1200">
+                <a:solidFill>
+                  <a:schemeClr val="lt1"/>
+                </a:solidFill>
+                <a:latin typeface="+mn-lt"/>
+                <a:ea typeface="+mn-ea"/>
+                <a:cs typeface="+mn-cs"/>
+              </a:defRPr>
+            </a:lvl4pPr>
+            <a:lvl5pPr marL="1828800" algn="l" defTabSz="914400" rtl="0" eaLnBrk="1" latinLnBrk="0" hangingPunct="1">
+              <a:defRPr sz="1800" kern="1200">
+                <a:solidFill>
+                  <a:schemeClr val="lt1"/>
+                </a:solidFill>
+                <a:latin typeface="+mn-lt"/>
+                <a:ea typeface="+mn-ea"/>
+                <a:cs typeface="+mn-cs"/>
+              </a:defRPr>
+            </a:lvl5pPr>
+            <a:lvl6pPr marL="2286000" algn="l" defTabSz="914400" rtl="0" eaLnBrk="1" latinLnBrk="0" hangingPunct="1">
+              <a:defRPr sz="1800" kern="1200">
+                <a:solidFill>
+                  <a:schemeClr val="lt1"/>
+                </a:solidFill>
+                <a:latin typeface="+mn-lt"/>
+                <a:ea typeface="+mn-ea"/>
+                <a:cs typeface="+mn-cs"/>
+              </a:defRPr>
+            </a:lvl6pPr>
+            <a:lvl7pPr marL="2743200" algn="l" defTabSz="914400" rtl="0" eaLnBrk="1" latinLnBrk="0" hangingPunct="1">
+              <a:defRPr sz="1800" kern="1200">
+                <a:solidFill>
+                  <a:schemeClr val="lt1"/>
+                </a:solidFill>
+                <a:latin typeface="+mn-lt"/>
+                <a:ea typeface="+mn-ea"/>
+                <a:cs typeface="+mn-cs"/>
+              </a:defRPr>
+            </a:lvl7pPr>
+            <a:lvl8pPr marL="3200400" algn="l" defTabSz="914400" rtl="0" eaLnBrk="1" latinLnBrk="0" hangingPunct="1">
+              <a:defRPr sz="1800" kern="1200">
+                <a:solidFill>
+                  <a:schemeClr val="lt1"/>
+                </a:solidFill>
+                <a:latin typeface="+mn-lt"/>
+                <a:ea typeface="+mn-ea"/>
+                <a:cs typeface="+mn-cs"/>
+              </a:defRPr>
+            </a:lvl8pPr>
+            <a:lvl9pPr marL="3657600" algn="l" defTabSz="914400" rtl="0" eaLnBrk="1" latinLnBrk="0" hangingPunct="1">
+              <a:defRPr sz="1800" kern="1200">
+                <a:solidFill>
+                  <a:schemeClr val="lt1"/>
+                </a:solidFill>
+                <a:latin typeface="+mn-lt"/>
+                <a:ea typeface="+mn-ea"/>
+                <a:cs typeface="+mn-cs"/>
+              </a:defRPr>
+            </a:lvl9pPr>
+          </a:lstStyle>
+          <a:p>
+            <a:pPr algn="ctr"/>
+            <a:r>
+              <a:rPr lang="en-US" sz="5400" dirty="0" err="1">
+                <a:solidFill>
+                  <a:schemeClr val="accent4"/>
+                </a:solidFill>
+              </a:rPr>
+              <a:t>F#m</a:t>
+            </a:r>
+            <a:endParaRPr lang="en-PH" sz="5400" dirty="0">
+              <a:solidFill>
+                <a:schemeClr val="accent4"/>
+              </a:solidFill>
+            </a:endParaRPr>
+          </a:p>
+        </p:txBody>
+      </p:sp>
+      <p:sp>
+        <p:nvSpPr>
+          <p:cNvPr id="5" name="Rectangle 4">
+            <a:extLst>
+              <a:ext uri="{FF2B5EF4-FFF2-40B4-BE49-F238E27FC236}">
+                <a16:creationId xmlns:a16="http://schemas.microsoft.com/office/drawing/2014/main" id="{6C22058C-D19A-476E-A266-B535BF740A64}"/>
+              </a:ext>
+            </a:extLst>
+          </p:cNvPr>
+          <p:cNvSpPr/>
+          <p:nvPr/>
+        </p:nvSpPr>
+        <p:spPr>
+          <a:xfrm>
+            <a:off x="5099919" y="1437384"/>
+            <a:ext cx="1786597" cy="970671"/>
+          </a:xfrm>
+          <a:prstGeom prst="rect">
+            <a:avLst/>
+          </a:prstGeom>
+          <a:noFill/>
+          <a:ln>
+            <a:noFill/>
+          </a:ln>
+        </p:spPr>
+        <p:style>
+          <a:lnRef idx="2">
+            <a:schemeClr val="accent1">
+              <a:shade val="50000"/>
+            </a:schemeClr>
+          </a:lnRef>
+          <a:fillRef idx="1">
+            <a:schemeClr val="accent1"/>
+          </a:fillRef>
+          <a:effectRef idx="0">
+            <a:schemeClr val="accent1"/>
+          </a:effectRef>
+          <a:fontRef idx="minor">
+            <a:schemeClr val="lt1"/>
+          </a:fontRef>
+        </p:style>
+        <p:txBody>
+          <a:bodyPr rtlCol="0" anchor="ctr"/>
+          <a:lstStyle>
+            <a:defPPr>
+              <a:defRPr lang="en-US"/>
+            </a:defPPr>
+            <a:lvl1pPr marL="0" algn="l" defTabSz="914400" rtl="0" eaLnBrk="1" latinLnBrk="0" hangingPunct="1">
+              <a:defRPr sz="1800" kern="1200">
+                <a:solidFill>
+                  <a:schemeClr val="lt1"/>
+                </a:solidFill>
+                <a:latin typeface="+mn-lt"/>
+                <a:ea typeface="+mn-ea"/>
+                <a:cs typeface="+mn-cs"/>
+              </a:defRPr>
+            </a:lvl1pPr>
+            <a:lvl2pPr marL="457200" algn="l" defTabSz="914400" rtl="0" eaLnBrk="1" latinLnBrk="0" hangingPunct="1">
+              <a:defRPr sz="1800" kern="1200">
+                <a:solidFill>
+                  <a:schemeClr val="lt1"/>
+                </a:solidFill>
+                <a:latin typeface="+mn-lt"/>
+                <a:ea typeface="+mn-ea"/>
+                <a:cs typeface="+mn-cs"/>
+              </a:defRPr>
+            </a:lvl2pPr>
+            <a:lvl3pPr marL="914400" algn="l" defTabSz="914400" rtl="0" eaLnBrk="1" latinLnBrk="0" hangingPunct="1">
+              <a:defRPr sz="1800" kern="1200">
+                <a:solidFill>
+                  <a:schemeClr val="lt1"/>
+                </a:solidFill>
+                <a:latin typeface="+mn-lt"/>
+                <a:ea typeface="+mn-ea"/>
+                <a:cs typeface="+mn-cs"/>
+              </a:defRPr>
+            </a:lvl3pPr>
+            <a:lvl4pPr marL="1371600" algn="l" defTabSz="914400" rtl="0" eaLnBrk="1" latinLnBrk="0" hangingPunct="1">
+              <a:defRPr sz="1800" kern="1200">
+                <a:solidFill>
+                  <a:schemeClr val="lt1"/>
+                </a:solidFill>
+                <a:latin typeface="+mn-lt"/>
+                <a:ea typeface="+mn-ea"/>
+                <a:cs typeface="+mn-cs"/>
+              </a:defRPr>
+            </a:lvl4pPr>
+            <a:lvl5pPr marL="1828800" algn="l" defTabSz="914400" rtl="0" eaLnBrk="1" latinLnBrk="0" hangingPunct="1">
+              <a:defRPr sz="1800" kern="1200">
+                <a:solidFill>
+                  <a:schemeClr val="lt1"/>
+                </a:solidFill>
+                <a:latin typeface="+mn-lt"/>
+                <a:ea typeface="+mn-ea"/>
+                <a:cs typeface="+mn-cs"/>
+              </a:defRPr>
+            </a:lvl5pPr>
+            <a:lvl6pPr marL="2286000" algn="l" defTabSz="914400" rtl="0" eaLnBrk="1" latinLnBrk="0" hangingPunct="1">
+              <a:defRPr sz="1800" kern="1200">
+                <a:solidFill>
+                  <a:schemeClr val="lt1"/>
+                </a:solidFill>
+                <a:latin typeface="+mn-lt"/>
+                <a:ea typeface="+mn-ea"/>
+                <a:cs typeface="+mn-cs"/>
+              </a:defRPr>
+            </a:lvl6pPr>
+            <a:lvl7pPr marL="2743200" algn="l" defTabSz="914400" rtl="0" eaLnBrk="1" latinLnBrk="0" hangingPunct="1">
+              <a:defRPr sz="1800" kern="1200">
+                <a:solidFill>
+                  <a:schemeClr val="lt1"/>
+                </a:solidFill>
+                <a:latin typeface="+mn-lt"/>
+                <a:ea typeface="+mn-ea"/>
+                <a:cs typeface="+mn-cs"/>
+              </a:defRPr>
+            </a:lvl7pPr>
+            <a:lvl8pPr marL="3200400" algn="l" defTabSz="914400" rtl="0" eaLnBrk="1" latinLnBrk="0" hangingPunct="1">
+              <a:defRPr sz="1800" kern="1200">
+                <a:solidFill>
+                  <a:schemeClr val="lt1"/>
+                </a:solidFill>
+                <a:latin typeface="+mn-lt"/>
+                <a:ea typeface="+mn-ea"/>
+                <a:cs typeface="+mn-cs"/>
+              </a:defRPr>
+            </a:lvl8pPr>
+            <a:lvl9pPr marL="3657600" algn="l" defTabSz="914400" rtl="0" eaLnBrk="1" latinLnBrk="0" hangingPunct="1">
+              <a:defRPr sz="1800" kern="1200">
+                <a:solidFill>
+                  <a:schemeClr val="lt1"/>
+                </a:solidFill>
+                <a:latin typeface="+mn-lt"/>
+                <a:ea typeface="+mn-ea"/>
+                <a:cs typeface="+mn-cs"/>
+              </a:defRPr>
+            </a:lvl9pPr>
+          </a:lstStyle>
+          <a:p>
+            <a:pPr algn="ctr"/>
+            <a:r>
+              <a:rPr lang="en-US" sz="5400" dirty="0">
+                <a:solidFill>
+                  <a:schemeClr val="accent4"/>
+                </a:solidFill>
+              </a:rPr>
+              <a:t>D</a:t>
+            </a:r>
+            <a:endParaRPr lang="en-PH" sz="5400" dirty="0">
+              <a:solidFill>
+                <a:schemeClr val="accent4"/>
+              </a:solidFill>
+            </a:endParaRPr>
+          </a:p>
+        </p:txBody>
+      </p:sp>
+      <p:sp>
+        <p:nvSpPr>
+          <p:cNvPr id="6" name="Rectangle 5">
+            <a:extLst>
+              <a:ext uri="{FF2B5EF4-FFF2-40B4-BE49-F238E27FC236}">
+                <a16:creationId xmlns:a16="http://schemas.microsoft.com/office/drawing/2014/main" id="{A02E83D3-C78A-47CD-B0B8-D03A60F433B9}"/>
+              </a:ext>
+            </a:extLst>
+          </p:cNvPr>
+          <p:cNvSpPr/>
+          <p:nvPr/>
+        </p:nvSpPr>
+        <p:spPr>
+          <a:xfrm>
+            <a:off x="8800047" y="1458652"/>
+            <a:ext cx="1786597" cy="970671"/>
+          </a:xfrm>
+          <a:prstGeom prst="rect">
+            <a:avLst/>
+          </a:prstGeom>
+          <a:noFill/>
+          <a:ln>
+            <a:noFill/>
+          </a:ln>
+        </p:spPr>
+        <p:style>
+          <a:lnRef idx="2">
+            <a:schemeClr val="accent1">
+              <a:shade val="50000"/>
+            </a:schemeClr>
+          </a:lnRef>
+          <a:fillRef idx="1">
+            <a:schemeClr val="accent1"/>
+          </a:fillRef>
+          <a:effectRef idx="0">
+            <a:schemeClr val="accent1"/>
+          </a:effectRef>
+          <a:fontRef idx="minor">
+            <a:schemeClr val="lt1"/>
+          </a:fontRef>
+        </p:style>
+        <p:txBody>
+          <a:bodyPr rtlCol="0" anchor="ctr"/>
+          <a:lstStyle>
+            <a:defPPr>
+              <a:defRPr lang="en-US"/>
+            </a:defPPr>
+            <a:lvl1pPr marL="0" algn="l" defTabSz="914400" rtl="0" eaLnBrk="1" latinLnBrk="0" hangingPunct="1">
+              <a:defRPr sz="1800" kern="1200">
+                <a:solidFill>
+                  <a:schemeClr val="lt1"/>
+                </a:solidFill>
+                <a:latin typeface="+mn-lt"/>
+                <a:ea typeface="+mn-ea"/>
+                <a:cs typeface="+mn-cs"/>
+              </a:defRPr>
+            </a:lvl1pPr>
+            <a:lvl2pPr marL="457200" algn="l" defTabSz="914400" rtl="0" eaLnBrk="1" latinLnBrk="0" hangingPunct="1">
+              <a:defRPr sz="1800" kern="1200">
+                <a:solidFill>
+                  <a:schemeClr val="lt1"/>
+                </a:solidFill>
+                <a:latin typeface="+mn-lt"/>
+                <a:ea typeface="+mn-ea"/>
+                <a:cs typeface="+mn-cs"/>
+              </a:defRPr>
+            </a:lvl2pPr>
+            <a:lvl3pPr marL="914400" algn="l" defTabSz="914400" rtl="0" eaLnBrk="1" latinLnBrk="0" hangingPunct="1">
+              <a:defRPr sz="1800" kern="1200">
+                <a:solidFill>
+                  <a:schemeClr val="lt1"/>
+                </a:solidFill>
+                <a:latin typeface="+mn-lt"/>
+                <a:ea typeface="+mn-ea"/>
+                <a:cs typeface="+mn-cs"/>
+              </a:defRPr>
+            </a:lvl3pPr>
+            <a:lvl4pPr marL="1371600" algn="l" defTabSz="914400" rtl="0" eaLnBrk="1" latinLnBrk="0" hangingPunct="1">
+              <a:defRPr sz="1800" kern="1200">
+                <a:solidFill>
+                  <a:schemeClr val="lt1"/>
+                </a:solidFill>
+                <a:latin typeface="+mn-lt"/>
+                <a:ea typeface="+mn-ea"/>
+                <a:cs typeface="+mn-cs"/>
+              </a:defRPr>
+            </a:lvl4pPr>
+            <a:lvl5pPr marL="1828800" algn="l" defTabSz="914400" rtl="0" eaLnBrk="1" latinLnBrk="0" hangingPunct="1">
+              <a:defRPr sz="1800" kern="1200">
+                <a:solidFill>
+                  <a:schemeClr val="lt1"/>
+                </a:solidFill>
+                <a:latin typeface="+mn-lt"/>
+                <a:ea typeface="+mn-ea"/>
+                <a:cs typeface="+mn-cs"/>
+              </a:defRPr>
+            </a:lvl5pPr>
+            <a:lvl6pPr marL="2286000" algn="l" defTabSz="914400" rtl="0" eaLnBrk="1" latinLnBrk="0" hangingPunct="1">
+              <a:defRPr sz="1800" kern="1200">
+                <a:solidFill>
+                  <a:schemeClr val="lt1"/>
+                </a:solidFill>
+                <a:latin typeface="+mn-lt"/>
+                <a:ea typeface="+mn-ea"/>
+                <a:cs typeface="+mn-cs"/>
+              </a:defRPr>
+            </a:lvl6pPr>
+            <a:lvl7pPr marL="2743200" algn="l" defTabSz="914400" rtl="0" eaLnBrk="1" latinLnBrk="0" hangingPunct="1">
+              <a:defRPr sz="1800" kern="1200">
+                <a:solidFill>
+                  <a:schemeClr val="lt1"/>
+                </a:solidFill>
+                <a:latin typeface="+mn-lt"/>
+                <a:ea typeface="+mn-ea"/>
+                <a:cs typeface="+mn-cs"/>
+              </a:defRPr>
+            </a:lvl7pPr>
+            <a:lvl8pPr marL="3200400" algn="l" defTabSz="914400" rtl="0" eaLnBrk="1" latinLnBrk="0" hangingPunct="1">
+              <a:defRPr sz="1800" kern="1200">
+                <a:solidFill>
+                  <a:schemeClr val="lt1"/>
+                </a:solidFill>
+                <a:latin typeface="+mn-lt"/>
+                <a:ea typeface="+mn-ea"/>
+                <a:cs typeface="+mn-cs"/>
+              </a:defRPr>
+            </a:lvl8pPr>
+            <a:lvl9pPr marL="3657600" algn="l" defTabSz="914400" rtl="0" eaLnBrk="1" latinLnBrk="0" hangingPunct="1">
+              <a:defRPr sz="1800" kern="1200">
+                <a:solidFill>
+                  <a:schemeClr val="lt1"/>
+                </a:solidFill>
+                <a:latin typeface="+mn-lt"/>
+                <a:ea typeface="+mn-ea"/>
+                <a:cs typeface="+mn-cs"/>
+              </a:defRPr>
+            </a:lvl9pPr>
+          </a:lstStyle>
+          <a:p>
+            <a:pPr algn="ctr"/>
+            <a:r>
+              <a:rPr lang="en-US" sz="5400" dirty="0">
+                <a:solidFill>
+                  <a:schemeClr val="accent4"/>
+                </a:solidFill>
+              </a:rPr>
+              <a:t>A</a:t>
+            </a:r>
+            <a:endParaRPr lang="en-PH" sz="5400" dirty="0">
+              <a:solidFill>
+                <a:schemeClr val="accent4"/>
+              </a:solidFill>
+            </a:endParaRPr>
+          </a:p>
+        </p:txBody>
+      </p:sp>
+      <p:sp>
+        <p:nvSpPr>
+          <p:cNvPr id="7" name="Rectangle 6">
+            <a:extLst>
+              <a:ext uri="{FF2B5EF4-FFF2-40B4-BE49-F238E27FC236}">
+                <a16:creationId xmlns:a16="http://schemas.microsoft.com/office/drawing/2014/main" id="{A72D9D86-30D6-453D-9A0A-7C0D47388F2E}"/>
+              </a:ext>
+            </a:extLst>
+          </p:cNvPr>
+          <p:cNvSpPr/>
+          <p:nvPr/>
+        </p:nvSpPr>
+        <p:spPr>
+          <a:xfrm>
+            <a:off x="2952142" y="2798355"/>
+            <a:ext cx="1786597" cy="970671"/>
+          </a:xfrm>
+          <a:prstGeom prst="rect">
+            <a:avLst/>
+          </a:prstGeom>
+          <a:noFill/>
+          <a:ln>
+            <a:noFill/>
+          </a:ln>
+        </p:spPr>
+        <p:style>
+          <a:lnRef idx="2">
+            <a:schemeClr val="accent1">
+              <a:shade val="50000"/>
+            </a:schemeClr>
+          </a:lnRef>
+          <a:fillRef idx="1">
+            <a:schemeClr val="accent1"/>
+          </a:fillRef>
+          <a:effectRef idx="0">
+            <a:schemeClr val="accent1"/>
+          </a:effectRef>
+          <a:fontRef idx="minor">
+            <a:schemeClr val="lt1"/>
+          </a:fontRef>
+        </p:style>
+        <p:txBody>
+          <a:bodyPr rtlCol="0" anchor="ctr"/>
+          <a:lstStyle>
+            <a:defPPr>
+              <a:defRPr lang="en-US"/>
+            </a:defPPr>
+            <a:lvl1pPr marL="0" algn="l" defTabSz="914400" rtl="0" eaLnBrk="1" latinLnBrk="0" hangingPunct="1">
+              <a:defRPr sz="1800" kern="1200">
+                <a:solidFill>
+                  <a:schemeClr val="lt1"/>
+                </a:solidFill>
+                <a:latin typeface="+mn-lt"/>
+                <a:ea typeface="+mn-ea"/>
+                <a:cs typeface="+mn-cs"/>
+              </a:defRPr>
+            </a:lvl1pPr>
+            <a:lvl2pPr marL="457200" algn="l" defTabSz="914400" rtl="0" eaLnBrk="1" latinLnBrk="0" hangingPunct="1">
+              <a:defRPr sz="1800" kern="1200">
+                <a:solidFill>
+                  <a:schemeClr val="lt1"/>
+                </a:solidFill>
+                <a:latin typeface="+mn-lt"/>
+                <a:ea typeface="+mn-ea"/>
+                <a:cs typeface="+mn-cs"/>
+              </a:defRPr>
+            </a:lvl2pPr>
+            <a:lvl3pPr marL="914400" algn="l" defTabSz="914400" rtl="0" eaLnBrk="1" latinLnBrk="0" hangingPunct="1">
+              <a:defRPr sz="1800" kern="1200">
+                <a:solidFill>
+                  <a:schemeClr val="lt1"/>
+                </a:solidFill>
+                <a:latin typeface="+mn-lt"/>
+                <a:ea typeface="+mn-ea"/>
+                <a:cs typeface="+mn-cs"/>
+              </a:defRPr>
+            </a:lvl3pPr>
+            <a:lvl4pPr marL="1371600" algn="l" defTabSz="914400" rtl="0" eaLnBrk="1" latinLnBrk="0" hangingPunct="1">
+              <a:defRPr sz="1800" kern="1200">
+                <a:solidFill>
+                  <a:schemeClr val="lt1"/>
+                </a:solidFill>
+                <a:latin typeface="+mn-lt"/>
+                <a:ea typeface="+mn-ea"/>
+                <a:cs typeface="+mn-cs"/>
+              </a:defRPr>
+            </a:lvl4pPr>
+            <a:lvl5pPr marL="1828800" algn="l" defTabSz="914400" rtl="0" eaLnBrk="1" latinLnBrk="0" hangingPunct="1">
+              <a:defRPr sz="1800" kern="1200">
+                <a:solidFill>
+                  <a:schemeClr val="lt1"/>
+                </a:solidFill>
+                <a:latin typeface="+mn-lt"/>
+                <a:ea typeface="+mn-ea"/>
+                <a:cs typeface="+mn-cs"/>
+              </a:defRPr>
+            </a:lvl5pPr>
+            <a:lvl6pPr marL="2286000" algn="l" defTabSz="914400" rtl="0" eaLnBrk="1" latinLnBrk="0" hangingPunct="1">
+              <a:defRPr sz="1800" kern="1200">
+                <a:solidFill>
+                  <a:schemeClr val="lt1"/>
+                </a:solidFill>
+                <a:latin typeface="+mn-lt"/>
+                <a:ea typeface="+mn-ea"/>
+                <a:cs typeface="+mn-cs"/>
+              </a:defRPr>
+            </a:lvl6pPr>
+            <a:lvl7pPr marL="2743200" algn="l" defTabSz="914400" rtl="0" eaLnBrk="1" latinLnBrk="0" hangingPunct="1">
+              <a:defRPr sz="1800" kern="1200">
+                <a:solidFill>
+                  <a:schemeClr val="lt1"/>
+                </a:solidFill>
+                <a:latin typeface="+mn-lt"/>
+                <a:ea typeface="+mn-ea"/>
+                <a:cs typeface="+mn-cs"/>
+              </a:defRPr>
+            </a:lvl7pPr>
+            <a:lvl8pPr marL="3200400" algn="l" defTabSz="914400" rtl="0" eaLnBrk="1" latinLnBrk="0" hangingPunct="1">
+              <a:defRPr sz="1800" kern="1200">
+                <a:solidFill>
+                  <a:schemeClr val="lt1"/>
+                </a:solidFill>
+                <a:latin typeface="+mn-lt"/>
+                <a:ea typeface="+mn-ea"/>
+                <a:cs typeface="+mn-cs"/>
+              </a:defRPr>
+            </a:lvl8pPr>
+            <a:lvl9pPr marL="3657600" algn="l" defTabSz="914400" rtl="0" eaLnBrk="1" latinLnBrk="0" hangingPunct="1">
+              <a:defRPr sz="1800" kern="1200">
+                <a:solidFill>
+                  <a:schemeClr val="lt1"/>
+                </a:solidFill>
+                <a:latin typeface="+mn-lt"/>
+                <a:ea typeface="+mn-ea"/>
+                <a:cs typeface="+mn-cs"/>
+              </a:defRPr>
+            </a:lvl9pPr>
+          </a:lstStyle>
+          <a:p>
+            <a:pPr algn="ctr"/>
+            <a:r>
+              <a:rPr lang="en-US" sz="5400" dirty="0" err="1">
+                <a:solidFill>
+                  <a:schemeClr val="accent4"/>
+                </a:solidFill>
+              </a:rPr>
+              <a:t>B#m</a:t>
+            </a:r>
+            <a:endParaRPr lang="en-PH" sz="5400" dirty="0">
+              <a:solidFill>
+                <a:schemeClr val="accent4"/>
+              </a:solidFill>
+            </a:endParaRPr>
+          </a:p>
+        </p:txBody>
+      </p:sp>
+      <p:sp>
+        <p:nvSpPr>
+          <p:cNvPr id="8" name="Rectangle 7">
+            <a:extLst>
+              <a:ext uri="{FF2B5EF4-FFF2-40B4-BE49-F238E27FC236}">
+                <a16:creationId xmlns:a16="http://schemas.microsoft.com/office/drawing/2014/main" id="{A490EE79-A428-4325-AD2C-DB14F33A4776}"/>
+              </a:ext>
+            </a:extLst>
+          </p:cNvPr>
+          <p:cNvSpPr/>
+          <p:nvPr/>
+        </p:nvSpPr>
+        <p:spPr>
+          <a:xfrm>
+            <a:off x="7247699" y="3064110"/>
+            <a:ext cx="1786597" cy="970671"/>
+          </a:xfrm>
+          <a:prstGeom prst="rect">
+            <a:avLst/>
+          </a:prstGeom>
+          <a:noFill/>
+          <a:ln>
+            <a:noFill/>
+          </a:ln>
+        </p:spPr>
+        <p:style>
+          <a:lnRef idx="2">
+            <a:schemeClr val="accent1">
+              <a:shade val="50000"/>
+            </a:schemeClr>
+          </a:lnRef>
+          <a:fillRef idx="1">
+            <a:schemeClr val="accent1"/>
+          </a:fillRef>
+          <a:effectRef idx="0">
+            <a:schemeClr val="accent1"/>
+          </a:effectRef>
+          <a:fontRef idx="minor">
+            <a:schemeClr val="lt1"/>
+          </a:fontRef>
+        </p:style>
+        <p:txBody>
+          <a:bodyPr rtlCol="0" anchor="ctr"/>
+          <a:lstStyle>
+            <a:defPPr>
+              <a:defRPr lang="en-US"/>
+            </a:defPPr>
+            <a:lvl1pPr marL="0" algn="l" defTabSz="914400" rtl="0" eaLnBrk="1" latinLnBrk="0" hangingPunct="1">
+              <a:defRPr sz="1800" kern="1200">
+                <a:solidFill>
+                  <a:schemeClr val="lt1"/>
+                </a:solidFill>
+                <a:latin typeface="+mn-lt"/>
+                <a:ea typeface="+mn-ea"/>
+                <a:cs typeface="+mn-cs"/>
+              </a:defRPr>
+            </a:lvl1pPr>
+            <a:lvl2pPr marL="457200" algn="l" defTabSz="914400" rtl="0" eaLnBrk="1" latinLnBrk="0" hangingPunct="1">
+              <a:defRPr sz="1800" kern="1200">
+                <a:solidFill>
+                  <a:schemeClr val="lt1"/>
+                </a:solidFill>
+                <a:latin typeface="+mn-lt"/>
+                <a:ea typeface="+mn-ea"/>
+                <a:cs typeface="+mn-cs"/>
+              </a:defRPr>
+            </a:lvl2pPr>
+            <a:lvl3pPr marL="914400" algn="l" defTabSz="914400" rtl="0" eaLnBrk="1" latinLnBrk="0" hangingPunct="1">
+              <a:defRPr sz="1800" kern="1200">
+                <a:solidFill>
+                  <a:schemeClr val="lt1"/>
+                </a:solidFill>
+                <a:latin typeface="+mn-lt"/>
+                <a:ea typeface="+mn-ea"/>
+                <a:cs typeface="+mn-cs"/>
+              </a:defRPr>
+            </a:lvl3pPr>
+            <a:lvl4pPr marL="1371600" algn="l" defTabSz="914400" rtl="0" eaLnBrk="1" latinLnBrk="0" hangingPunct="1">
+              <a:defRPr sz="1800" kern="1200">
+                <a:solidFill>
+                  <a:schemeClr val="lt1"/>
+                </a:solidFill>
+                <a:latin typeface="+mn-lt"/>
+                <a:ea typeface="+mn-ea"/>
+                <a:cs typeface="+mn-cs"/>
+              </a:defRPr>
+            </a:lvl4pPr>
+            <a:lvl5pPr marL="1828800" algn="l" defTabSz="914400" rtl="0" eaLnBrk="1" latinLnBrk="0" hangingPunct="1">
+              <a:defRPr sz="1800" kern="1200">
+                <a:solidFill>
+                  <a:schemeClr val="lt1"/>
+                </a:solidFill>
+                <a:latin typeface="+mn-lt"/>
+                <a:ea typeface="+mn-ea"/>
+                <a:cs typeface="+mn-cs"/>
+              </a:defRPr>
+            </a:lvl5pPr>
+            <a:lvl6pPr marL="2286000" algn="l" defTabSz="914400" rtl="0" eaLnBrk="1" latinLnBrk="0" hangingPunct="1">
+              <a:defRPr sz="1800" kern="1200">
+                <a:solidFill>
+                  <a:schemeClr val="lt1"/>
+                </a:solidFill>
+                <a:latin typeface="+mn-lt"/>
+                <a:ea typeface="+mn-ea"/>
+                <a:cs typeface="+mn-cs"/>
+              </a:defRPr>
+            </a:lvl6pPr>
+            <a:lvl7pPr marL="2743200" algn="l" defTabSz="914400" rtl="0" eaLnBrk="1" latinLnBrk="0" hangingPunct="1">
+              <a:defRPr sz="1800" kern="1200">
+                <a:solidFill>
+                  <a:schemeClr val="lt1"/>
+                </a:solidFill>
+                <a:latin typeface="+mn-lt"/>
+                <a:ea typeface="+mn-ea"/>
+                <a:cs typeface="+mn-cs"/>
+              </a:defRPr>
+            </a:lvl7pPr>
+            <a:lvl8pPr marL="3200400" algn="l" defTabSz="914400" rtl="0" eaLnBrk="1" latinLnBrk="0" hangingPunct="1">
+              <a:defRPr sz="1800" kern="1200">
+                <a:solidFill>
+                  <a:schemeClr val="lt1"/>
+                </a:solidFill>
+                <a:latin typeface="+mn-lt"/>
+                <a:ea typeface="+mn-ea"/>
+                <a:cs typeface="+mn-cs"/>
+              </a:defRPr>
+            </a:lvl8pPr>
+            <a:lvl9pPr marL="3657600" algn="l" defTabSz="914400" rtl="0" eaLnBrk="1" latinLnBrk="0" hangingPunct="1">
+              <a:defRPr sz="1800" kern="1200">
+                <a:solidFill>
+                  <a:schemeClr val="lt1"/>
+                </a:solidFill>
+                <a:latin typeface="+mn-lt"/>
+                <a:ea typeface="+mn-ea"/>
+                <a:cs typeface="+mn-cs"/>
+              </a:defRPr>
+            </a:lvl9pPr>
+          </a:lstStyle>
+          <a:p>
+            <a:pPr algn="ctr"/>
+            <a:r>
+              <a:rPr lang="en-US" sz="5400" dirty="0">
+                <a:solidFill>
+                  <a:schemeClr val="accent4"/>
+                </a:solidFill>
+              </a:rPr>
+              <a:t>E</a:t>
+            </a:r>
+            <a:endParaRPr lang="en-PH" sz="5400" dirty="0">
+              <a:solidFill>
+                <a:schemeClr val="accent4"/>
+              </a:solidFill>
+            </a:endParaRPr>
+          </a:p>
+        </p:txBody>
+      </p:sp>
+      <p:sp>
+        <p:nvSpPr>
+          <p:cNvPr id="9" name="Rectangle 8">
+            <a:extLst>
+              <a:ext uri="{FF2B5EF4-FFF2-40B4-BE49-F238E27FC236}">
+                <a16:creationId xmlns:a16="http://schemas.microsoft.com/office/drawing/2014/main" id="{4B77EF32-108A-442A-B38B-0D50C56DAEB3}"/>
+              </a:ext>
+            </a:extLst>
+          </p:cNvPr>
+          <p:cNvSpPr/>
+          <p:nvPr/>
+        </p:nvSpPr>
+        <p:spPr>
+          <a:xfrm>
+            <a:off x="1414297" y="4583519"/>
+            <a:ext cx="1786597" cy="970671"/>
+          </a:xfrm>
+          <a:prstGeom prst="rect">
+            <a:avLst/>
+          </a:prstGeom>
+          <a:noFill/>
+          <a:ln>
+            <a:noFill/>
+          </a:ln>
+        </p:spPr>
+        <p:style>
+          <a:lnRef idx="2">
+            <a:schemeClr val="accent1">
+              <a:shade val="50000"/>
+            </a:schemeClr>
+          </a:lnRef>
+          <a:fillRef idx="1">
+            <a:schemeClr val="accent1"/>
+          </a:fillRef>
+          <a:effectRef idx="0">
+            <a:schemeClr val="accent1"/>
+          </a:effectRef>
+          <a:fontRef idx="minor">
+            <a:schemeClr val="lt1"/>
+          </a:fontRef>
+        </p:style>
+        <p:txBody>
+          <a:bodyPr rtlCol="0" anchor="ctr"/>
+          <a:lstStyle>
+            <a:defPPr>
+              <a:defRPr lang="en-US"/>
+            </a:defPPr>
+            <a:lvl1pPr marL="0" algn="l" defTabSz="914400" rtl="0" eaLnBrk="1" latinLnBrk="0" hangingPunct="1">
+              <a:defRPr sz="1800" kern="1200">
+                <a:solidFill>
+                  <a:schemeClr val="lt1"/>
+                </a:solidFill>
+                <a:latin typeface="+mn-lt"/>
+                <a:ea typeface="+mn-ea"/>
+                <a:cs typeface="+mn-cs"/>
+              </a:defRPr>
+            </a:lvl1pPr>
+            <a:lvl2pPr marL="457200" algn="l" defTabSz="914400" rtl="0" eaLnBrk="1" latinLnBrk="0" hangingPunct="1">
+              <a:defRPr sz="1800" kern="1200">
+                <a:solidFill>
+                  <a:schemeClr val="lt1"/>
+                </a:solidFill>
+                <a:latin typeface="+mn-lt"/>
+                <a:ea typeface="+mn-ea"/>
+                <a:cs typeface="+mn-cs"/>
+              </a:defRPr>
+            </a:lvl2pPr>
+            <a:lvl3pPr marL="914400" algn="l" defTabSz="914400" rtl="0" eaLnBrk="1" latinLnBrk="0" hangingPunct="1">
+              <a:defRPr sz="1800" kern="1200">
+                <a:solidFill>
+                  <a:schemeClr val="lt1"/>
+                </a:solidFill>
+                <a:latin typeface="+mn-lt"/>
+                <a:ea typeface="+mn-ea"/>
+                <a:cs typeface="+mn-cs"/>
+              </a:defRPr>
+            </a:lvl3pPr>
+            <a:lvl4pPr marL="1371600" algn="l" defTabSz="914400" rtl="0" eaLnBrk="1" latinLnBrk="0" hangingPunct="1">
+              <a:defRPr sz="1800" kern="1200">
+                <a:solidFill>
+                  <a:schemeClr val="lt1"/>
+                </a:solidFill>
+                <a:latin typeface="+mn-lt"/>
+                <a:ea typeface="+mn-ea"/>
+                <a:cs typeface="+mn-cs"/>
+              </a:defRPr>
+            </a:lvl4pPr>
+            <a:lvl5pPr marL="1828800" algn="l" defTabSz="914400" rtl="0" eaLnBrk="1" latinLnBrk="0" hangingPunct="1">
+              <a:defRPr sz="1800" kern="1200">
+                <a:solidFill>
+                  <a:schemeClr val="lt1"/>
+                </a:solidFill>
+                <a:latin typeface="+mn-lt"/>
+                <a:ea typeface="+mn-ea"/>
+                <a:cs typeface="+mn-cs"/>
+              </a:defRPr>
+            </a:lvl5pPr>
+            <a:lvl6pPr marL="2286000" algn="l" defTabSz="914400" rtl="0" eaLnBrk="1" latinLnBrk="0" hangingPunct="1">
+              <a:defRPr sz="1800" kern="1200">
+                <a:solidFill>
+                  <a:schemeClr val="lt1"/>
+                </a:solidFill>
+                <a:latin typeface="+mn-lt"/>
+                <a:ea typeface="+mn-ea"/>
+                <a:cs typeface="+mn-cs"/>
+              </a:defRPr>
+            </a:lvl6pPr>
+            <a:lvl7pPr marL="2743200" algn="l" defTabSz="914400" rtl="0" eaLnBrk="1" latinLnBrk="0" hangingPunct="1">
+              <a:defRPr sz="1800" kern="1200">
+                <a:solidFill>
+                  <a:schemeClr val="lt1"/>
+                </a:solidFill>
+                <a:latin typeface="+mn-lt"/>
+                <a:ea typeface="+mn-ea"/>
+                <a:cs typeface="+mn-cs"/>
+              </a:defRPr>
+            </a:lvl7pPr>
+            <a:lvl8pPr marL="3200400" algn="l" defTabSz="914400" rtl="0" eaLnBrk="1" latinLnBrk="0" hangingPunct="1">
+              <a:defRPr sz="1800" kern="1200">
+                <a:solidFill>
+                  <a:schemeClr val="lt1"/>
+                </a:solidFill>
+                <a:latin typeface="+mn-lt"/>
+                <a:ea typeface="+mn-ea"/>
+                <a:cs typeface="+mn-cs"/>
+              </a:defRPr>
+            </a:lvl8pPr>
+            <a:lvl9pPr marL="3657600" algn="l" defTabSz="914400" rtl="0" eaLnBrk="1" latinLnBrk="0" hangingPunct="1">
+              <a:defRPr sz="1800" kern="1200">
+                <a:solidFill>
+                  <a:schemeClr val="lt1"/>
+                </a:solidFill>
+                <a:latin typeface="+mn-lt"/>
+                <a:ea typeface="+mn-ea"/>
+                <a:cs typeface="+mn-cs"/>
+              </a:defRPr>
+            </a:lvl9pPr>
+          </a:lstStyle>
+          <a:p>
+            <a:pPr algn="ctr"/>
+            <a:r>
+              <a:rPr lang="en-US" sz="5400" dirty="0">
+                <a:solidFill>
+                  <a:schemeClr val="accent4"/>
+                </a:solidFill>
+              </a:rPr>
+              <a:t>A</a:t>
+            </a:r>
+            <a:endParaRPr lang="en-PH" sz="5400" dirty="0">
+              <a:solidFill>
+                <a:schemeClr val="accent4"/>
+              </a:solidFill>
+            </a:endParaRPr>
+          </a:p>
+        </p:txBody>
+      </p:sp>
+      <p:sp>
+        <p:nvSpPr>
+          <p:cNvPr id="10" name="Rectangle 9">
+            <a:extLst>
+              <a:ext uri="{FF2B5EF4-FFF2-40B4-BE49-F238E27FC236}">
+                <a16:creationId xmlns:a16="http://schemas.microsoft.com/office/drawing/2014/main" id="{69E9420F-C2DB-48E5-B78E-5CF1EE9FBA20}"/>
+              </a:ext>
+            </a:extLst>
+          </p:cNvPr>
+          <p:cNvSpPr/>
+          <p:nvPr/>
+        </p:nvSpPr>
+        <p:spPr>
+          <a:xfrm>
+            <a:off x="8590945" y="4566904"/>
+            <a:ext cx="1786597" cy="970671"/>
+          </a:xfrm>
+          <a:prstGeom prst="rect">
+            <a:avLst/>
+          </a:prstGeom>
+          <a:noFill/>
+          <a:ln>
+            <a:noFill/>
+          </a:ln>
+        </p:spPr>
+        <p:style>
+          <a:lnRef idx="2">
+            <a:schemeClr val="accent1">
+              <a:shade val="50000"/>
+            </a:schemeClr>
+          </a:lnRef>
+          <a:fillRef idx="1">
+            <a:schemeClr val="accent1"/>
+          </a:fillRef>
+          <a:effectRef idx="0">
+            <a:schemeClr val="accent1"/>
+          </a:effectRef>
+          <a:fontRef idx="minor">
+            <a:schemeClr val="lt1"/>
+          </a:fontRef>
+        </p:style>
+        <p:txBody>
+          <a:bodyPr rtlCol="0" anchor="ctr"/>
+          <a:lstStyle>
+            <a:defPPr>
+              <a:defRPr lang="en-US"/>
+            </a:defPPr>
+            <a:lvl1pPr marL="0" algn="l" defTabSz="914400" rtl="0" eaLnBrk="1" latinLnBrk="0" hangingPunct="1">
+              <a:defRPr sz="1800" kern="1200">
+                <a:solidFill>
+                  <a:schemeClr val="lt1"/>
+                </a:solidFill>
+                <a:latin typeface="+mn-lt"/>
+                <a:ea typeface="+mn-ea"/>
+                <a:cs typeface="+mn-cs"/>
+              </a:defRPr>
+            </a:lvl1pPr>
+            <a:lvl2pPr marL="457200" algn="l" defTabSz="914400" rtl="0" eaLnBrk="1" latinLnBrk="0" hangingPunct="1">
+              <a:defRPr sz="1800" kern="1200">
+                <a:solidFill>
+                  <a:schemeClr val="lt1"/>
+                </a:solidFill>
+                <a:latin typeface="+mn-lt"/>
+                <a:ea typeface="+mn-ea"/>
+                <a:cs typeface="+mn-cs"/>
+              </a:defRPr>
+            </a:lvl2pPr>
+            <a:lvl3pPr marL="914400" algn="l" defTabSz="914400" rtl="0" eaLnBrk="1" latinLnBrk="0" hangingPunct="1">
+              <a:defRPr sz="1800" kern="1200">
+                <a:solidFill>
+                  <a:schemeClr val="lt1"/>
+                </a:solidFill>
+                <a:latin typeface="+mn-lt"/>
+                <a:ea typeface="+mn-ea"/>
+                <a:cs typeface="+mn-cs"/>
+              </a:defRPr>
+            </a:lvl3pPr>
+            <a:lvl4pPr marL="1371600" algn="l" defTabSz="914400" rtl="0" eaLnBrk="1" latinLnBrk="0" hangingPunct="1">
+              <a:defRPr sz="1800" kern="1200">
+                <a:solidFill>
+                  <a:schemeClr val="lt1"/>
+                </a:solidFill>
+                <a:latin typeface="+mn-lt"/>
+                <a:ea typeface="+mn-ea"/>
+                <a:cs typeface="+mn-cs"/>
+              </a:defRPr>
+            </a:lvl4pPr>
+            <a:lvl5pPr marL="1828800" algn="l" defTabSz="914400" rtl="0" eaLnBrk="1" latinLnBrk="0" hangingPunct="1">
+              <a:defRPr sz="1800" kern="1200">
+                <a:solidFill>
+                  <a:schemeClr val="lt1"/>
+                </a:solidFill>
+                <a:latin typeface="+mn-lt"/>
+                <a:ea typeface="+mn-ea"/>
+                <a:cs typeface="+mn-cs"/>
+              </a:defRPr>
+            </a:lvl5pPr>
+            <a:lvl6pPr marL="2286000" algn="l" defTabSz="914400" rtl="0" eaLnBrk="1" latinLnBrk="0" hangingPunct="1">
+              <a:defRPr sz="1800" kern="1200">
+                <a:solidFill>
+                  <a:schemeClr val="lt1"/>
+                </a:solidFill>
+                <a:latin typeface="+mn-lt"/>
+                <a:ea typeface="+mn-ea"/>
+                <a:cs typeface="+mn-cs"/>
+              </a:defRPr>
+            </a:lvl6pPr>
+            <a:lvl7pPr marL="2743200" algn="l" defTabSz="914400" rtl="0" eaLnBrk="1" latinLnBrk="0" hangingPunct="1">
+              <a:defRPr sz="1800" kern="1200">
+                <a:solidFill>
+                  <a:schemeClr val="lt1"/>
+                </a:solidFill>
+                <a:latin typeface="+mn-lt"/>
+                <a:ea typeface="+mn-ea"/>
+                <a:cs typeface="+mn-cs"/>
+              </a:defRPr>
+            </a:lvl7pPr>
+            <a:lvl8pPr marL="3200400" algn="l" defTabSz="914400" rtl="0" eaLnBrk="1" latinLnBrk="0" hangingPunct="1">
+              <a:defRPr sz="1800" kern="1200">
+                <a:solidFill>
+                  <a:schemeClr val="lt1"/>
+                </a:solidFill>
+                <a:latin typeface="+mn-lt"/>
+                <a:ea typeface="+mn-ea"/>
+                <a:cs typeface="+mn-cs"/>
+              </a:defRPr>
+            </a:lvl8pPr>
+            <a:lvl9pPr marL="3657600" algn="l" defTabSz="914400" rtl="0" eaLnBrk="1" latinLnBrk="0" hangingPunct="1">
+              <a:defRPr sz="1800" kern="1200">
+                <a:solidFill>
+                  <a:schemeClr val="lt1"/>
+                </a:solidFill>
+                <a:latin typeface="+mn-lt"/>
+                <a:ea typeface="+mn-ea"/>
+                <a:cs typeface="+mn-cs"/>
+              </a:defRPr>
+            </a:lvl9pPr>
+          </a:lstStyle>
+          <a:p>
+            <a:pPr algn="ctr"/>
+            <a:r>
+              <a:rPr lang="en-US" sz="5400" dirty="0" err="1">
+                <a:solidFill>
+                  <a:schemeClr val="accent4"/>
+                </a:solidFill>
+              </a:rPr>
+              <a:t>F#m</a:t>
+            </a:r>
+            <a:endParaRPr lang="en-PH" sz="5400" dirty="0">
+              <a:solidFill>
+                <a:schemeClr val="accent4"/>
+              </a:solidFill>
+            </a:endParaRPr>
           </a:p>
         </p:txBody>
       </p:sp>
@@ -3603,6 +4784,1098 @@
           </a:p>
         </p:txBody>
       </p:sp>
+      <p:sp>
+        <p:nvSpPr>
+          <p:cNvPr id="3" name="Rectangle 2">
+            <a:extLst>
+              <a:ext uri="{FF2B5EF4-FFF2-40B4-BE49-F238E27FC236}">
+                <a16:creationId xmlns:a16="http://schemas.microsoft.com/office/drawing/2014/main" id="{ED84CC93-9145-4DFF-A8A8-C778AAA9BDC5}"/>
+              </a:ext>
+            </a:extLst>
+          </p:cNvPr>
+          <p:cNvSpPr/>
+          <p:nvPr/>
+        </p:nvSpPr>
+        <p:spPr>
+          <a:xfrm>
+            <a:off x="5503968" y="-178762"/>
+            <a:ext cx="1786597" cy="970671"/>
+          </a:xfrm>
+          <a:prstGeom prst="rect">
+            <a:avLst/>
+          </a:prstGeom>
+          <a:noFill/>
+          <a:ln>
+            <a:noFill/>
+          </a:ln>
+        </p:spPr>
+        <p:style>
+          <a:lnRef idx="2">
+            <a:schemeClr val="accent1">
+              <a:shade val="50000"/>
+            </a:schemeClr>
+          </a:lnRef>
+          <a:fillRef idx="1">
+            <a:schemeClr val="accent1"/>
+          </a:fillRef>
+          <a:effectRef idx="0">
+            <a:schemeClr val="accent1"/>
+          </a:effectRef>
+          <a:fontRef idx="minor">
+            <a:schemeClr val="lt1"/>
+          </a:fontRef>
+        </p:style>
+        <p:txBody>
+          <a:bodyPr rtlCol="0" anchor="ctr"/>
+          <a:lstStyle>
+            <a:defPPr>
+              <a:defRPr lang="en-US"/>
+            </a:defPPr>
+            <a:lvl1pPr marL="0" algn="l" defTabSz="914400" rtl="0" eaLnBrk="1" latinLnBrk="0" hangingPunct="1">
+              <a:defRPr sz="1800" kern="1200">
+                <a:solidFill>
+                  <a:schemeClr val="lt1"/>
+                </a:solidFill>
+                <a:latin typeface="+mn-lt"/>
+                <a:ea typeface="+mn-ea"/>
+                <a:cs typeface="+mn-cs"/>
+              </a:defRPr>
+            </a:lvl1pPr>
+            <a:lvl2pPr marL="457200" algn="l" defTabSz="914400" rtl="0" eaLnBrk="1" latinLnBrk="0" hangingPunct="1">
+              <a:defRPr sz="1800" kern="1200">
+                <a:solidFill>
+                  <a:schemeClr val="lt1"/>
+                </a:solidFill>
+                <a:latin typeface="+mn-lt"/>
+                <a:ea typeface="+mn-ea"/>
+                <a:cs typeface="+mn-cs"/>
+              </a:defRPr>
+            </a:lvl2pPr>
+            <a:lvl3pPr marL="914400" algn="l" defTabSz="914400" rtl="0" eaLnBrk="1" latinLnBrk="0" hangingPunct="1">
+              <a:defRPr sz="1800" kern="1200">
+                <a:solidFill>
+                  <a:schemeClr val="lt1"/>
+                </a:solidFill>
+                <a:latin typeface="+mn-lt"/>
+                <a:ea typeface="+mn-ea"/>
+                <a:cs typeface="+mn-cs"/>
+              </a:defRPr>
+            </a:lvl3pPr>
+            <a:lvl4pPr marL="1371600" algn="l" defTabSz="914400" rtl="0" eaLnBrk="1" latinLnBrk="0" hangingPunct="1">
+              <a:defRPr sz="1800" kern="1200">
+                <a:solidFill>
+                  <a:schemeClr val="lt1"/>
+                </a:solidFill>
+                <a:latin typeface="+mn-lt"/>
+                <a:ea typeface="+mn-ea"/>
+                <a:cs typeface="+mn-cs"/>
+              </a:defRPr>
+            </a:lvl4pPr>
+            <a:lvl5pPr marL="1828800" algn="l" defTabSz="914400" rtl="0" eaLnBrk="1" latinLnBrk="0" hangingPunct="1">
+              <a:defRPr sz="1800" kern="1200">
+                <a:solidFill>
+                  <a:schemeClr val="lt1"/>
+                </a:solidFill>
+                <a:latin typeface="+mn-lt"/>
+                <a:ea typeface="+mn-ea"/>
+                <a:cs typeface="+mn-cs"/>
+              </a:defRPr>
+            </a:lvl5pPr>
+            <a:lvl6pPr marL="2286000" algn="l" defTabSz="914400" rtl="0" eaLnBrk="1" latinLnBrk="0" hangingPunct="1">
+              <a:defRPr sz="1800" kern="1200">
+                <a:solidFill>
+                  <a:schemeClr val="lt1"/>
+                </a:solidFill>
+                <a:latin typeface="+mn-lt"/>
+                <a:ea typeface="+mn-ea"/>
+                <a:cs typeface="+mn-cs"/>
+              </a:defRPr>
+            </a:lvl6pPr>
+            <a:lvl7pPr marL="2743200" algn="l" defTabSz="914400" rtl="0" eaLnBrk="1" latinLnBrk="0" hangingPunct="1">
+              <a:defRPr sz="1800" kern="1200">
+                <a:solidFill>
+                  <a:schemeClr val="lt1"/>
+                </a:solidFill>
+                <a:latin typeface="+mn-lt"/>
+                <a:ea typeface="+mn-ea"/>
+                <a:cs typeface="+mn-cs"/>
+              </a:defRPr>
+            </a:lvl7pPr>
+            <a:lvl8pPr marL="3200400" algn="l" defTabSz="914400" rtl="0" eaLnBrk="1" latinLnBrk="0" hangingPunct="1">
+              <a:defRPr sz="1800" kern="1200">
+                <a:solidFill>
+                  <a:schemeClr val="lt1"/>
+                </a:solidFill>
+                <a:latin typeface="+mn-lt"/>
+                <a:ea typeface="+mn-ea"/>
+                <a:cs typeface="+mn-cs"/>
+              </a:defRPr>
+            </a:lvl8pPr>
+            <a:lvl9pPr marL="3657600" algn="l" defTabSz="914400" rtl="0" eaLnBrk="1" latinLnBrk="0" hangingPunct="1">
+              <a:defRPr sz="1800" kern="1200">
+                <a:solidFill>
+                  <a:schemeClr val="lt1"/>
+                </a:solidFill>
+                <a:latin typeface="+mn-lt"/>
+                <a:ea typeface="+mn-ea"/>
+                <a:cs typeface="+mn-cs"/>
+              </a:defRPr>
+            </a:lvl9pPr>
+          </a:lstStyle>
+          <a:p>
+            <a:pPr algn="ctr"/>
+            <a:r>
+              <a:rPr lang="en-US" sz="5400" dirty="0">
+                <a:solidFill>
+                  <a:schemeClr val="accent4"/>
+                </a:solidFill>
+              </a:rPr>
+              <a:t>D</a:t>
+            </a:r>
+            <a:endParaRPr lang="en-PH" sz="5400" dirty="0">
+              <a:solidFill>
+                <a:schemeClr val="accent4"/>
+              </a:solidFill>
+            </a:endParaRPr>
+          </a:p>
+        </p:txBody>
+      </p:sp>
+      <p:sp>
+        <p:nvSpPr>
+          <p:cNvPr id="4" name="Rectangle 3">
+            <a:extLst>
+              <a:ext uri="{FF2B5EF4-FFF2-40B4-BE49-F238E27FC236}">
+                <a16:creationId xmlns:a16="http://schemas.microsoft.com/office/drawing/2014/main" id="{63F16981-5AB7-442C-801D-43771AE17B94}"/>
+              </a:ext>
+            </a:extLst>
+          </p:cNvPr>
+          <p:cNvSpPr/>
+          <p:nvPr/>
+        </p:nvSpPr>
+        <p:spPr>
+          <a:xfrm>
+            <a:off x="9756978" y="-136232"/>
+            <a:ext cx="1786597" cy="970671"/>
+          </a:xfrm>
+          <a:prstGeom prst="rect">
+            <a:avLst/>
+          </a:prstGeom>
+          <a:noFill/>
+          <a:ln>
+            <a:noFill/>
+          </a:ln>
+        </p:spPr>
+        <p:style>
+          <a:lnRef idx="2">
+            <a:schemeClr val="accent1">
+              <a:shade val="50000"/>
+            </a:schemeClr>
+          </a:lnRef>
+          <a:fillRef idx="1">
+            <a:schemeClr val="accent1"/>
+          </a:fillRef>
+          <a:effectRef idx="0">
+            <a:schemeClr val="accent1"/>
+          </a:effectRef>
+          <a:fontRef idx="minor">
+            <a:schemeClr val="lt1"/>
+          </a:fontRef>
+        </p:style>
+        <p:txBody>
+          <a:bodyPr rtlCol="0" anchor="ctr"/>
+          <a:lstStyle>
+            <a:defPPr>
+              <a:defRPr lang="en-US"/>
+            </a:defPPr>
+            <a:lvl1pPr marL="0" algn="l" defTabSz="914400" rtl="0" eaLnBrk="1" latinLnBrk="0" hangingPunct="1">
+              <a:defRPr sz="1800" kern="1200">
+                <a:solidFill>
+                  <a:schemeClr val="lt1"/>
+                </a:solidFill>
+                <a:latin typeface="+mn-lt"/>
+                <a:ea typeface="+mn-ea"/>
+                <a:cs typeface="+mn-cs"/>
+              </a:defRPr>
+            </a:lvl1pPr>
+            <a:lvl2pPr marL="457200" algn="l" defTabSz="914400" rtl="0" eaLnBrk="1" latinLnBrk="0" hangingPunct="1">
+              <a:defRPr sz="1800" kern="1200">
+                <a:solidFill>
+                  <a:schemeClr val="lt1"/>
+                </a:solidFill>
+                <a:latin typeface="+mn-lt"/>
+                <a:ea typeface="+mn-ea"/>
+                <a:cs typeface="+mn-cs"/>
+              </a:defRPr>
+            </a:lvl2pPr>
+            <a:lvl3pPr marL="914400" algn="l" defTabSz="914400" rtl="0" eaLnBrk="1" latinLnBrk="0" hangingPunct="1">
+              <a:defRPr sz="1800" kern="1200">
+                <a:solidFill>
+                  <a:schemeClr val="lt1"/>
+                </a:solidFill>
+                <a:latin typeface="+mn-lt"/>
+                <a:ea typeface="+mn-ea"/>
+                <a:cs typeface="+mn-cs"/>
+              </a:defRPr>
+            </a:lvl3pPr>
+            <a:lvl4pPr marL="1371600" algn="l" defTabSz="914400" rtl="0" eaLnBrk="1" latinLnBrk="0" hangingPunct="1">
+              <a:defRPr sz="1800" kern="1200">
+                <a:solidFill>
+                  <a:schemeClr val="lt1"/>
+                </a:solidFill>
+                <a:latin typeface="+mn-lt"/>
+                <a:ea typeface="+mn-ea"/>
+                <a:cs typeface="+mn-cs"/>
+              </a:defRPr>
+            </a:lvl4pPr>
+            <a:lvl5pPr marL="1828800" algn="l" defTabSz="914400" rtl="0" eaLnBrk="1" latinLnBrk="0" hangingPunct="1">
+              <a:defRPr sz="1800" kern="1200">
+                <a:solidFill>
+                  <a:schemeClr val="lt1"/>
+                </a:solidFill>
+                <a:latin typeface="+mn-lt"/>
+                <a:ea typeface="+mn-ea"/>
+                <a:cs typeface="+mn-cs"/>
+              </a:defRPr>
+            </a:lvl5pPr>
+            <a:lvl6pPr marL="2286000" algn="l" defTabSz="914400" rtl="0" eaLnBrk="1" latinLnBrk="0" hangingPunct="1">
+              <a:defRPr sz="1800" kern="1200">
+                <a:solidFill>
+                  <a:schemeClr val="lt1"/>
+                </a:solidFill>
+                <a:latin typeface="+mn-lt"/>
+                <a:ea typeface="+mn-ea"/>
+                <a:cs typeface="+mn-cs"/>
+              </a:defRPr>
+            </a:lvl6pPr>
+            <a:lvl7pPr marL="2743200" algn="l" defTabSz="914400" rtl="0" eaLnBrk="1" latinLnBrk="0" hangingPunct="1">
+              <a:defRPr sz="1800" kern="1200">
+                <a:solidFill>
+                  <a:schemeClr val="lt1"/>
+                </a:solidFill>
+                <a:latin typeface="+mn-lt"/>
+                <a:ea typeface="+mn-ea"/>
+                <a:cs typeface="+mn-cs"/>
+              </a:defRPr>
+            </a:lvl7pPr>
+            <a:lvl8pPr marL="3200400" algn="l" defTabSz="914400" rtl="0" eaLnBrk="1" latinLnBrk="0" hangingPunct="1">
+              <a:defRPr sz="1800" kern="1200">
+                <a:solidFill>
+                  <a:schemeClr val="lt1"/>
+                </a:solidFill>
+                <a:latin typeface="+mn-lt"/>
+                <a:ea typeface="+mn-ea"/>
+                <a:cs typeface="+mn-cs"/>
+              </a:defRPr>
+            </a:lvl8pPr>
+            <a:lvl9pPr marL="3657600" algn="l" defTabSz="914400" rtl="0" eaLnBrk="1" latinLnBrk="0" hangingPunct="1">
+              <a:defRPr sz="1800" kern="1200">
+                <a:solidFill>
+                  <a:schemeClr val="lt1"/>
+                </a:solidFill>
+                <a:latin typeface="+mn-lt"/>
+                <a:ea typeface="+mn-ea"/>
+                <a:cs typeface="+mn-cs"/>
+              </a:defRPr>
+            </a:lvl9pPr>
+          </a:lstStyle>
+          <a:p>
+            <a:pPr algn="ctr"/>
+            <a:r>
+              <a:rPr lang="en-US" sz="5400" dirty="0">
+                <a:solidFill>
+                  <a:schemeClr val="accent4"/>
+                </a:solidFill>
+              </a:rPr>
+              <a:t>E</a:t>
+            </a:r>
+            <a:endParaRPr lang="en-PH" sz="5400" dirty="0">
+              <a:solidFill>
+                <a:schemeClr val="accent4"/>
+              </a:solidFill>
+            </a:endParaRPr>
+          </a:p>
+        </p:txBody>
+      </p:sp>
+      <p:sp>
+        <p:nvSpPr>
+          <p:cNvPr id="5" name="Rectangle 4">
+            <a:extLst>
+              <a:ext uri="{FF2B5EF4-FFF2-40B4-BE49-F238E27FC236}">
+                <a16:creationId xmlns:a16="http://schemas.microsoft.com/office/drawing/2014/main" id="{CCFA1BEE-CA3A-4AC9-8E49-E5C1A7683754}"/>
+              </a:ext>
+            </a:extLst>
+          </p:cNvPr>
+          <p:cNvSpPr/>
+          <p:nvPr/>
+        </p:nvSpPr>
+        <p:spPr>
+          <a:xfrm>
+            <a:off x="3568833" y="1288523"/>
+            <a:ext cx="1786597" cy="970671"/>
+          </a:xfrm>
+          <a:prstGeom prst="rect">
+            <a:avLst/>
+          </a:prstGeom>
+          <a:noFill/>
+          <a:ln>
+            <a:noFill/>
+          </a:ln>
+        </p:spPr>
+        <p:style>
+          <a:lnRef idx="2">
+            <a:schemeClr val="accent1">
+              <a:shade val="50000"/>
+            </a:schemeClr>
+          </a:lnRef>
+          <a:fillRef idx="1">
+            <a:schemeClr val="accent1"/>
+          </a:fillRef>
+          <a:effectRef idx="0">
+            <a:schemeClr val="accent1"/>
+          </a:effectRef>
+          <a:fontRef idx="minor">
+            <a:schemeClr val="lt1"/>
+          </a:fontRef>
+        </p:style>
+        <p:txBody>
+          <a:bodyPr rtlCol="0" anchor="ctr"/>
+          <a:lstStyle>
+            <a:defPPr>
+              <a:defRPr lang="en-US"/>
+            </a:defPPr>
+            <a:lvl1pPr marL="0" algn="l" defTabSz="914400" rtl="0" eaLnBrk="1" latinLnBrk="0" hangingPunct="1">
+              <a:defRPr sz="1800" kern="1200">
+                <a:solidFill>
+                  <a:schemeClr val="lt1"/>
+                </a:solidFill>
+                <a:latin typeface="+mn-lt"/>
+                <a:ea typeface="+mn-ea"/>
+                <a:cs typeface="+mn-cs"/>
+              </a:defRPr>
+            </a:lvl1pPr>
+            <a:lvl2pPr marL="457200" algn="l" defTabSz="914400" rtl="0" eaLnBrk="1" latinLnBrk="0" hangingPunct="1">
+              <a:defRPr sz="1800" kern="1200">
+                <a:solidFill>
+                  <a:schemeClr val="lt1"/>
+                </a:solidFill>
+                <a:latin typeface="+mn-lt"/>
+                <a:ea typeface="+mn-ea"/>
+                <a:cs typeface="+mn-cs"/>
+              </a:defRPr>
+            </a:lvl2pPr>
+            <a:lvl3pPr marL="914400" algn="l" defTabSz="914400" rtl="0" eaLnBrk="1" latinLnBrk="0" hangingPunct="1">
+              <a:defRPr sz="1800" kern="1200">
+                <a:solidFill>
+                  <a:schemeClr val="lt1"/>
+                </a:solidFill>
+                <a:latin typeface="+mn-lt"/>
+                <a:ea typeface="+mn-ea"/>
+                <a:cs typeface="+mn-cs"/>
+              </a:defRPr>
+            </a:lvl3pPr>
+            <a:lvl4pPr marL="1371600" algn="l" defTabSz="914400" rtl="0" eaLnBrk="1" latinLnBrk="0" hangingPunct="1">
+              <a:defRPr sz="1800" kern="1200">
+                <a:solidFill>
+                  <a:schemeClr val="lt1"/>
+                </a:solidFill>
+                <a:latin typeface="+mn-lt"/>
+                <a:ea typeface="+mn-ea"/>
+                <a:cs typeface="+mn-cs"/>
+              </a:defRPr>
+            </a:lvl4pPr>
+            <a:lvl5pPr marL="1828800" algn="l" defTabSz="914400" rtl="0" eaLnBrk="1" latinLnBrk="0" hangingPunct="1">
+              <a:defRPr sz="1800" kern="1200">
+                <a:solidFill>
+                  <a:schemeClr val="lt1"/>
+                </a:solidFill>
+                <a:latin typeface="+mn-lt"/>
+                <a:ea typeface="+mn-ea"/>
+                <a:cs typeface="+mn-cs"/>
+              </a:defRPr>
+            </a:lvl5pPr>
+            <a:lvl6pPr marL="2286000" algn="l" defTabSz="914400" rtl="0" eaLnBrk="1" latinLnBrk="0" hangingPunct="1">
+              <a:defRPr sz="1800" kern="1200">
+                <a:solidFill>
+                  <a:schemeClr val="lt1"/>
+                </a:solidFill>
+                <a:latin typeface="+mn-lt"/>
+                <a:ea typeface="+mn-ea"/>
+                <a:cs typeface="+mn-cs"/>
+              </a:defRPr>
+            </a:lvl6pPr>
+            <a:lvl7pPr marL="2743200" algn="l" defTabSz="914400" rtl="0" eaLnBrk="1" latinLnBrk="0" hangingPunct="1">
+              <a:defRPr sz="1800" kern="1200">
+                <a:solidFill>
+                  <a:schemeClr val="lt1"/>
+                </a:solidFill>
+                <a:latin typeface="+mn-lt"/>
+                <a:ea typeface="+mn-ea"/>
+                <a:cs typeface="+mn-cs"/>
+              </a:defRPr>
+            </a:lvl7pPr>
+            <a:lvl8pPr marL="3200400" algn="l" defTabSz="914400" rtl="0" eaLnBrk="1" latinLnBrk="0" hangingPunct="1">
+              <a:defRPr sz="1800" kern="1200">
+                <a:solidFill>
+                  <a:schemeClr val="lt1"/>
+                </a:solidFill>
+                <a:latin typeface="+mn-lt"/>
+                <a:ea typeface="+mn-ea"/>
+                <a:cs typeface="+mn-cs"/>
+              </a:defRPr>
+            </a:lvl8pPr>
+            <a:lvl9pPr marL="3657600" algn="l" defTabSz="914400" rtl="0" eaLnBrk="1" latinLnBrk="0" hangingPunct="1">
+              <a:defRPr sz="1800" kern="1200">
+                <a:solidFill>
+                  <a:schemeClr val="lt1"/>
+                </a:solidFill>
+                <a:latin typeface="+mn-lt"/>
+                <a:ea typeface="+mn-ea"/>
+                <a:cs typeface="+mn-cs"/>
+              </a:defRPr>
+            </a:lvl9pPr>
+          </a:lstStyle>
+          <a:p>
+            <a:pPr algn="ctr"/>
+            <a:r>
+              <a:rPr lang="en-US" sz="5400" dirty="0">
+                <a:solidFill>
+                  <a:schemeClr val="accent4"/>
+                </a:solidFill>
+              </a:rPr>
+              <a:t>A</a:t>
+            </a:r>
+            <a:endParaRPr lang="en-PH" sz="5400" dirty="0">
+              <a:solidFill>
+                <a:schemeClr val="accent4"/>
+              </a:solidFill>
+            </a:endParaRPr>
+          </a:p>
+        </p:txBody>
+      </p:sp>
+      <p:sp>
+        <p:nvSpPr>
+          <p:cNvPr id="7" name="Rectangle 6">
+            <a:extLst>
+              <a:ext uri="{FF2B5EF4-FFF2-40B4-BE49-F238E27FC236}">
+                <a16:creationId xmlns:a16="http://schemas.microsoft.com/office/drawing/2014/main" id="{BD16F8A1-47E2-4D12-9B93-EA42DDB08D7F}"/>
+              </a:ext>
+            </a:extLst>
+          </p:cNvPr>
+          <p:cNvSpPr/>
+          <p:nvPr/>
+        </p:nvSpPr>
+        <p:spPr>
+          <a:xfrm>
+            <a:off x="7311492" y="1246000"/>
+            <a:ext cx="1786597" cy="970671"/>
+          </a:xfrm>
+          <a:prstGeom prst="rect">
+            <a:avLst/>
+          </a:prstGeom>
+          <a:noFill/>
+          <a:ln>
+            <a:noFill/>
+          </a:ln>
+        </p:spPr>
+        <p:style>
+          <a:lnRef idx="2">
+            <a:schemeClr val="accent1">
+              <a:shade val="50000"/>
+            </a:schemeClr>
+          </a:lnRef>
+          <a:fillRef idx="1">
+            <a:schemeClr val="accent1"/>
+          </a:fillRef>
+          <a:effectRef idx="0">
+            <a:schemeClr val="accent1"/>
+          </a:effectRef>
+          <a:fontRef idx="minor">
+            <a:schemeClr val="lt1"/>
+          </a:fontRef>
+        </p:style>
+        <p:txBody>
+          <a:bodyPr rtlCol="0" anchor="ctr"/>
+          <a:lstStyle>
+            <a:defPPr>
+              <a:defRPr lang="en-US"/>
+            </a:defPPr>
+            <a:lvl1pPr marL="0" algn="l" defTabSz="914400" rtl="0" eaLnBrk="1" latinLnBrk="0" hangingPunct="1">
+              <a:defRPr sz="1800" kern="1200">
+                <a:solidFill>
+                  <a:schemeClr val="lt1"/>
+                </a:solidFill>
+                <a:latin typeface="+mn-lt"/>
+                <a:ea typeface="+mn-ea"/>
+                <a:cs typeface="+mn-cs"/>
+              </a:defRPr>
+            </a:lvl1pPr>
+            <a:lvl2pPr marL="457200" algn="l" defTabSz="914400" rtl="0" eaLnBrk="1" latinLnBrk="0" hangingPunct="1">
+              <a:defRPr sz="1800" kern="1200">
+                <a:solidFill>
+                  <a:schemeClr val="lt1"/>
+                </a:solidFill>
+                <a:latin typeface="+mn-lt"/>
+                <a:ea typeface="+mn-ea"/>
+                <a:cs typeface="+mn-cs"/>
+              </a:defRPr>
+            </a:lvl2pPr>
+            <a:lvl3pPr marL="914400" algn="l" defTabSz="914400" rtl="0" eaLnBrk="1" latinLnBrk="0" hangingPunct="1">
+              <a:defRPr sz="1800" kern="1200">
+                <a:solidFill>
+                  <a:schemeClr val="lt1"/>
+                </a:solidFill>
+                <a:latin typeface="+mn-lt"/>
+                <a:ea typeface="+mn-ea"/>
+                <a:cs typeface="+mn-cs"/>
+              </a:defRPr>
+            </a:lvl3pPr>
+            <a:lvl4pPr marL="1371600" algn="l" defTabSz="914400" rtl="0" eaLnBrk="1" latinLnBrk="0" hangingPunct="1">
+              <a:defRPr sz="1800" kern="1200">
+                <a:solidFill>
+                  <a:schemeClr val="lt1"/>
+                </a:solidFill>
+                <a:latin typeface="+mn-lt"/>
+                <a:ea typeface="+mn-ea"/>
+                <a:cs typeface="+mn-cs"/>
+              </a:defRPr>
+            </a:lvl4pPr>
+            <a:lvl5pPr marL="1828800" algn="l" defTabSz="914400" rtl="0" eaLnBrk="1" latinLnBrk="0" hangingPunct="1">
+              <a:defRPr sz="1800" kern="1200">
+                <a:solidFill>
+                  <a:schemeClr val="lt1"/>
+                </a:solidFill>
+                <a:latin typeface="+mn-lt"/>
+                <a:ea typeface="+mn-ea"/>
+                <a:cs typeface="+mn-cs"/>
+              </a:defRPr>
+            </a:lvl5pPr>
+            <a:lvl6pPr marL="2286000" algn="l" defTabSz="914400" rtl="0" eaLnBrk="1" latinLnBrk="0" hangingPunct="1">
+              <a:defRPr sz="1800" kern="1200">
+                <a:solidFill>
+                  <a:schemeClr val="lt1"/>
+                </a:solidFill>
+                <a:latin typeface="+mn-lt"/>
+                <a:ea typeface="+mn-ea"/>
+                <a:cs typeface="+mn-cs"/>
+              </a:defRPr>
+            </a:lvl6pPr>
+            <a:lvl7pPr marL="2743200" algn="l" defTabSz="914400" rtl="0" eaLnBrk="1" latinLnBrk="0" hangingPunct="1">
+              <a:defRPr sz="1800" kern="1200">
+                <a:solidFill>
+                  <a:schemeClr val="lt1"/>
+                </a:solidFill>
+                <a:latin typeface="+mn-lt"/>
+                <a:ea typeface="+mn-ea"/>
+                <a:cs typeface="+mn-cs"/>
+              </a:defRPr>
+            </a:lvl7pPr>
+            <a:lvl8pPr marL="3200400" algn="l" defTabSz="914400" rtl="0" eaLnBrk="1" latinLnBrk="0" hangingPunct="1">
+              <a:defRPr sz="1800" kern="1200">
+                <a:solidFill>
+                  <a:schemeClr val="lt1"/>
+                </a:solidFill>
+                <a:latin typeface="+mn-lt"/>
+                <a:ea typeface="+mn-ea"/>
+                <a:cs typeface="+mn-cs"/>
+              </a:defRPr>
+            </a:lvl8pPr>
+            <a:lvl9pPr marL="3657600" algn="l" defTabSz="914400" rtl="0" eaLnBrk="1" latinLnBrk="0" hangingPunct="1">
+              <a:defRPr sz="1800" kern="1200">
+                <a:solidFill>
+                  <a:schemeClr val="lt1"/>
+                </a:solidFill>
+                <a:latin typeface="+mn-lt"/>
+                <a:ea typeface="+mn-ea"/>
+                <a:cs typeface="+mn-cs"/>
+              </a:defRPr>
+            </a:lvl9pPr>
+          </a:lstStyle>
+          <a:p>
+            <a:pPr algn="ctr"/>
+            <a:r>
+              <a:rPr lang="en-US" sz="5400" dirty="0">
+                <a:solidFill>
+                  <a:schemeClr val="accent4"/>
+                </a:solidFill>
+              </a:rPr>
+              <a:t>A</a:t>
+            </a:r>
+            <a:endParaRPr lang="en-PH" sz="5400" dirty="0">
+              <a:solidFill>
+                <a:schemeClr val="accent4"/>
+              </a:solidFill>
+            </a:endParaRPr>
+          </a:p>
+        </p:txBody>
+      </p:sp>
+      <p:sp>
+        <p:nvSpPr>
+          <p:cNvPr id="8" name="Rectangle 7">
+            <a:extLst>
+              <a:ext uri="{FF2B5EF4-FFF2-40B4-BE49-F238E27FC236}">
+                <a16:creationId xmlns:a16="http://schemas.microsoft.com/office/drawing/2014/main" id="{6A47EFBF-4798-421C-A8DA-D90D5DB1CC27}"/>
+              </a:ext>
+            </a:extLst>
+          </p:cNvPr>
+          <p:cNvSpPr/>
+          <p:nvPr/>
+        </p:nvSpPr>
+        <p:spPr>
+          <a:xfrm>
+            <a:off x="3083280" y="2823159"/>
+            <a:ext cx="1786597" cy="970671"/>
+          </a:xfrm>
+          <a:prstGeom prst="rect">
+            <a:avLst/>
+          </a:prstGeom>
+          <a:noFill/>
+          <a:ln>
+            <a:noFill/>
+          </a:ln>
+        </p:spPr>
+        <p:style>
+          <a:lnRef idx="2">
+            <a:schemeClr val="accent1">
+              <a:shade val="50000"/>
+            </a:schemeClr>
+          </a:lnRef>
+          <a:fillRef idx="1">
+            <a:schemeClr val="accent1"/>
+          </a:fillRef>
+          <a:effectRef idx="0">
+            <a:schemeClr val="accent1"/>
+          </a:effectRef>
+          <a:fontRef idx="minor">
+            <a:schemeClr val="lt1"/>
+          </a:fontRef>
+        </p:style>
+        <p:txBody>
+          <a:bodyPr rtlCol="0" anchor="ctr"/>
+          <a:lstStyle>
+            <a:defPPr>
+              <a:defRPr lang="en-US"/>
+            </a:defPPr>
+            <a:lvl1pPr marL="0" algn="l" defTabSz="914400" rtl="0" eaLnBrk="1" latinLnBrk="0" hangingPunct="1">
+              <a:defRPr sz="1800" kern="1200">
+                <a:solidFill>
+                  <a:schemeClr val="lt1"/>
+                </a:solidFill>
+                <a:latin typeface="+mn-lt"/>
+                <a:ea typeface="+mn-ea"/>
+                <a:cs typeface="+mn-cs"/>
+              </a:defRPr>
+            </a:lvl1pPr>
+            <a:lvl2pPr marL="457200" algn="l" defTabSz="914400" rtl="0" eaLnBrk="1" latinLnBrk="0" hangingPunct="1">
+              <a:defRPr sz="1800" kern="1200">
+                <a:solidFill>
+                  <a:schemeClr val="lt1"/>
+                </a:solidFill>
+                <a:latin typeface="+mn-lt"/>
+                <a:ea typeface="+mn-ea"/>
+                <a:cs typeface="+mn-cs"/>
+              </a:defRPr>
+            </a:lvl2pPr>
+            <a:lvl3pPr marL="914400" algn="l" defTabSz="914400" rtl="0" eaLnBrk="1" latinLnBrk="0" hangingPunct="1">
+              <a:defRPr sz="1800" kern="1200">
+                <a:solidFill>
+                  <a:schemeClr val="lt1"/>
+                </a:solidFill>
+                <a:latin typeface="+mn-lt"/>
+                <a:ea typeface="+mn-ea"/>
+                <a:cs typeface="+mn-cs"/>
+              </a:defRPr>
+            </a:lvl3pPr>
+            <a:lvl4pPr marL="1371600" algn="l" defTabSz="914400" rtl="0" eaLnBrk="1" latinLnBrk="0" hangingPunct="1">
+              <a:defRPr sz="1800" kern="1200">
+                <a:solidFill>
+                  <a:schemeClr val="lt1"/>
+                </a:solidFill>
+                <a:latin typeface="+mn-lt"/>
+                <a:ea typeface="+mn-ea"/>
+                <a:cs typeface="+mn-cs"/>
+              </a:defRPr>
+            </a:lvl4pPr>
+            <a:lvl5pPr marL="1828800" algn="l" defTabSz="914400" rtl="0" eaLnBrk="1" latinLnBrk="0" hangingPunct="1">
+              <a:defRPr sz="1800" kern="1200">
+                <a:solidFill>
+                  <a:schemeClr val="lt1"/>
+                </a:solidFill>
+                <a:latin typeface="+mn-lt"/>
+                <a:ea typeface="+mn-ea"/>
+                <a:cs typeface="+mn-cs"/>
+              </a:defRPr>
+            </a:lvl5pPr>
+            <a:lvl6pPr marL="2286000" algn="l" defTabSz="914400" rtl="0" eaLnBrk="1" latinLnBrk="0" hangingPunct="1">
+              <a:defRPr sz="1800" kern="1200">
+                <a:solidFill>
+                  <a:schemeClr val="lt1"/>
+                </a:solidFill>
+                <a:latin typeface="+mn-lt"/>
+                <a:ea typeface="+mn-ea"/>
+                <a:cs typeface="+mn-cs"/>
+              </a:defRPr>
+            </a:lvl6pPr>
+            <a:lvl7pPr marL="2743200" algn="l" defTabSz="914400" rtl="0" eaLnBrk="1" latinLnBrk="0" hangingPunct="1">
+              <a:defRPr sz="1800" kern="1200">
+                <a:solidFill>
+                  <a:schemeClr val="lt1"/>
+                </a:solidFill>
+                <a:latin typeface="+mn-lt"/>
+                <a:ea typeface="+mn-ea"/>
+                <a:cs typeface="+mn-cs"/>
+              </a:defRPr>
+            </a:lvl7pPr>
+            <a:lvl8pPr marL="3200400" algn="l" defTabSz="914400" rtl="0" eaLnBrk="1" latinLnBrk="0" hangingPunct="1">
+              <a:defRPr sz="1800" kern="1200">
+                <a:solidFill>
+                  <a:schemeClr val="lt1"/>
+                </a:solidFill>
+                <a:latin typeface="+mn-lt"/>
+                <a:ea typeface="+mn-ea"/>
+                <a:cs typeface="+mn-cs"/>
+              </a:defRPr>
+            </a:lvl8pPr>
+            <a:lvl9pPr marL="3657600" algn="l" defTabSz="914400" rtl="0" eaLnBrk="1" latinLnBrk="0" hangingPunct="1">
+              <a:defRPr sz="1800" kern="1200">
+                <a:solidFill>
+                  <a:schemeClr val="lt1"/>
+                </a:solidFill>
+                <a:latin typeface="+mn-lt"/>
+                <a:ea typeface="+mn-ea"/>
+                <a:cs typeface="+mn-cs"/>
+              </a:defRPr>
+            </a:lvl9pPr>
+          </a:lstStyle>
+          <a:p>
+            <a:pPr algn="ctr"/>
+            <a:r>
+              <a:rPr lang="en-US" sz="5400" dirty="0">
+                <a:solidFill>
+                  <a:schemeClr val="accent4"/>
+                </a:solidFill>
+              </a:rPr>
+              <a:t>A7</a:t>
+            </a:r>
+            <a:endParaRPr lang="en-PH" sz="5400" dirty="0">
+              <a:solidFill>
+                <a:schemeClr val="accent4"/>
+              </a:solidFill>
+            </a:endParaRPr>
+          </a:p>
+        </p:txBody>
+      </p:sp>
+      <p:sp>
+        <p:nvSpPr>
+          <p:cNvPr id="9" name="Rectangle 8">
+            <a:extLst>
+              <a:ext uri="{FF2B5EF4-FFF2-40B4-BE49-F238E27FC236}">
+                <a16:creationId xmlns:a16="http://schemas.microsoft.com/office/drawing/2014/main" id="{2377FF9E-5A39-4A1D-B646-8710D15689FB}"/>
+              </a:ext>
+            </a:extLst>
+          </p:cNvPr>
+          <p:cNvSpPr/>
+          <p:nvPr/>
+        </p:nvSpPr>
+        <p:spPr>
+          <a:xfrm>
+            <a:off x="8931177" y="2759360"/>
+            <a:ext cx="1786597" cy="970671"/>
+          </a:xfrm>
+          <a:prstGeom prst="rect">
+            <a:avLst/>
+          </a:prstGeom>
+          <a:noFill/>
+          <a:ln>
+            <a:noFill/>
+          </a:ln>
+        </p:spPr>
+        <p:style>
+          <a:lnRef idx="2">
+            <a:schemeClr val="accent1">
+              <a:shade val="50000"/>
+            </a:schemeClr>
+          </a:lnRef>
+          <a:fillRef idx="1">
+            <a:schemeClr val="accent1"/>
+          </a:fillRef>
+          <a:effectRef idx="0">
+            <a:schemeClr val="accent1"/>
+          </a:effectRef>
+          <a:fontRef idx="minor">
+            <a:schemeClr val="lt1"/>
+          </a:fontRef>
+        </p:style>
+        <p:txBody>
+          <a:bodyPr rtlCol="0" anchor="ctr"/>
+          <a:lstStyle>
+            <a:defPPr>
+              <a:defRPr lang="en-US"/>
+            </a:defPPr>
+            <a:lvl1pPr marL="0" algn="l" defTabSz="914400" rtl="0" eaLnBrk="1" latinLnBrk="0" hangingPunct="1">
+              <a:defRPr sz="1800" kern="1200">
+                <a:solidFill>
+                  <a:schemeClr val="lt1"/>
+                </a:solidFill>
+                <a:latin typeface="+mn-lt"/>
+                <a:ea typeface="+mn-ea"/>
+                <a:cs typeface="+mn-cs"/>
+              </a:defRPr>
+            </a:lvl1pPr>
+            <a:lvl2pPr marL="457200" algn="l" defTabSz="914400" rtl="0" eaLnBrk="1" latinLnBrk="0" hangingPunct="1">
+              <a:defRPr sz="1800" kern="1200">
+                <a:solidFill>
+                  <a:schemeClr val="lt1"/>
+                </a:solidFill>
+                <a:latin typeface="+mn-lt"/>
+                <a:ea typeface="+mn-ea"/>
+                <a:cs typeface="+mn-cs"/>
+              </a:defRPr>
+            </a:lvl2pPr>
+            <a:lvl3pPr marL="914400" algn="l" defTabSz="914400" rtl="0" eaLnBrk="1" latinLnBrk="0" hangingPunct="1">
+              <a:defRPr sz="1800" kern="1200">
+                <a:solidFill>
+                  <a:schemeClr val="lt1"/>
+                </a:solidFill>
+                <a:latin typeface="+mn-lt"/>
+                <a:ea typeface="+mn-ea"/>
+                <a:cs typeface="+mn-cs"/>
+              </a:defRPr>
+            </a:lvl3pPr>
+            <a:lvl4pPr marL="1371600" algn="l" defTabSz="914400" rtl="0" eaLnBrk="1" latinLnBrk="0" hangingPunct="1">
+              <a:defRPr sz="1800" kern="1200">
+                <a:solidFill>
+                  <a:schemeClr val="lt1"/>
+                </a:solidFill>
+                <a:latin typeface="+mn-lt"/>
+                <a:ea typeface="+mn-ea"/>
+                <a:cs typeface="+mn-cs"/>
+              </a:defRPr>
+            </a:lvl4pPr>
+            <a:lvl5pPr marL="1828800" algn="l" defTabSz="914400" rtl="0" eaLnBrk="1" latinLnBrk="0" hangingPunct="1">
+              <a:defRPr sz="1800" kern="1200">
+                <a:solidFill>
+                  <a:schemeClr val="lt1"/>
+                </a:solidFill>
+                <a:latin typeface="+mn-lt"/>
+                <a:ea typeface="+mn-ea"/>
+                <a:cs typeface="+mn-cs"/>
+              </a:defRPr>
+            </a:lvl5pPr>
+            <a:lvl6pPr marL="2286000" algn="l" defTabSz="914400" rtl="0" eaLnBrk="1" latinLnBrk="0" hangingPunct="1">
+              <a:defRPr sz="1800" kern="1200">
+                <a:solidFill>
+                  <a:schemeClr val="lt1"/>
+                </a:solidFill>
+                <a:latin typeface="+mn-lt"/>
+                <a:ea typeface="+mn-ea"/>
+                <a:cs typeface="+mn-cs"/>
+              </a:defRPr>
+            </a:lvl6pPr>
+            <a:lvl7pPr marL="2743200" algn="l" defTabSz="914400" rtl="0" eaLnBrk="1" latinLnBrk="0" hangingPunct="1">
+              <a:defRPr sz="1800" kern="1200">
+                <a:solidFill>
+                  <a:schemeClr val="lt1"/>
+                </a:solidFill>
+                <a:latin typeface="+mn-lt"/>
+                <a:ea typeface="+mn-ea"/>
+                <a:cs typeface="+mn-cs"/>
+              </a:defRPr>
+            </a:lvl7pPr>
+            <a:lvl8pPr marL="3200400" algn="l" defTabSz="914400" rtl="0" eaLnBrk="1" latinLnBrk="0" hangingPunct="1">
+              <a:defRPr sz="1800" kern="1200">
+                <a:solidFill>
+                  <a:schemeClr val="lt1"/>
+                </a:solidFill>
+                <a:latin typeface="+mn-lt"/>
+                <a:ea typeface="+mn-ea"/>
+                <a:cs typeface="+mn-cs"/>
+              </a:defRPr>
+            </a:lvl8pPr>
+            <a:lvl9pPr marL="3657600" algn="l" defTabSz="914400" rtl="0" eaLnBrk="1" latinLnBrk="0" hangingPunct="1">
+              <a:defRPr sz="1800" kern="1200">
+                <a:solidFill>
+                  <a:schemeClr val="lt1"/>
+                </a:solidFill>
+                <a:latin typeface="+mn-lt"/>
+                <a:ea typeface="+mn-ea"/>
+                <a:cs typeface="+mn-cs"/>
+              </a:defRPr>
+            </a:lvl9pPr>
+          </a:lstStyle>
+          <a:p>
+            <a:pPr algn="ctr"/>
+            <a:r>
+              <a:rPr lang="en-US" sz="5400" dirty="0">
+                <a:solidFill>
+                  <a:schemeClr val="accent4"/>
+                </a:solidFill>
+              </a:rPr>
+              <a:t>D</a:t>
+            </a:r>
+            <a:endParaRPr lang="en-PH" sz="5400" dirty="0">
+              <a:solidFill>
+                <a:schemeClr val="accent4"/>
+              </a:solidFill>
+            </a:endParaRPr>
+          </a:p>
+        </p:txBody>
+      </p:sp>
+      <p:sp>
+        <p:nvSpPr>
+          <p:cNvPr id="10" name="Rectangle 9">
+            <a:extLst>
+              <a:ext uri="{FF2B5EF4-FFF2-40B4-BE49-F238E27FC236}">
+                <a16:creationId xmlns:a16="http://schemas.microsoft.com/office/drawing/2014/main" id="{4BF9A48B-2F75-43DD-B09F-328BA36A731E}"/>
+              </a:ext>
+            </a:extLst>
+          </p:cNvPr>
+          <p:cNvSpPr/>
+          <p:nvPr/>
+        </p:nvSpPr>
+        <p:spPr>
+          <a:xfrm>
+            <a:off x="8123107" y="4120333"/>
+            <a:ext cx="1786597" cy="970671"/>
+          </a:xfrm>
+          <a:prstGeom prst="rect">
+            <a:avLst/>
+          </a:prstGeom>
+          <a:noFill/>
+          <a:ln>
+            <a:noFill/>
+          </a:ln>
+        </p:spPr>
+        <p:style>
+          <a:lnRef idx="2">
+            <a:schemeClr val="accent1">
+              <a:shade val="50000"/>
+            </a:schemeClr>
+          </a:lnRef>
+          <a:fillRef idx="1">
+            <a:schemeClr val="accent1"/>
+          </a:fillRef>
+          <a:effectRef idx="0">
+            <a:schemeClr val="accent1"/>
+          </a:effectRef>
+          <a:fontRef idx="minor">
+            <a:schemeClr val="lt1"/>
+          </a:fontRef>
+        </p:style>
+        <p:txBody>
+          <a:bodyPr rtlCol="0" anchor="ctr"/>
+          <a:lstStyle>
+            <a:defPPr>
+              <a:defRPr lang="en-US"/>
+            </a:defPPr>
+            <a:lvl1pPr marL="0" algn="l" defTabSz="914400" rtl="0" eaLnBrk="1" latinLnBrk="0" hangingPunct="1">
+              <a:defRPr sz="1800" kern="1200">
+                <a:solidFill>
+                  <a:schemeClr val="lt1"/>
+                </a:solidFill>
+                <a:latin typeface="+mn-lt"/>
+                <a:ea typeface="+mn-ea"/>
+                <a:cs typeface="+mn-cs"/>
+              </a:defRPr>
+            </a:lvl1pPr>
+            <a:lvl2pPr marL="457200" algn="l" defTabSz="914400" rtl="0" eaLnBrk="1" latinLnBrk="0" hangingPunct="1">
+              <a:defRPr sz="1800" kern="1200">
+                <a:solidFill>
+                  <a:schemeClr val="lt1"/>
+                </a:solidFill>
+                <a:latin typeface="+mn-lt"/>
+                <a:ea typeface="+mn-ea"/>
+                <a:cs typeface="+mn-cs"/>
+              </a:defRPr>
+            </a:lvl2pPr>
+            <a:lvl3pPr marL="914400" algn="l" defTabSz="914400" rtl="0" eaLnBrk="1" latinLnBrk="0" hangingPunct="1">
+              <a:defRPr sz="1800" kern="1200">
+                <a:solidFill>
+                  <a:schemeClr val="lt1"/>
+                </a:solidFill>
+                <a:latin typeface="+mn-lt"/>
+                <a:ea typeface="+mn-ea"/>
+                <a:cs typeface="+mn-cs"/>
+              </a:defRPr>
+            </a:lvl3pPr>
+            <a:lvl4pPr marL="1371600" algn="l" defTabSz="914400" rtl="0" eaLnBrk="1" latinLnBrk="0" hangingPunct="1">
+              <a:defRPr sz="1800" kern="1200">
+                <a:solidFill>
+                  <a:schemeClr val="lt1"/>
+                </a:solidFill>
+                <a:latin typeface="+mn-lt"/>
+                <a:ea typeface="+mn-ea"/>
+                <a:cs typeface="+mn-cs"/>
+              </a:defRPr>
+            </a:lvl4pPr>
+            <a:lvl5pPr marL="1828800" algn="l" defTabSz="914400" rtl="0" eaLnBrk="1" latinLnBrk="0" hangingPunct="1">
+              <a:defRPr sz="1800" kern="1200">
+                <a:solidFill>
+                  <a:schemeClr val="lt1"/>
+                </a:solidFill>
+                <a:latin typeface="+mn-lt"/>
+                <a:ea typeface="+mn-ea"/>
+                <a:cs typeface="+mn-cs"/>
+              </a:defRPr>
+            </a:lvl5pPr>
+            <a:lvl6pPr marL="2286000" algn="l" defTabSz="914400" rtl="0" eaLnBrk="1" latinLnBrk="0" hangingPunct="1">
+              <a:defRPr sz="1800" kern="1200">
+                <a:solidFill>
+                  <a:schemeClr val="lt1"/>
+                </a:solidFill>
+                <a:latin typeface="+mn-lt"/>
+                <a:ea typeface="+mn-ea"/>
+                <a:cs typeface="+mn-cs"/>
+              </a:defRPr>
+            </a:lvl6pPr>
+            <a:lvl7pPr marL="2743200" algn="l" defTabSz="914400" rtl="0" eaLnBrk="1" latinLnBrk="0" hangingPunct="1">
+              <a:defRPr sz="1800" kern="1200">
+                <a:solidFill>
+                  <a:schemeClr val="lt1"/>
+                </a:solidFill>
+                <a:latin typeface="+mn-lt"/>
+                <a:ea typeface="+mn-ea"/>
+                <a:cs typeface="+mn-cs"/>
+              </a:defRPr>
+            </a:lvl7pPr>
+            <a:lvl8pPr marL="3200400" algn="l" defTabSz="914400" rtl="0" eaLnBrk="1" latinLnBrk="0" hangingPunct="1">
+              <a:defRPr sz="1800" kern="1200">
+                <a:solidFill>
+                  <a:schemeClr val="lt1"/>
+                </a:solidFill>
+                <a:latin typeface="+mn-lt"/>
+                <a:ea typeface="+mn-ea"/>
+                <a:cs typeface="+mn-cs"/>
+              </a:defRPr>
+            </a:lvl8pPr>
+            <a:lvl9pPr marL="3657600" algn="l" defTabSz="914400" rtl="0" eaLnBrk="1" latinLnBrk="0" hangingPunct="1">
+              <a:defRPr sz="1800" kern="1200">
+                <a:solidFill>
+                  <a:schemeClr val="lt1"/>
+                </a:solidFill>
+                <a:latin typeface="+mn-lt"/>
+                <a:ea typeface="+mn-ea"/>
+                <a:cs typeface="+mn-cs"/>
+              </a:defRPr>
+            </a:lvl9pPr>
+          </a:lstStyle>
+          <a:p>
+            <a:pPr algn="ctr"/>
+            <a:r>
+              <a:rPr lang="en-US" sz="5400" dirty="0">
+                <a:solidFill>
+                  <a:schemeClr val="accent4"/>
+                </a:solidFill>
+              </a:rPr>
+              <a:t>A</a:t>
+            </a:r>
+            <a:endParaRPr lang="en-PH" sz="5400" dirty="0">
+              <a:solidFill>
+                <a:schemeClr val="accent4"/>
+              </a:solidFill>
+            </a:endParaRPr>
+          </a:p>
+        </p:txBody>
+      </p:sp>
     </p:spTree>
     <p:extLst>
       <p:ext uri="{BB962C8B-B14F-4D97-AF65-F5344CB8AC3E}">
@@ -3684,8 +5957,1256 @@
                 <a:latin typeface="Times New Roman" panose="02020603050405020304" pitchFamily="18" charset="0"/>
                 <a:cs typeface="Times New Roman" panose="02020603050405020304" pitchFamily="18" charset="0"/>
               </a:rPr>
-              <a:t> to light, from death to new life, and praise to the morning that brings forth the sun,</a:t>
-            </a:r>
+              <a:t> to light, from death to new life, and praise to the morning that brings forth the sin,</a:t>
+            </a:r>
+          </a:p>
+        </p:txBody>
+      </p:sp>
+      <p:sp>
+        <p:nvSpPr>
+          <p:cNvPr id="3" name="Rectangle 2">
+            <a:extLst>
+              <a:ext uri="{FF2B5EF4-FFF2-40B4-BE49-F238E27FC236}">
+                <a16:creationId xmlns:a16="http://schemas.microsoft.com/office/drawing/2014/main" id="{37398EE2-F8BB-4EEB-B14B-E73309427201}"/>
+              </a:ext>
+            </a:extLst>
+          </p:cNvPr>
+          <p:cNvSpPr/>
+          <p:nvPr/>
+        </p:nvSpPr>
+        <p:spPr>
+          <a:xfrm>
+            <a:off x="3462508" y="-178755"/>
+            <a:ext cx="1786597" cy="970671"/>
+          </a:xfrm>
+          <a:prstGeom prst="rect">
+            <a:avLst/>
+          </a:prstGeom>
+          <a:noFill/>
+          <a:ln>
+            <a:noFill/>
+          </a:ln>
+        </p:spPr>
+        <p:style>
+          <a:lnRef idx="2">
+            <a:schemeClr val="accent1">
+              <a:shade val="50000"/>
+            </a:schemeClr>
+          </a:lnRef>
+          <a:fillRef idx="1">
+            <a:schemeClr val="accent1"/>
+          </a:fillRef>
+          <a:effectRef idx="0">
+            <a:schemeClr val="accent1"/>
+          </a:effectRef>
+          <a:fontRef idx="minor">
+            <a:schemeClr val="lt1"/>
+          </a:fontRef>
+        </p:style>
+        <p:txBody>
+          <a:bodyPr rtlCol="0" anchor="ctr"/>
+          <a:lstStyle>
+            <a:defPPr>
+              <a:defRPr lang="en-US"/>
+            </a:defPPr>
+            <a:lvl1pPr marL="0" algn="l" defTabSz="914400" rtl="0" eaLnBrk="1" latinLnBrk="0" hangingPunct="1">
+              <a:defRPr sz="1800" kern="1200">
+                <a:solidFill>
+                  <a:schemeClr val="lt1"/>
+                </a:solidFill>
+                <a:latin typeface="+mn-lt"/>
+                <a:ea typeface="+mn-ea"/>
+                <a:cs typeface="+mn-cs"/>
+              </a:defRPr>
+            </a:lvl1pPr>
+            <a:lvl2pPr marL="457200" algn="l" defTabSz="914400" rtl="0" eaLnBrk="1" latinLnBrk="0" hangingPunct="1">
+              <a:defRPr sz="1800" kern="1200">
+                <a:solidFill>
+                  <a:schemeClr val="lt1"/>
+                </a:solidFill>
+                <a:latin typeface="+mn-lt"/>
+                <a:ea typeface="+mn-ea"/>
+                <a:cs typeface="+mn-cs"/>
+              </a:defRPr>
+            </a:lvl2pPr>
+            <a:lvl3pPr marL="914400" algn="l" defTabSz="914400" rtl="0" eaLnBrk="1" latinLnBrk="0" hangingPunct="1">
+              <a:defRPr sz="1800" kern="1200">
+                <a:solidFill>
+                  <a:schemeClr val="lt1"/>
+                </a:solidFill>
+                <a:latin typeface="+mn-lt"/>
+                <a:ea typeface="+mn-ea"/>
+                <a:cs typeface="+mn-cs"/>
+              </a:defRPr>
+            </a:lvl3pPr>
+            <a:lvl4pPr marL="1371600" algn="l" defTabSz="914400" rtl="0" eaLnBrk="1" latinLnBrk="0" hangingPunct="1">
+              <a:defRPr sz="1800" kern="1200">
+                <a:solidFill>
+                  <a:schemeClr val="lt1"/>
+                </a:solidFill>
+                <a:latin typeface="+mn-lt"/>
+                <a:ea typeface="+mn-ea"/>
+                <a:cs typeface="+mn-cs"/>
+              </a:defRPr>
+            </a:lvl4pPr>
+            <a:lvl5pPr marL="1828800" algn="l" defTabSz="914400" rtl="0" eaLnBrk="1" latinLnBrk="0" hangingPunct="1">
+              <a:defRPr sz="1800" kern="1200">
+                <a:solidFill>
+                  <a:schemeClr val="lt1"/>
+                </a:solidFill>
+                <a:latin typeface="+mn-lt"/>
+                <a:ea typeface="+mn-ea"/>
+                <a:cs typeface="+mn-cs"/>
+              </a:defRPr>
+            </a:lvl5pPr>
+            <a:lvl6pPr marL="2286000" algn="l" defTabSz="914400" rtl="0" eaLnBrk="1" latinLnBrk="0" hangingPunct="1">
+              <a:defRPr sz="1800" kern="1200">
+                <a:solidFill>
+                  <a:schemeClr val="lt1"/>
+                </a:solidFill>
+                <a:latin typeface="+mn-lt"/>
+                <a:ea typeface="+mn-ea"/>
+                <a:cs typeface="+mn-cs"/>
+              </a:defRPr>
+            </a:lvl6pPr>
+            <a:lvl7pPr marL="2743200" algn="l" defTabSz="914400" rtl="0" eaLnBrk="1" latinLnBrk="0" hangingPunct="1">
+              <a:defRPr sz="1800" kern="1200">
+                <a:solidFill>
+                  <a:schemeClr val="lt1"/>
+                </a:solidFill>
+                <a:latin typeface="+mn-lt"/>
+                <a:ea typeface="+mn-ea"/>
+                <a:cs typeface="+mn-cs"/>
+              </a:defRPr>
+            </a:lvl7pPr>
+            <a:lvl8pPr marL="3200400" algn="l" defTabSz="914400" rtl="0" eaLnBrk="1" latinLnBrk="0" hangingPunct="1">
+              <a:defRPr sz="1800" kern="1200">
+                <a:solidFill>
+                  <a:schemeClr val="lt1"/>
+                </a:solidFill>
+                <a:latin typeface="+mn-lt"/>
+                <a:ea typeface="+mn-ea"/>
+                <a:cs typeface="+mn-cs"/>
+              </a:defRPr>
+            </a:lvl8pPr>
+            <a:lvl9pPr marL="3657600" algn="l" defTabSz="914400" rtl="0" eaLnBrk="1" latinLnBrk="0" hangingPunct="1">
+              <a:defRPr sz="1800" kern="1200">
+                <a:solidFill>
+                  <a:schemeClr val="lt1"/>
+                </a:solidFill>
+                <a:latin typeface="+mn-lt"/>
+                <a:ea typeface="+mn-ea"/>
+                <a:cs typeface="+mn-cs"/>
+              </a:defRPr>
+            </a:lvl9pPr>
+          </a:lstStyle>
+          <a:p>
+            <a:pPr algn="ctr"/>
+            <a:r>
+              <a:rPr lang="en-US" sz="5400" dirty="0">
+                <a:solidFill>
+                  <a:schemeClr val="accent4"/>
+                </a:solidFill>
+              </a:rPr>
+              <a:t>D</a:t>
+            </a:r>
+            <a:endParaRPr lang="en-PH" sz="5400" dirty="0">
+              <a:solidFill>
+                <a:schemeClr val="accent4"/>
+              </a:solidFill>
+            </a:endParaRPr>
+          </a:p>
+        </p:txBody>
+      </p:sp>
+      <p:sp>
+        <p:nvSpPr>
+          <p:cNvPr id="4" name="Rectangle 3">
+            <a:extLst>
+              <a:ext uri="{FF2B5EF4-FFF2-40B4-BE49-F238E27FC236}">
+                <a16:creationId xmlns:a16="http://schemas.microsoft.com/office/drawing/2014/main" id="{001CA0BA-9866-49E1-BD7E-CE107CD27812}"/>
+              </a:ext>
+            </a:extLst>
+          </p:cNvPr>
+          <p:cNvSpPr/>
+          <p:nvPr/>
+        </p:nvSpPr>
+        <p:spPr>
+          <a:xfrm>
+            <a:off x="9012702" y="-221291"/>
+            <a:ext cx="1786597" cy="970671"/>
+          </a:xfrm>
+          <a:prstGeom prst="rect">
+            <a:avLst/>
+          </a:prstGeom>
+          <a:noFill/>
+          <a:ln>
+            <a:noFill/>
+          </a:ln>
+        </p:spPr>
+        <p:style>
+          <a:lnRef idx="2">
+            <a:schemeClr val="accent1">
+              <a:shade val="50000"/>
+            </a:schemeClr>
+          </a:lnRef>
+          <a:fillRef idx="1">
+            <a:schemeClr val="accent1"/>
+          </a:fillRef>
+          <a:effectRef idx="0">
+            <a:schemeClr val="accent1"/>
+          </a:effectRef>
+          <a:fontRef idx="minor">
+            <a:schemeClr val="lt1"/>
+          </a:fontRef>
+        </p:style>
+        <p:txBody>
+          <a:bodyPr rtlCol="0" anchor="ctr"/>
+          <a:lstStyle>
+            <a:defPPr>
+              <a:defRPr lang="en-US"/>
+            </a:defPPr>
+            <a:lvl1pPr marL="0" algn="l" defTabSz="914400" rtl="0" eaLnBrk="1" latinLnBrk="0" hangingPunct="1">
+              <a:defRPr sz="1800" kern="1200">
+                <a:solidFill>
+                  <a:schemeClr val="lt1"/>
+                </a:solidFill>
+                <a:latin typeface="+mn-lt"/>
+                <a:ea typeface="+mn-ea"/>
+                <a:cs typeface="+mn-cs"/>
+              </a:defRPr>
+            </a:lvl1pPr>
+            <a:lvl2pPr marL="457200" algn="l" defTabSz="914400" rtl="0" eaLnBrk="1" latinLnBrk="0" hangingPunct="1">
+              <a:defRPr sz="1800" kern="1200">
+                <a:solidFill>
+                  <a:schemeClr val="lt1"/>
+                </a:solidFill>
+                <a:latin typeface="+mn-lt"/>
+                <a:ea typeface="+mn-ea"/>
+                <a:cs typeface="+mn-cs"/>
+              </a:defRPr>
+            </a:lvl2pPr>
+            <a:lvl3pPr marL="914400" algn="l" defTabSz="914400" rtl="0" eaLnBrk="1" latinLnBrk="0" hangingPunct="1">
+              <a:defRPr sz="1800" kern="1200">
+                <a:solidFill>
+                  <a:schemeClr val="lt1"/>
+                </a:solidFill>
+                <a:latin typeface="+mn-lt"/>
+                <a:ea typeface="+mn-ea"/>
+                <a:cs typeface="+mn-cs"/>
+              </a:defRPr>
+            </a:lvl3pPr>
+            <a:lvl4pPr marL="1371600" algn="l" defTabSz="914400" rtl="0" eaLnBrk="1" latinLnBrk="0" hangingPunct="1">
+              <a:defRPr sz="1800" kern="1200">
+                <a:solidFill>
+                  <a:schemeClr val="lt1"/>
+                </a:solidFill>
+                <a:latin typeface="+mn-lt"/>
+                <a:ea typeface="+mn-ea"/>
+                <a:cs typeface="+mn-cs"/>
+              </a:defRPr>
+            </a:lvl4pPr>
+            <a:lvl5pPr marL="1828800" algn="l" defTabSz="914400" rtl="0" eaLnBrk="1" latinLnBrk="0" hangingPunct="1">
+              <a:defRPr sz="1800" kern="1200">
+                <a:solidFill>
+                  <a:schemeClr val="lt1"/>
+                </a:solidFill>
+                <a:latin typeface="+mn-lt"/>
+                <a:ea typeface="+mn-ea"/>
+                <a:cs typeface="+mn-cs"/>
+              </a:defRPr>
+            </a:lvl5pPr>
+            <a:lvl6pPr marL="2286000" algn="l" defTabSz="914400" rtl="0" eaLnBrk="1" latinLnBrk="0" hangingPunct="1">
+              <a:defRPr sz="1800" kern="1200">
+                <a:solidFill>
+                  <a:schemeClr val="lt1"/>
+                </a:solidFill>
+                <a:latin typeface="+mn-lt"/>
+                <a:ea typeface="+mn-ea"/>
+                <a:cs typeface="+mn-cs"/>
+              </a:defRPr>
+            </a:lvl6pPr>
+            <a:lvl7pPr marL="2743200" algn="l" defTabSz="914400" rtl="0" eaLnBrk="1" latinLnBrk="0" hangingPunct="1">
+              <a:defRPr sz="1800" kern="1200">
+                <a:solidFill>
+                  <a:schemeClr val="lt1"/>
+                </a:solidFill>
+                <a:latin typeface="+mn-lt"/>
+                <a:ea typeface="+mn-ea"/>
+                <a:cs typeface="+mn-cs"/>
+              </a:defRPr>
+            </a:lvl7pPr>
+            <a:lvl8pPr marL="3200400" algn="l" defTabSz="914400" rtl="0" eaLnBrk="1" latinLnBrk="0" hangingPunct="1">
+              <a:defRPr sz="1800" kern="1200">
+                <a:solidFill>
+                  <a:schemeClr val="lt1"/>
+                </a:solidFill>
+                <a:latin typeface="+mn-lt"/>
+                <a:ea typeface="+mn-ea"/>
+                <a:cs typeface="+mn-cs"/>
+              </a:defRPr>
+            </a:lvl8pPr>
+            <a:lvl9pPr marL="3657600" algn="l" defTabSz="914400" rtl="0" eaLnBrk="1" latinLnBrk="0" hangingPunct="1">
+              <a:defRPr sz="1800" kern="1200">
+                <a:solidFill>
+                  <a:schemeClr val="lt1"/>
+                </a:solidFill>
+                <a:latin typeface="+mn-lt"/>
+                <a:ea typeface="+mn-ea"/>
+                <a:cs typeface="+mn-cs"/>
+              </a:defRPr>
+            </a:lvl9pPr>
+          </a:lstStyle>
+          <a:p>
+            <a:pPr algn="ctr"/>
+            <a:r>
+              <a:rPr lang="en-US" sz="5400" dirty="0">
+                <a:solidFill>
+                  <a:schemeClr val="accent4"/>
+                </a:solidFill>
+              </a:rPr>
+              <a:t>A</a:t>
+            </a:r>
+            <a:endParaRPr lang="en-PH" sz="5400" dirty="0">
+              <a:solidFill>
+                <a:schemeClr val="accent4"/>
+              </a:solidFill>
+            </a:endParaRPr>
+          </a:p>
+        </p:txBody>
+      </p:sp>
+      <p:sp>
+        <p:nvSpPr>
+          <p:cNvPr id="5" name="Rectangle 4">
+            <a:extLst>
+              <a:ext uri="{FF2B5EF4-FFF2-40B4-BE49-F238E27FC236}">
+                <a16:creationId xmlns:a16="http://schemas.microsoft.com/office/drawing/2014/main" id="{D8743A69-B7FC-4986-9D32-F76D63F2AA0A}"/>
+              </a:ext>
+            </a:extLst>
+          </p:cNvPr>
+          <p:cNvSpPr/>
+          <p:nvPr/>
+        </p:nvSpPr>
+        <p:spPr>
+          <a:xfrm>
+            <a:off x="4376902" y="1054615"/>
+            <a:ext cx="1786597" cy="970671"/>
+          </a:xfrm>
+          <a:prstGeom prst="rect">
+            <a:avLst/>
+          </a:prstGeom>
+          <a:noFill/>
+          <a:ln>
+            <a:noFill/>
+          </a:ln>
+        </p:spPr>
+        <p:style>
+          <a:lnRef idx="2">
+            <a:schemeClr val="accent1">
+              <a:shade val="50000"/>
+            </a:schemeClr>
+          </a:lnRef>
+          <a:fillRef idx="1">
+            <a:schemeClr val="accent1"/>
+          </a:fillRef>
+          <a:effectRef idx="0">
+            <a:schemeClr val="accent1"/>
+          </a:effectRef>
+          <a:fontRef idx="minor">
+            <a:schemeClr val="lt1"/>
+          </a:fontRef>
+        </p:style>
+        <p:txBody>
+          <a:bodyPr rtlCol="0" anchor="ctr"/>
+          <a:lstStyle>
+            <a:defPPr>
+              <a:defRPr lang="en-US"/>
+            </a:defPPr>
+            <a:lvl1pPr marL="0" algn="l" defTabSz="914400" rtl="0" eaLnBrk="1" latinLnBrk="0" hangingPunct="1">
+              <a:defRPr sz="1800" kern="1200">
+                <a:solidFill>
+                  <a:schemeClr val="lt1"/>
+                </a:solidFill>
+                <a:latin typeface="+mn-lt"/>
+                <a:ea typeface="+mn-ea"/>
+                <a:cs typeface="+mn-cs"/>
+              </a:defRPr>
+            </a:lvl1pPr>
+            <a:lvl2pPr marL="457200" algn="l" defTabSz="914400" rtl="0" eaLnBrk="1" latinLnBrk="0" hangingPunct="1">
+              <a:defRPr sz="1800" kern="1200">
+                <a:solidFill>
+                  <a:schemeClr val="lt1"/>
+                </a:solidFill>
+                <a:latin typeface="+mn-lt"/>
+                <a:ea typeface="+mn-ea"/>
+                <a:cs typeface="+mn-cs"/>
+              </a:defRPr>
+            </a:lvl2pPr>
+            <a:lvl3pPr marL="914400" algn="l" defTabSz="914400" rtl="0" eaLnBrk="1" latinLnBrk="0" hangingPunct="1">
+              <a:defRPr sz="1800" kern="1200">
+                <a:solidFill>
+                  <a:schemeClr val="lt1"/>
+                </a:solidFill>
+                <a:latin typeface="+mn-lt"/>
+                <a:ea typeface="+mn-ea"/>
+                <a:cs typeface="+mn-cs"/>
+              </a:defRPr>
+            </a:lvl3pPr>
+            <a:lvl4pPr marL="1371600" algn="l" defTabSz="914400" rtl="0" eaLnBrk="1" latinLnBrk="0" hangingPunct="1">
+              <a:defRPr sz="1800" kern="1200">
+                <a:solidFill>
+                  <a:schemeClr val="lt1"/>
+                </a:solidFill>
+                <a:latin typeface="+mn-lt"/>
+                <a:ea typeface="+mn-ea"/>
+                <a:cs typeface="+mn-cs"/>
+              </a:defRPr>
+            </a:lvl4pPr>
+            <a:lvl5pPr marL="1828800" algn="l" defTabSz="914400" rtl="0" eaLnBrk="1" latinLnBrk="0" hangingPunct="1">
+              <a:defRPr sz="1800" kern="1200">
+                <a:solidFill>
+                  <a:schemeClr val="lt1"/>
+                </a:solidFill>
+                <a:latin typeface="+mn-lt"/>
+                <a:ea typeface="+mn-ea"/>
+                <a:cs typeface="+mn-cs"/>
+              </a:defRPr>
+            </a:lvl5pPr>
+            <a:lvl6pPr marL="2286000" algn="l" defTabSz="914400" rtl="0" eaLnBrk="1" latinLnBrk="0" hangingPunct="1">
+              <a:defRPr sz="1800" kern="1200">
+                <a:solidFill>
+                  <a:schemeClr val="lt1"/>
+                </a:solidFill>
+                <a:latin typeface="+mn-lt"/>
+                <a:ea typeface="+mn-ea"/>
+                <a:cs typeface="+mn-cs"/>
+              </a:defRPr>
+            </a:lvl6pPr>
+            <a:lvl7pPr marL="2743200" algn="l" defTabSz="914400" rtl="0" eaLnBrk="1" latinLnBrk="0" hangingPunct="1">
+              <a:defRPr sz="1800" kern="1200">
+                <a:solidFill>
+                  <a:schemeClr val="lt1"/>
+                </a:solidFill>
+                <a:latin typeface="+mn-lt"/>
+                <a:ea typeface="+mn-ea"/>
+                <a:cs typeface="+mn-cs"/>
+              </a:defRPr>
+            </a:lvl7pPr>
+            <a:lvl8pPr marL="3200400" algn="l" defTabSz="914400" rtl="0" eaLnBrk="1" latinLnBrk="0" hangingPunct="1">
+              <a:defRPr sz="1800" kern="1200">
+                <a:solidFill>
+                  <a:schemeClr val="lt1"/>
+                </a:solidFill>
+                <a:latin typeface="+mn-lt"/>
+                <a:ea typeface="+mn-ea"/>
+                <a:cs typeface="+mn-cs"/>
+              </a:defRPr>
+            </a:lvl8pPr>
+            <a:lvl9pPr marL="3657600" algn="l" defTabSz="914400" rtl="0" eaLnBrk="1" latinLnBrk="0" hangingPunct="1">
+              <a:defRPr sz="1800" kern="1200">
+                <a:solidFill>
+                  <a:schemeClr val="lt1"/>
+                </a:solidFill>
+                <a:latin typeface="+mn-lt"/>
+                <a:ea typeface="+mn-ea"/>
+                <a:cs typeface="+mn-cs"/>
+              </a:defRPr>
+            </a:lvl9pPr>
+          </a:lstStyle>
+          <a:p>
+            <a:pPr algn="ctr"/>
+            <a:r>
+              <a:rPr lang="en-US" sz="5400" dirty="0" err="1">
+                <a:solidFill>
+                  <a:schemeClr val="accent4"/>
+                </a:solidFill>
+              </a:rPr>
+              <a:t>B#m</a:t>
+            </a:r>
+            <a:endParaRPr lang="en-PH" sz="5400" dirty="0">
+              <a:solidFill>
+                <a:schemeClr val="accent4"/>
+              </a:solidFill>
+            </a:endParaRPr>
+          </a:p>
+        </p:txBody>
+      </p:sp>
+      <p:sp>
+        <p:nvSpPr>
+          <p:cNvPr id="7" name="Rectangle 6">
+            <a:extLst>
+              <a:ext uri="{FF2B5EF4-FFF2-40B4-BE49-F238E27FC236}">
+                <a16:creationId xmlns:a16="http://schemas.microsoft.com/office/drawing/2014/main" id="{0CAE1480-7E9F-4C20-A1BE-66394E5921CB}"/>
+              </a:ext>
+            </a:extLst>
+          </p:cNvPr>
+          <p:cNvSpPr/>
+          <p:nvPr/>
+        </p:nvSpPr>
+        <p:spPr>
+          <a:xfrm>
+            <a:off x="9523064" y="1033350"/>
+            <a:ext cx="1786597" cy="970671"/>
+          </a:xfrm>
+          <a:prstGeom prst="rect">
+            <a:avLst/>
+          </a:prstGeom>
+          <a:noFill/>
+          <a:ln>
+            <a:noFill/>
+          </a:ln>
+        </p:spPr>
+        <p:style>
+          <a:lnRef idx="2">
+            <a:schemeClr val="accent1">
+              <a:shade val="50000"/>
+            </a:schemeClr>
+          </a:lnRef>
+          <a:fillRef idx="1">
+            <a:schemeClr val="accent1"/>
+          </a:fillRef>
+          <a:effectRef idx="0">
+            <a:schemeClr val="accent1"/>
+          </a:effectRef>
+          <a:fontRef idx="minor">
+            <a:schemeClr val="lt1"/>
+          </a:fontRef>
+        </p:style>
+        <p:txBody>
+          <a:bodyPr rtlCol="0" anchor="ctr"/>
+          <a:lstStyle>
+            <a:defPPr>
+              <a:defRPr lang="en-US"/>
+            </a:defPPr>
+            <a:lvl1pPr marL="0" algn="l" defTabSz="914400" rtl="0" eaLnBrk="1" latinLnBrk="0" hangingPunct="1">
+              <a:defRPr sz="1800" kern="1200">
+                <a:solidFill>
+                  <a:schemeClr val="lt1"/>
+                </a:solidFill>
+                <a:latin typeface="+mn-lt"/>
+                <a:ea typeface="+mn-ea"/>
+                <a:cs typeface="+mn-cs"/>
+              </a:defRPr>
+            </a:lvl1pPr>
+            <a:lvl2pPr marL="457200" algn="l" defTabSz="914400" rtl="0" eaLnBrk="1" latinLnBrk="0" hangingPunct="1">
+              <a:defRPr sz="1800" kern="1200">
+                <a:solidFill>
+                  <a:schemeClr val="lt1"/>
+                </a:solidFill>
+                <a:latin typeface="+mn-lt"/>
+                <a:ea typeface="+mn-ea"/>
+                <a:cs typeface="+mn-cs"/>
+              </a:defRPr>
+            </a:lvl2pPr>
+            <a:lvl3pPr marL="914400" algn="l" defTabSz="914400" rtl="0" eaLnBrk="1" latinLnBrk="0" hangingPunct="1">
+              <a:defRPr sz="1800" kern="1200">
+                <a:solidFill>
+                  <a:schemeClr val="lt1"/>
+                </a:solidFill>
+                <a:latin typeface="+mn-lt"/>
+                <a:ea typeface="+mn-ea"/>
+                <a:cs typeface="+mn-cs"/>
+              </a:defRPr>
+            </a:lvl3pPr>
+            <a:lvl4pPr marL="1371600" algn="l" defTabSz="914400" rtl="0" eaLnBrk="1" latinLnBrk="0" hangingPunct="1">
+              <a:defRPr sz="1800" kern="1200">
+                <a:solidFill>
+                  <a:schemeClr val="lt1"/>
+                </a:solidFill>
+                <a:latin typeface="+mn-lt"/>
+                <a:ea typeface="+mn-ea"/>
+                <a:cs typeface="+mn-cs"/>
+              </a:defRPr>
+            </a:lvl4pPr>
+            <a:lvl5pPr marL="1828800" algn="l" defTabSz="914400" rtl="0" eaLnBrk="1" latinLnBrk="0" hangingPunct="1">
+              <a:defRPr sz="1800" kern="1200">
+                <a:solidFill>
+                  <a:schemeClr val="lt1"/>
+                </a:solidFill>
+                <a:latin typeface="+mn-lt"/>
+                <a:ea typeface="+mn-ea"/>
+                <a:cs typeface="+mn-cs"/>
+              </a:defRPr>
+            </a:lvl5pPr>
+            <a:lvl6pPr marL="2286000" algn="l" defTabSz="914400" rtl="0" eaLnBrk="1" latinLnBrk="0" hangingPunct="1">
+              <a:defRPr sz="1800" kern="1200">
+                <a:solidFill>
+                  <a:schemeClr val="lt1"/>
+                </a:solidFill>
+                <a:latin typeface="+mn-lt"/>
+                <a:ea typeface="+mn-ea"/>
+                <a:cs typeface="+mn-cs"/>
+              </a:defRPr>
+            </a:lvl6pPr>
+            <a:lvl7pPr marL="2743200" algn="l" defTabSz="914400" rtl="0" eaLnBrk="1" latinLnBrk="0" hangingPunct="1">
+              <a:defRPr sz="1800" kern="1200">
+                <a:solidFill>
+                  <a:schemeClr val="lt1"/>
+                </a:solidFill>
+                <a:latin typeface="+mn-lt"/>
+                <a:ea typeface="+mn-ea"/>
+                <a:cs typeface="+mn-cs"/>
+              </a:defRPr>
+            </a:lvl7pPr>
+            <a:lvl8pPr marL="3200400" algn="l" defTabSz="914400" rtl="0" eaLnBrk="1" latinLnBrk="0" hangingPunct="1">
+              <a:defRPr sz="1800" kern="1200">
+                <a:solidFill>
+                  <a:schemeClr val="lt1"/>
+                </a:solidFill>
+                <a:latin typeface="+mn-lt"/>
+                <a:ea typeface="+mn-ea"/>
+                <a:cs typeface="+mn-cs"/>
+              </a:defRPr>
+            </a:lvl8pPr>
+            <a:lvl9pPr marL="3657600" algn="l" defTabSz="914400" rtl="0" eaLnBrk="1" latinLnBrk="0" hangingPunct="1">
+              <a:defRPr sz="1800" kern="1200">
+                <a:solidFill>
+                  <a:schemeClr val="lt1"/>
+                </a:solidFill>
+                <a:latin typeface="+mn-lt"/>
+                <a:ea typeface="+mn-ea"/>
+                <a:cs typeface="+mn-cs"/>
+              </a:defRPr>
+            </a:lvl9pPr>
+          </a:lstStyle>
+          <a:p>
+            <a:pPr algn="ctr"/>
+            <a:r>
+              <a:rPr lang="en-US" sz="5400" dirty="0">
+                <a:solidFill>
+                  <a:schemeClr val="accent4"/>
+                </a:solidFill>
+              </a:rPr>
+              <a:t>E</a:t>
+            </a:r>
+            <a:endParaRPr lang="en-PH" sz="5400" dirty="0">
+              <a:solidFill>
+                <a:schemeClr val="accent4"/>
+              </a:solidFill>
+            </a:endParaRPr>
+          </a:p>
+        </p:txBody>
+      </p:sp>
+      <p:sp>
+        <p:nvSpPr>
+          <p:cNvPr id="8" name="Rectangle 7">
+            <a:extLst>
+              <a:ext uri="{FF2B5EF4-FFF2-40B4-BE49-F238E27FC236}">
+                <a16:creationId xmlns:a16="http://schemas.microsoft.com/office/drawing/2014/main" id="{6EDFA484-B302-4875-81C9-B96A53BD2F1A}"/>
+              </a:ext>
+            </a:extLst>
+          </p:cNvPr>
+          <p:cNvSpPr/>
+          <p:nvPr/>
+        </p:nvSpPr>
+        <p:spPr>
+          <a:xfrm>
+            <a:off x="4525768" y="2500636"/>
+            <a:ext cx="1786597" cy="970671"/>
+          </a:xfrm>
+          <a:prstGeom prst="rect">
+            <a:avLst/>
+          </a:prstGeom>
+          <a:noFill/>
+          <a:ln>
+            <a:noFill/>
+          </a:ln>
+        </p:spPr>
+        <p:style>
+          <a:lnRef idx="2">
+            <a:schemeClr val="accent1">
+              <a:shade val="50000"/>
+            </a:schemeClr>
+          </a:lnRef>
+          <a:fillRef idx="1">
+            <a:schemeClr val="accent1"/>
+          </a:fillRef>
+          <a:effectRef idx="0">
+            <a:schemeClr val="accent1"/>
+          </a:effectRef>
+          <a:fontRef idx="minor">
+            <a:schemeClr val="lt1"/>
+          </a:fontRef>
+        </p:style>
+        <p:txBody>
+          <a:bodyPr rtlCol="0" anchor="ctr"/>
+          <a:lstStyle>
+            <a:defPPr>
+              <a:defRPr lang="en-US"/>
+            </a:defPPr>
+            <a:lvl1pPr marL="0" algn="l" defTabSz="914400" rtl="0" eaLnBrk="1" latinLnBrk="0" hangingPunct="1">
+              <a:defRPr sz="1800" kern="1200">
+                <a:solidFill>
+                  <a:schemeClr val="lt1"/>
+                </a:solidFill>
+                <a:latin typeface="+mn-lt"/>
+                <a:ea typeface="+mn-ea"/>
+                <a:cs typeface="+mn-cs"/>
+              </a:defRPr>
+            </a:lvl1pPr>
+            <a:lvl2pPr marL="457200" algn="l" defTabSz="914400" rtl="0" eaLnBrk="1" latinLnBrk="0" hangingPunct="1">
+              <a:defRPr sz="1800" kern="1200">
+                <a:solidFill>
+                  <a:schemeClr val="lt1"/>
+                </a:solidFill>
+                <a:latin typeface="+mn-lt"/>
+                <a:ea typeface="+mn-ea"/>
+                <a:cs typeface="+mn-cs"/>
+              </a:defRPr>
+            </a:lvl2pPr>
+            <a:lvl3pPr marL="914400" algn="l" defTabSz="914400" rtl="0" eaLnBrk="1" latinLnBrk="0" hangingPunct="1">
+              <a:defRPr sz="1800" kern="1200">
+                <a:solidFill>
+                  <a:schemeClr val="lt1"/>
+                </a:solidFill>
+                <a:latin typeface="+mn-lt"/>
+                <a:ea typeface="+mn-ea"/>
+                <a:cs typeface="+mn-cs"/>
+              </a:defRPr>
+            </a:lvl3pPr>
+            <a:lvl4pPr marL="1371600" algn="l" defTabSz="914400" rtl="0" eaLnBrk="1" latinLnBrk="0" hangingPunct="1">
+              <a:defRPr sz="1800" kern="1200">
+                <a:solidFill>
+                  <a:schemeClr val="lt1"/>
+                </a:solidFill>
+                <a:latin typeface="+mn-lt"/>
+                <a:ea typeface="+mn-ea"/>
+                <a:cs typeface="+mn-cs"/>
+              </a:defRPr>
+            </a:lvl4pPr>
+            <a:lvl5pPr marL="1828800" algn="l" defTabSz="914400" rtl="0" eaLnBrk="1" latinLnBrk="0" hangingPunct="1">
+              <a:defRPr sz="1800" kern="1200">
+                <a:solidFill>
+                  <a:schemeClr val="lt1"/>
+                </a:solidFill>
+                <a:latin typeface="+mn-lt"/>
+                <a:ea typeface="+mn-ea"/>
+                <a:cs typeface="+mn-cs"/>
+              </a:defRPr>
+            </a:lvl5pPr>
+            <a:lvl6pPr marL="2286000" algn="l" defTabSz="914400" rtl="0" eaLnBrk="1" latinLnBrk="0" hangingPunct="1">
+              <a:defRPr sz="1800" kern="1200">
+                <a:solidFill>
+                  <a:schemeClr val="lt1"/>
+                </a:solidFill>
+                <a:latin typeface="+mn-lt"/>
+                <a:ea typeface="+mn-ea"/>
+                <a:cs typeface="+mn-cs"/>
+              </a:defRPr>
+            </a:lvl6pPr>
+            <a:lvl7pPr marL="2743200" algn="l" defTabSz="914400" rtl="0" eaLnBrk="1" latinLnBrk="0" hangingPunct="1">
+              <a:defRPr sz="1800" kern="1200">
+                <a:solidFill>
+                  <a:schemeClr val="lt1"/>
+                </a:solidFill>
+                <a:latin typeface="+mn-lt"/>
+                <a:ea typeface="+mn-ea"/>
+                <a:cs typeface="+mn-cs"/>
+              </a:defRPr>
+            </a:lvl7pPr>
+            <a:lvl8pPr marL="3200400" algn="l" defTabSz="914400" rtl="0" eaLnBrk="1" latinLnBrk="0" hangingPunct="1">
+              <a:defRPr sz="1800" kern="1200">
+                <a:solidFill>
+                  <a:schemeClr val="lt1"/>
+                </a:solidFill>
+                <a:latin typeface="+mn-lt"/>
+                <a:ea typeface="+mn-ea"/>
+                <a:cs typeface="+mn-cs"/>
+              </a:defRPr>
+            </a:lvl8pPr>
+            <a:lvl9pPr marL="3657600" algn="l" defTabSz="914400" rtl="0" eaLnBrk="1" latinLnBrk="0" hangingPunct="1">
+              <a:defRPr sz="1800" kern="1200">
+                <a:solidFill>
+                  <a:schemeClr val="lt1"/>
+                </a:solidFill>
+                <a:latin typeface="+mn-lt"/>
+                <a:ea typeface="+mn-ea"/>
+                <a:cs typeface="+mn-cs"/>
+              </a:defRPr>
+            </a:lvl9pPr>
+          </a:lstStyle>
+          <a:p>
+            <a:pPr algn="ctr"/>
+            <a:r>
+              <a:rPr lang="en-US" sz="5400" dirty="0">
+                <a:solidFill>
+                  <a:schemeClr val="accent4"/>
+                </a:solidFill>
+              </a:rPr>
+              <a:t>A</a:t>
+            </a:r>
+            <a:endParaRPr lang="en-PH" sz="5400" dirty="0">
+              <a:solidFill>
+                <a:schemeClr val="accent4"/>
+              </a:solidFill>
+            </a:endParaRPr>
+          </a:p>
+        </p:txBody>
+      </p:sp>
+      <p:sp>
+        <p:nvSpPr>
+          <p:cNvPr id="9" name="Rectangle 8">
+            <a:extLst>
+              <a:ext uri="{FF2B5EF4-FFF2-40B4-BE49-F238E27FC236}">
+                <a16:creationId xmlns:a16="http://schemas.microsoft.com/office/drawing/2014/main" id="{6ECF761E-D4B5-49FE-8341-B4C9AD302455}"/>
+              </a:ext>
+            </a:extLst>
+          </p:cNvPr>
+          <p:cNvSpPr/>
+          <p:nvPr/>
+        </p:nvSpPr>
+        <p:spPr>
+          <a:xfrm>
+            <a:off x="1314730" y="3797818"/>
+            <a:ext cx="1786597" cy="970671"/>
+          </a:xfrm>
+          <a:prstGeom prst="rect">
+            <a:avLst/>
+          </a:prstGeom>
+          <a:noFill/>
+          <a:ln>
+            <a:noFill/>
+          </a:ln>
+        </p:spPr>
+        <p:style>
+          <a:lnRef idx="2">
+            <a:schemeClr val="accent1">
+              <a:shade val="50000"/>
+            </a:schemeClr>
+          </a:lnRef>
+          <a:fillRef idx="1">
+            <a:schemeClr val="accent1"/>
+          </a:fillRef>
+          <a:effectRef idx="0">
+            <a:schemeClr val="accent1"/>
+          </a:effectRef>
+          <a:fontRef idx="minor">
+            <a:schemeClr val="lt1"/>
+          </a:fontRef>
+        </p:style>
+        <p:txBody>
+          <a:bodyPr rtlCol="0" anchor="ctr"/>
+          <a:lstStyle>
+            <a:defPPr>
+              <a:defRPr lang="en-US"/>
+            </a:defPPr>
+            <a:lvl1pPr marL="0" algn="l" defTabSz="914400" rtl="0" eaLnBrk="1" latinLnBrk="0" hangingPunct="1">
+              <a:defRPr sz="1800" kern="1200">
+                <a:solidFill>
+                  <a:schemeClr val="lt1"/>
+                </a:solidFill>
+                <a:latin typeface="+mn-lt"/>
+                <a:ea typeface="+mn-ea"/>
+                <a:cs typeface="+mn-cs"/>
+              </a:defRPr>
+            </a:lvl1pPr>
+            <a:lvl2pPr marL="457200" algn="l" defTabSz="914400" rtl="0" eaLnBrk="1" latinLnBrk="0" hangingPunct="1">
+              <a:defRPr sz="1800" kern="1200">
+                <a:solidFill>
+                  <a:schemeClr val="lt1"/>
+                </a:solidFill>
+                <a:latin typeface="+mn-lt"/>
+                <a:ea typeface="+mn-ea"/>
+                <a:cs typeface="+mn-cs"/>
+              </a:defRPr>
+            </a:lvl2pPr>
+            <a:lvl3pPr marL="914400" algn="l" defTabSz="914400" rtl="0" eaLnBrk="1" latinLnBrk="0" hangingPunct="1">
+              <a:defRPr sz="1800" kern="1200">
+                <a:solidFill>
+                  <a:schemeClr val="lt1"/>
+                </a:solidFill>
+                <a:latin typeface="+mn-lt"/>
+                <a:ea typeface="+mn-ea"/>
+                <a:cs typeface="+mn-cs"/>
+              </a:defRPr>
+            </a:lvl3pPr>
+            <a:lvl4pPr marL="1371600" algn="l" defTabSz="914400" rtl="0" eaLnBrk="1" latinLnBrk="0" hangingPunct="1">
+              <a:defRPr sz="1800" kern="1200">
+                <a:solidFill>
+                  <a:schemeClr val="lt1"/>
+                </a:solidFill>
+                <a:latin typeface="+mn-lt"/>
+                <a:ea typeface="+mn-ea"/>
+                <a:cs typeface="+mn-cs"/>
+              </a:defRPr>
+            </a:lvl4pPr>
+            <a:lvl5pPr marL="1828800" algn="l" defTabSz="914400" rtl="0" eaLnBrk="1" latinLnBrk="0" hangingPunct="1">
+              <a:defRPr sz="1800" kern="1200">
+                <a:solidFill>
+                  <a:schemeClr val="lt1"/>
+                </a:solidFill>
+                <a:latin typeface="+mn-lt"/>
+                <a:ea typeface="+mn-ea"/>
+                <a:cs typeface="+mn-cs"/>
+              </a:defRPr>
+            </a:lvl5pPr>
+            <a:lvl6pPr marL="2286000" algn="l" defTabSz="914400" rtl="0" eaLnBrk="1" latinLnBrk="0" hangingPunct="1">
+              <a:defRPr sz="1800" kern="1200">
+                <a:solidFill>
+                  <a:schemeClr val="lt1"/>
+                </a:solidFill>
+                <a:latin typeface="+mn-lt"/>
+                <a:ea typeface="+mn-ea"/>
+                <a:cs typeface="+mn-cs"/>
+              </a:defRPr>
+            </a:lvl6pPr>
+            <a:lvl7pPr marL="2743200" algn="l" defTabSz="914400" rtl="0" eaLnBrk="1" latinLnBrk="0" hangingPunct="1">
+              <a:defRPr sz="1800" kern="1200">
+                <a:solidFill>
+                  <a:schemeClr val="lt1"/>
+                </a:solidFill>
+                <a:latin typeface="+mn-lt"/>
+                <a:ea typeface="+mn-ea"/>
+                <a:cs typeface="+mn-cs"/>
+              </a:defRPr>
+            </a:lvl7pPr>
+            <a:lvl8pPr marL="3200400" algn="l" defTabSz="914400" rtl="0" eaLnBrk="1" latinLnBrk="0" hangingPunct="1">
+              <a:defRPr sz="1800" kern="1200">
+                <a:solidFill>
+                  <a:schemeClr val="lt1"/>
+                </a:solidFill>
+                <a:latin typeface="+mn-lt"/>
+                <a:ea typeface="+mn-ea"/>
+                <a:cs typeface="+mn-cs"/>
+              </a:defRPr>
+            </a:lvl8pPr>
+            <a:lvl9pPr marL="3657600" algn="l" defTabSz="914400" rtl="0" eaLnBrk="1" latinLnBrk="0" hangingPunct="1">
+              <a:defRPr sz="1800" kern="1200">
+                <a:solidFill>
+                  <a:schemeClr val="lt1"/>
+                </a:solidFill>
+                <a:latin typeface="+mn-lt"/>
+                <a:ea typeface="+mn-ea"/>
+                <a:cs typeface="+mn-cs"/>
+              </a:defRPr>
+            </a:lvl9pPr>
+          </a:lstStyle>
+          <a:p>
+            <a:pPr algn="ctr"/>
+            <a:r>
+              <a:rPr lang="en-US" sz="5400" dirty="0">
+                <a:solidFill>
+                  <a:schemeClr val="accent4"/>
+                </a:solidFill>
+              </a:rPr>
+              <a:t>A7</a:t>
+            </a:r>
+            <a:endParaRPr lang="en-PH" sz="5400" dirty="0">
+              <a:solidFill>
+                <a:schemeClr val="accent4"/>
+              </a:solidFill>
+            </a:endParaRPr>
+          </a:p>
+        </p:txBody>
+      </p:sp>
+      <p:sp>
+        <p:nvSpPr>
+          <p:cNvPr id="10" name="Rectangle 9">
+            <a:extLst>
+              <a:ext uri="{FF2B5EF4-FFF2-40B4-BE49-F238E27FC236}">
+                <a16:creationId xmlns:a16="http://schemas.microsoft.com/office/drawing/2014/main" id="{7D295C9D-4E86-4A79-982C-3A0D56411F41}"/>
+              </a:ext>
+            </a:extLst>
+          </p:cNvPr>
+          <p:cNvSpPr/>
+          <p:nvPr/>
+        </p:nvSpPr>
+        <p:spPr>
+          <a:xfrm>
+            <a:off x="8587398" y="3776544"/>
+            <a:ext cx="1786597" cy="970671"/>
+          </a:xfrm>
+          <a:prstGeom prst="rect">
+            <a:avLst/>
+          </a:prstGeom>
+          <a:noFill/>
+          <a:ln>
+            <a:noFill/>
+          </a:ln>
+        </p:spPr>
+        <p:style>
+          <a:lnRef idx="2">
+            <a:schemeClr val="accent1">
+              <a:shade val="50000"/>
+            </a:schemeClr>
+          </a:lnRef>
+          <a:fillRef idx="1">
+            <a:schemeClr val="accent1"/>
+          </a:fillRef>
+          <a:effectRef idx="0">
+            <a:schemeClr val="accent1"/>
+          </a:effectRef>
+          <a:fontRef idx="minor">
+            <a:schemeClr val="lt1"/>
+          </a:fontRef>
+        </p:style>
+        <p:txBody>
+          <a:bodyPr rtlCol="0" anchor="ctr"/>
+          <a:lstStyle>
+            <a:defPPr>
+              <a:defRPr lang="en-US"/>
+            </a:defPPr>
+            <a:lvl1pPr marL="0" algn="l" defTabSz="914400" rtl="0" eaLnBrk="1" latinLnBrk="0" hangingPunct="1">
+              <a:defRPr sz="1800" kern="1200">
+                <a:solidFill>
+                  <a:schemeClr val="lt1"/>
+                </a:solidFill>
+                <a:latin typeface="+mn-lt"/>
+                <a:ea typeface="+mn-ea"/>
+                <a:cs typeface="+mn-cs"/>
+              </a:defRPr>
+            </a:lvl1pPr>
+            <a:lvl2pPr marL="457200" algn="l" defTabSz="914400" rtl="0" eaLnBrk="1" latinLnBrk="0" hangingPunct="1">
+              <a:defRPr sz="1800" kern="1200">
+                <a:solidFill>
+                  <a:schemeClr val="lt1"/>
+                </a:solidFill>
+                <a:latin typeface="+mn-lt"/>
+                <a:ea typeface="+mn-ea"/>
+                <a:cs typeface="+mn-cs"/>
+              </a:defRPr>
+            </a:lvl2pPr>
+            <a:lvl3pPr marL="914400" algn="l" defTabSz="914400" rtl="0" eaLnBrk="1" latinLnBrk="0" hangingPunct="1">
+              <a:defRPr sz="1800" kern="1200">
+                <a:solidFill>
+                  <a:schemeClr val="lt1"/>
+                </a:solidFill>
+                <a:latin typeface="+mn-lt"/>
+                <a:ea typeface="+mn-ea"/>
+                <a:cs typeface="+mn-cs"/>
+              </a:defRPr>
+            </a:lvl3pPr>
+            <a:lvl4pPr marL="1371600" algn="l" defTabSz="914400" rtl="0" eaLnBrk="1" latinLnBrk="0" hangingPunct="1">
+              <a:defRPr sz="1800" kern="1200">
+                <a:solidFill>
+                  <a:schemeClr val="lt1"/>
+                </a:solidFill>
+                <a:latin typeface="+mn-lt"/>
+                <a:ea typeface="+mn-ea"/>
+                <a:cs typeface="+mn-cs"/>
+              </a:defRPr>
+            </a:lvl4pPr>
+            <a:lvl5pPr marL="1828800" algn="l" defTabSz="914400" rtl="0" eaLnBrk="1" latinLnBrk="0" hangingPunct="1">
+              <a:defRPr sz="1800" kern="1200">
+                <a:solidFill>
+                  <a:schemeClr val="lt1"/>
+                </a:solidFill>
+                <a:latin typeface="+mn-lt"/>
+                <a:ea typeface="+mn-ea"/>
+                <a:cs typeface="+mn-cs"/>
+              </a:defRPr>
+            </a:lvl5pPr>
+            <a:lvl6pPr marL="2286000" algn="l" defTabSz="914400" rtl="0" eaLnBrk="1" latinLnBrk="0" hangingPunct="1">
+              <a:defRPr sz="1800" kern="1200">
+                <a:solidFill>
+                  <a:schemeClr val="lt1"/>
+                </a:solidFill>
+                <a:latin typeface="+mn-lt"/>
+                <a:ea typeface="+mn-ea"/>
+                <a:cs typeface="+mn-cs"/>
+              </a:defRPr>
+            </a:lvl6pPr>
+            <a:lvl7pPr marL="2743200" algn="l" defTabSz="914400" rtl="0" eaLnBrk="1" latinLnBrk="0" hangingPunct="1">
+              <a:defRPr sz="1800" kern="1200">
+                <a:solidFill>
+                  <a:schemeClr val="lt1"/>
+                </a:solidFill>
+                <a:latin typeface="+mn-lt"/>
+                <a:ea typeface="+mn-ea"/>
+                <a:cs typeface="+mn-cs"/>
+              </a:defRPr>
+            </a:lvl7pPr>
+            <a:lvl8pPr marL="3200400" algn="l" defTabSz="914400" rtl="0" eaLnBrk="1" latinLnBrk="0" hangingPunct="1">
+              <a:defRPr sz="1800" kern="1200">
+                <a:solidFill>
+                  <a:schemeClr val="lt1"/>
+                </a:solidFill>
+                <a:latin typeface="+mn-lt"/>
+                <a:ea typeface="+mn-ea"/>
+                <a:cs typeface="+mn-cs"/>
+              </a:defRPr>
+            </a:lvl8pPr>
+            <a:lvl9pPr marL="3657600" algn="l" defTabSz="914400" rtl="0" eaLnBrk="1" latinLnBrk="0" hangingPunct="1">
+              <a:defRPr sz="1800" kern="1200">
+                <a:solidFill>
+                  <a:schemeClr val="lt1"/>
+                </a:solidFill>
+                <a:latin typeface="+mn-lt"/>
+                <a:ea typeface="+mn-ea"/>
+                <a:cs typeface="+mn-cs"/>
+              </a:defRPr>
+            </a:lvl9pPr>
+          </a:lstStyle>
+          <a:p>
+            <a:pPr algn="ctr"/>
+            <a:r>
+              <a:rPr lang="en-US" sz="5400" dirty="0">
+                <a:solidFill>
+                  <a:schemeClr val="accent4"/>
+                </a:solidFill>
+              </a:rPr>
+              <a:t>D</a:t>
+            </a:r>
+            <a:endParaRPr lang="en-PH" sz="5400" dirty="0">
+              <a:solidFill>
+                <a:schemeClr val="accent4"/>
+              </a:solidFill>
+            </a:endParaRPr>
+          </a:p>
+        </p:txBody>
+      </p:sp>
+      <p:sp>
+        <p:nvSpPr>
+          <p:cNvPr id="11" name="Rectangle 10">
+            <a:extLst>
+              <a:ext uri="{FF2B5EF4-FFF2-40B4-BE49-F238E27FC236}">
+                <a16:creationId xmlns:a16="http://schemas.microsoft.com/office/drawing/2014/main" id="{BCD846E5-BBA7-4E79-9186-8E19DD9B1187}"/>
+              </a:ext>
+            </a:extLst>
+          </p:cNvPr>
+          <p:cNvSpPr/>
+          <p:nvPr/>
+        </p:nvSpPr>
+        <p:spPr>
+          <a:xfrm>
+            <a:off x="7651732" y="5158780"/>
+            <a:ext cx="1786597" cy="970671"/>
+          </a:xfrm>
+          <a:prstGeom prst="rect">
+            <a:avLst/>
+          </a:prstGeom>
+          <a:noFill/>
+          <a:ln>
+            <a:noFill/>
+          </a:ln>
+        </p:spPr>
+        <p:style>
+          <a:lnRef idx="2">
+            <a:schemeClr val="accent1">
+              <a:shade val="50000"/>
+            </a:schemeClr>
+          </a:lnRef>
+          <a:fillRef idx="1">
+            <a:schemeClr val="accent1"/>
+          </a:fillRef>
+          <a:effectRef idx="0">
+            <a:schemeClr val="accent1"/>
+          </a:effectRef>
+          <a:fontRef idx="minor">
+            <a:schemeClr val="lt1"/>
+          </a:fontRef>
+        </p:style>
+        <p:txBody>
+          <a:bodyPr rtlCol="0" anchor="ctr"/>
+          <a:lstStyle>
+            <a:defPPr>
+              <a:defRPr lang="en-US"/>
+            </a:defPPr>
+            <a:lvl1pPr marL="0" algn="l" defTabSz="914400" rtl="0" eaLnBrk="1" latinLnBrk="0" hangingPunct="1">
+              <a:defRPr sz="1800" kern="1200">
+                <a:solidFill>
+                  <a:schemeClr val="lt1"/>
+                </a:solidFill>
+                <a:latin typeface="+mn-lt"/>
+                <a:ea typeface="+mn-ea"/>
+                <a:cs typeface="+mn-cs"/>
+              </a:defRPr>
+            </a:lvl1pPr>
+            <a:lvl2pPr marL="457200" algn="l" defTabSz="914400" rtl="0" eaLnBrk="1" latinLnBrk="0" hangingPunct="1">
+              <a:defRPr sz="1800" kern="1200">
+                <a:solidFill>
+                  <a:schemeClr val="lt1"/>
+                </a:solidFill>
+                <a:latin typeface="+mn-lt"/>
+                <a:ea typeface="+mn-ea"/>
+                <a:cs typeface="+mn-cs"/>
+              </a:defRPr>
+            </a:lvl2pPr>
+            <a:lvl3pPr marL="914400" algn="l" defTabSz="914400" rtl="0" eaLnBrk="1" latinLnBrk="0" hangingPunct="1">
+              <a:defRPr sz="1800" kern="1200">
+                <a:solidFill>
+                  <a:schemeClr val="lt1"/>
+                </a:solidFill>
+                <a:latin typeface="+mn-lt"/>
+                <a:ea typeface="+mn-ea"/>
+                <a:cs typeface="+mn-cs"/>
+              </a:defRPr>
+            </a:lvl3pPr>
+            <a:lvl4pPr marL="1371600" algn="l" defTabSz="914400" rtl="0" eaLnBrk="1" latinLnBrk="0" hangingPunct="1">
+              <a:defRPr sz="1800" kern="1200">
+                <a:solidFill>
+                  <a:schemeClr val="lt1"/>
+                </a:solidFill>
+                <a:latin typeface="+mn-lt"/>
+                <a:ea typeface="+mn-ea"/>
+                <a:cs typeface="+mn-cs"/>
+              </a:defRPr>
+            </a:lvl4pPr>
+            <a:lvl5pPr marL="1828800" algn="l" defTabSz="914400" rtl="0" eaLnBrk="1" latinLnBrk="0" hangingPunct="1">
+              <a:defRPr sz="1800" kern="1200">
+                <a:solidFill>
+                  <a:schemeClr val="lt1"/>
+                </a:solidFill>
+                <a:latin typeface="+mn-lt"/>
+                <a:ea typeface="+mn-ea"/>
+                <a:cs typeface="+mn-cs"/>
+              </a:defRPr>
+            </a:lvl5pPr>
+            <a:lvl6pPr marL="2286000" algn="l" defTabSz="914400" rtl="0" eaLnBrk="1" latinLnBrk="0" hangingPunct="1">
+              <a:defRPr sz="1800" kern="1200">
+                <a:solidFill>
+                  <a:schemeClr val="lt1"/>
+                </a:solidFill>
+                <a:latin typeface="+mn-lt"/>
+                <a:ea typeface="+mn-ea"/>
+                <a:cs typeface="+mn-cs"/>
+              </a:defRPr>
+            </a:lvl6pPr>
+            <a:lvl7pPr marL="2743200" algn="l" defTabSz="914400" rtl="0" eaLnBrk="1" latinLnBrk="0" hangingPunct="1">
+              <a:defRPr sz="1800" kern="1200">
+                <a:solidFill>
+                  <a:schemeClr val="lt1"/>
+                </a:solidFill>
+                <a:latin typeface="+mn-lt"/>
+                <a:ea typeface="+mn-ea"/>
+                <a:cs typeface="+mn-cs"/>
+              </a:defRPr>
+            </a:lvl7pPr>
+            <a:lvl8pPr marL="3200400" algn="l" defTabSz="914400" rtl="0" eaLnBrk="1" latinLnBrk="0" hangingPunct="1">
+              <a:defRPr sz="1800" kern="1200">
+                <a:solidFill>
+                  <a:schemeClr val="lt1"/>
+                </a:solidFill>
+                <a:latin typeface="+mn-lt"/>
+                <a:ea typeface="+mn-ea"/>
+                <a:cs typeface="+mn-cs"/>
+              </a:defRPr>
+            </a:lvl8pPr>
+            <a:lvl9pPr marL="3657600" algn="l" defTabSz="914400" rtl="0" eaLnBrk="1" latinLnBrk="0" hangingPunct="1">
+              <a:defRPr sz="1800" kern="1200">
+                <a:solidFill>
+                  <a:schemeClr val="lt1"/>
+                </a:solidFill>
+                <a:latin typeface="+mn-lt"/>
+                <a:ea typeface="+mn-ea"/>
+                <a:cs typeface="+mn-cs"/>
+              </a:defRPr>
+            </a:lvl9pPr>
+          </a:lstStyle>
+          <a:p>
+            <a:pPr algn="ctr"/>
+            <a:r>
+              <a:rPr lang="en-US" sz="5400" dirty="0">
+                <a:solidFill>
+                  <a:schemeClr val="accent4"/>
+                </a:solidFill>
+              </a:rPr>
+              <a:t>A</a:t>
+            </a:r>
+            <a:endParaRPr lang="en-PH" sz="5400" dirty="0">
+              <a:solidFill>
+                <a:schemeClr val="accent4"/>
+              </a:solidFill>
+            </a:endParaRPr>
           </a:p>
         </p:txBody>
       </p:sp>
@@ -3755,6 +7276,482 @@
           </a:p>
         </p:txBody>
       </p:sp>
+      <p:sp>
+        <p:nvSpPr>
+          <p:cNvPr id="3" name="Rectangle 2">
+            <a:extLst>
+              <a:ext uri="{FF2B5EF4-FFF2-40B4-BE49-F238E27FC236}">
+                <a16:creationId xmlns:a16="http://schemas.microsoft.com/office/drawing/2014/main" id="{AE70E0F2-8847-4F20-A10C-02C3AEA18C39}"/>
+              </a:ext>
+            </a:extLst>
+          </p:cNvPr>
+          <p:cNvSpPr/>
+          <p:nvPr/>
+        </p:nvSpPr>
+        <p:spPr>
+          <a:xfrm>
+            <a:off x="2250399" y="1437385"/>
+            <a:ext cx="1786597" cy="970671"/>
+          </a:xfrm>
+          <a:prstGeom prst="rect">
+            <a:avLst/>
+          </a:prstGeom>
+          <a:noFill/>
+          <a:ln>
+            <a:noFill/>
+          </a:ln>
+        </p:spPr>
+        <p:style>
+          <a:lnRef idx="2">
+            <a:schemeClr val="accent1">
+              <a:shade val="50000"/>
+            </a:schemeClr>
+          </a:lnRef>
+          <a:fillRef idx="1">
+            <a:schemeClr val="accent1"/>
+          </a:fillRef>
+          <a:effectRef idx="0">
+            <a:schemeClr val="accent1"/>
+          </a:effectRef>
+          <a:fontRef idx="minor">
+            <a:schemeClr val="lt1"/>
+          </a:fontRef>
+        </p:style>
+        <p:txBody>
+          <a:bodyPr rtlCol="0" anchor="ctr"/>
+          <a:lstStyle>
+            <a:defPPr>
+              <a:defRPr lang="en-US"/>
+            </a:defPPr>
+            <a:lvl1pPr marL="0" algn="l" defTabSz="914400" rtl="0" eaLnBrk="1" latinLnBrk="0" hangingPunct="1">
+              <a:defRPr sz="1800" kern="1200">
+                <a:solidFill>
+                  <a:schemeClr val="lt1"/>
+                </a:solidFill>
+                <a:latin typeface="+mn-lt"/>
+                <a:ea typeface="+mn-ea"/>
+                <a:cs typeface="+mn-cs"/>
+              </a:defRPr>
+            </a:lvl1pPr>
+            <a:lvl2pPr marL="457200" algn="l" defTabSz="914400" rtl="0" eaLnBrk="1" latinLnBrk="0" hangingPunct="1">
+              <a:defRPr sz="1800" kern="1200">
+                <a:solidFill>
+                  <a:schemeClr val="lt1"/>
+                </a:solidFill>
+                <a:latin typeface="+mn-lt"/>
+                <a:ea typeface="+mn-ea"/>
+                <a:cs typeface="+mn-cs"/>
+              </a:defRPr>
+            </a:lvl2pPr>
+            <a:lvl3pPr marL="914400" algn="l" defTabSz="914400" rtl="0" eaLnBrk="1" latinLnBrk="0" hangingPunct="1">
+              <a:defRPr sz="1800" kern="1200">
+                <a:solidFill>
+                  <a:schemeClr val="lt1"/>
+                </a:solidFill>
+                <a:latin typeface="+mn-lt"/>
+                <a:ea typeface="+mn-ea"/>
+                <a:cs typeface="+mn-cs"/>
+              </a:defRPr>
+            </a:lvl3pPr>
+            <a:lvl4pPr marL="1371600" algn="l" defTabSz="914400" rtl="0" eaLnBrk="1" latinLnBrk="0" hangingPunct="1">
+              <a:defRPr sz="1800" kern="1200">
+                <a:solidFill>
+                  <a:schemeClr val="lt1"/>
+                </a:solidFill>
+                <a:latin typeface="+mn-lt"/>
+                <a:ea typeface="+mn-ea"/>
+                <a:cs typeface="+mn-cs"/>
+              </a:defRPr>
+            </a:lvl4pPr>
+            <a:lvl5pPr marL="1828800" algn="l" defTabSz="914400" rtl="0" eaLnBrk="1" latinLnBrk="0" hangingPunct="1">
+              <a:defRPr sz="1800" kern="1200">
+                <a:solidFill>
+                  <a:schemeClr val="lt1"/>
+                </a:solidFill>
+                <a:latin typeface="+mn-lt"/>
+                <a:ea typeface="+mn-ea"/>
+                <a:cs typeface="+mn-cs"/>
+              </a:defRPr>
+            </a:lvl5pPr>
+            <a:lvl6pPr marL="2286000" algn="l" defTabSz="914400" rtl="0" eaLnBrk="1" latinLnBrk="0" hangingPunct="1">
+              <a:defRPr sz="1800" kern="1200">
+                <a:solidFill>
+                  <a:schemeClr val="lt1"/>
+                </a:solidFill>
+                <a:latin typeface="+mn-lt"/>
+                <a:ea typeface="+mn-ea"/>
+                <a:cs typeface="+mn-cs"/>
+              </a:defRPr>
+            </a:lvl6pPr>
+            <a:lvl7pPr marL="2743200" algn="l" defTabSz="914400" rtl="0" eaLnBrk="1" latinLnBrk="0" hangingPunct="1">
+              <a:defRPr sz="1800" kern="1200">
+                <a:solidFill>
+                  <a:schemeClr val="lt1"/>
+                </a:solidFill>
+                <a:latin typeface="+mn-lt"/>
+                <a:ea typeface="+mn-ea"/>
+                <a:cs typeface="+mn-cs"/>
+              </a:defRPr>
+            </a:lvl7pPr>
+            <a:lvl8pPr marL="3200400" algn="l" defTabSz="914400" rtl="0" eaLnBrk="1" latinLnBrk="0" hangingPunct="1">
+              <a:defRPr sz="1800" kern="1200">
+                <a:solidFill>
+                  <a:schemeClr val="lt1"/>
+                </a:solidFill>
+                <a:latin typeface="+mn-lt"/>
+                <a:ea typeface="+mn-ea"/>
+                <a:cs typeface="+mn-cs"/>
+              </a:defRPr>
+            </a:lvl8pPr>
+            <a:lvl9pPr marL="3657600" algn="l" defTabSz="914400" rtl="0" eaLnBrk="1" latinLnBrk="0" hangingPunct="1">
+              <a:defRPr sz="1800" kern="1200">
+                <a:solidFill>
+                  <a:schemeClr val="lt1"/>
+                </a:solidFill>
+                <a:latin typeface="+mn-lt"/>
+                <a:ea typeface="+mn-ea"/>
+                <a:cs typeface="+mn-cs"/>
+              </a:defRPr>
+            </a:lvl9pPr>
+          </a:lstStyle>
+          <a:p>
+            <a:pPr algn="ctr"/>
+            <a:r>
+              <a:rPr lang="en-US" sz="5400" dirty="0">
+                <a:solidFill>
+                  <a:schemeClr val="accent4"/>
+                </a:solidFill>
+              </a:rPr>
+              <a:t>D</a:t>
+            </a:r>
+            <a:endParaRPr lang="en-PH" sz="5400" dirty="0">
+              <a:solidFill>
+                <a:schemeClr val="accent4"/>
+              </a:solidFill>
+            </a:endParaRPr>
+          </a:p>
+        </p:txBody>
+      </p:sp>
+      <p:sp>
+        <p:nvSpPr>
+          <p:cNvPr id="4" name="Rectangle 3">
+            <a:extLst>
+              <a:ext uri="{FF2B5EF4-FFF2-40B4-BE49-F238E27FC236}">
+                <a16:creationId xmlns:a16="http://schemas.microsoft.com/office/drawing/2014/main" id="{D1CC9CCF-D147-4D74-9492-DE78611D1411}"/>
+              </a:ext>
+            </a:extLst>
+          </p:cNvPr>
+          <p:cNvSpPr/>
+          <p:nvPr/>
+        </p:nvSpPr>
+        <p:spPr>
+          <a:xfrm>
+            <a:off x="7719077" y="1377134"/>
+            <a:ext cx="1786597" cy="970671"/>
+          </a:xfrm>
+          <a:prstGeom prst="rect">
+            <a:avLst/>
+          </a:prstGeom>
+          <a:noFill/>
+          <a:ln>
+            <a:noFill/>
+          </a:ln>
+        </p:spPr>
+        <p:style>
+          <a:lnRef idx="2">
+            <a:schemeClr val="accent1">
+              <a:shade val="50000"/>
+            </a:schemeClr>
+          </a:lnRef>
+          <a:fillRef idx="1">
+            <a:schemeClr val="accent1"/>
+          </a:fillRef>
+          <a:effectRef idx="0">
+            <a:schemeClr val="accent1"/>
+          </a:effectRef>
+          <a:fontRef idx="minor">
+            <a:schemeClr val="lt1"/>
+          </a:fontRef>
+        </p:style>
+        <p:txBody>
+          <a:bodyPr rtlCol="0" anchor="ctr"/>
+          <a:lstStyle>
+            <a:defPPr>
+              <a:defRPr lang="en-US"/>
+            </a:defPPr>
+            <a:lvl1pPr marL="0" algn="l" defTabSz="914400" rtl="0" eaLnBrk="1" latinLnBrk="0" hangingPunct="1">
+              <a:defRPr sz="1800" kern="1200">
+                <a:solidFill>
+                  <a:schemeClr val="lt1"/>
+                </a:solidFill>
+                <a:latin typeface="+mn-lt"/>
+                <a:ea typeface="+mn-ea"/>
+                <a:cs typeface="+mn-cs"/>
+              </a:defRPr>
+            </a:lvl1pPr>
+            <a:lvl2pPr marL="457200" algn="l" defTabSz="914400" rtl="0" eaLnBrk="1" latinLnBrk="0" hangingPunct="1">
+              <a:defRPr sz="1800" kern="1200">
+                <a:solidFill>
+                  <a:schemeClr val="lt1"/>
+                </a:solidFill>
+                <a:latin typeface="+mn-lt"/>
+                <a:ea typeface="+mn-ea"/>
+                <a:cs typeface="+mn-cs"/>
+              </a:defRPr>
+            </a:lvl2pPr>
+            <a:lvl3pPr marL="914400" algn="l" defTabSz="914400" rtl="0" eaLnBrk="1" latinLnBrk="0" hangingPunct="1">
+              <a:defRPr sz="1800" kern="1200">
+                <a:solidFill>
+                  <a:schemeClr val="lt1"/>
+                </a:solidFill>
+                <a:latin typeface="+mn-lt"/>
+                <a:ea typeface="+mn-ea"/>
+                <a:cs typeface="+mn-cs"/>
+              </a:defRPr>
+            </a:lvl3pPr>
+            <a:lvl4pPr marL="1371600" algn="l" defTabSz="914400" rtl="0" eaLnBrk="1" latinLnBrk="0" hangingPunct="1">
+              <a:defRPr sz="1800" kern="1200">
+                <a:solidFill>
+                  <a:schemeClr val="lt1"/>
+                </a:solidFill>
+                <a:latin typeface="+mn-lt"/>
+                <a:ea typeface="+mn-ea"/>
+                <a:cs typeface="+mn-cs"/>
+              </a:defRPr>
+            </a:lvl4pPr>
+            <a:lvl5pPr marL="1828800" algn="l" defTabSz="914400" rtl="0" eaLnBrk="1" latinLnBrk="0" hangingPunct="1">
+              <a:defRPr sz="1800" kern="1200">
+                <a:solidFill>
+                  <a:schemeClr val="lt1"/>
+                </a:solidFill>
+                <a:latin typeface="+mn-lt"/>
+                <a:ea typeface="+mn-ea"/>
+                <a:cs typeface="+mn-cs"/>
+              </a:defRPr>
+            </a:lvl5pPr>
+            <a:lvl6pPr marL="2286000" algn="l" defTabSz="914400" rtl="0" eaLnBrk="1" latinLnBrk="0" hangingPunct="1">
+              <a:defRPr sz="1800" kern="1200">
+                <a:solidFill>
+                  <a:schemeClr val="lt1"/>
+                </a:solidFill>
+                <a:latin typeface="+mn-lt"/>
+                <a:ea typeface="+mn-ea"/>
+                <a:cs typeface="+mn-cs"/>
+              </a:defRPr>
+            </a:lvl6pPr>
+            <a:lvl7pPr marL="2743200" algn="l" defTabSz="914400" rtl="0" eaLnBrk="1" latinLnBrk="0" hangingPunct="1">
+              <a:defRPr sz="1800" kern="1200">
+                <a:solidFill>
+                  <a:schemeClr val="lt1"/>
+                </a:solidFill>
+                <a:latin typeface="+mn-lt"/>
+                <a:ea typeface="+mn-ea"/>
+                <a:cs typeface="+mn-cs"/>
+              </a:defRPr>
+            </a:lvl7pPr>
+            <a:lvl8pPr marL="3200400" algn="l" defTabSz="914400" rtl="0" eaLnBrk="1" latinLnBrk="0" hangingPunct="1">
+              <a:defRPr sz="1800" kern="1200">
+                <a:solidFill>
+                  <a:schemeClr val="lt1"/>
+                </a:solidFill>
+                <a:latin typeface="+mn-lt"/>
+                <a:ea typeface="+mn-ea"/>
+                <a:cs typeface="+mn-cs"/>
+              </a:defRPr>
+            </a:lvl8pPr>
+            <a:lvl9pPr marL="3657600" algn="l" defTabSz="914400" rtl="0" eaLnBrk="1" latinLnBrk="0" hangingPunct="1">
+              <a:defRPr sz="1800" kern="1200">
+                <a:solidFill>
+                  <a:schemeClr val="lt1"/>
+                </a:solidFill>
+                <a:latin typeface="+mn-lt"/>
+                <a:ea typeface="+mn-ea"/>
+                <a:cs typeface="+mn-cs"/>
+              </a:defRPr>
+            </a:lvl9pPr>
+          </a:lstStyle>
+          <a:p>
+            <a:pPr algn="ctr"/>
+            <a:r>
+              <a:rPr lang="en-US" sz="5400" dirty="0">
+                <a:solidFill>
+                  <a:schemeClr val="accent4"/>
+                </a:solidFill>
+              </a:rPr>
+              <a:t>E</a:t>
+            </a:r>
+            <a:endParaRPr lang="en-PH" sz="5400" dirty="0">
+              <a:solidFill>
+                <a:schemeClr val="accent4"/>
+              </a:solidFill>
+            </a:endParaRPr>
+          </a:p>
+        </p:txBody>
+      </p:sp>
+      <p:sp>
+        <p:nvSpPr>
+          <p:cNvPr id="5" name="Rectangle 4">
+            <a:extLst>
+              <a:ext uri="{FF2B5EF4-FFF2-40B4-BE49-F238E27FC236}">
+                <a16:creationId xmlns:a16="http://schemas.microsoft.com/office/drawing/2014/main" id="{1FBBDF6E-CEEC-4D68-A625-E61772C269B9}"/>
+              </a:ext>
+            </a:extLst>
+          </p:cNvPr>
+          <p:cNvSpPr/>
+          <p:nvPr/>
+        </p:nvSpPr>
+        <p:spPr>
+          <a:xfrm>
+            <a:off x="6230522" y="2929480"/>
+            <a:ext cx="2232994" cy="970671"/>
+          </a:xfrm>
+          <a:prstGeom prst="rect">
+            <a:avLst/>
+          </a:prstGeom>
+          <a:noFill/>
+          <a:ln>
+            <a:noFill/>
+          </a:ln>
+        </p:spPr>
+        <p:style>
+          <a:lnRef idx="2">
+            <a:schemeClr val="accent1">
+              <a:shade val="50000"/>
+            </a:schemeClr>
+          </a:lnRef>
+          <a:fillRef idx="1">
+            <a:schemeClr val="accent1"/>
+          </a:fillRef>
+          <a:effectRef idx="0">
+            <a:schemeClr val="accent1"/>
+          </a:effectRef>
+          <a:fontRef idx="minor">
+            <a:schemeClr val="lt1"/>
+          </a:fontRef>
+        </p:style>
+        <p:txBody>
+          <a:bodyPr rtlCol="0" anchor="ctr"/>
+          <a:lstStyle>
+            <a:defPPr>
+              <a:defRPr lang="en-US"/>
+            </a:defPPr>
+            <a:lvl1pPr marL="0" algn="l" defTabSz="914400" rtl="0" eaLnBrk="1" latinLnBrk="0" hangingPunct="1">
+              <a:defRPr sz="1800" kern="1200">
+                <a:solidFill>
+                  <a:schemeClr val="lt1"/>
+                </a:solidFill>
+                <a:latin typeface="+mn-lt"/>
+                <a:ea typeface="+mn-ea"/>
+                <a:cs typeface="+mn-cs"/>
+              </a:defRPr>
+            </a:lvl1pPr>
+            <a:lvl2pPr marL="457200" algn="l" defTabSz="914400" rtl="0" eaLnBrk="1" latinLnBrk="0" hangingPunct="1">
+              <a:defRPr sz="1800" kern="1200">
+                <a:solidFill>
+                  <a:schemeClr val="lt1"/>
+                </a:solidFill>
+                <a:latin typeface="+mn-lt"/>
+                <a:ea typeface="+mn-ea"/>
+                <a:cs typeface="+mn-cs"/>
+              </a:defRPr>
+            </a:lvl2pPr>
+            <a:lvl3pPr marL="914400" algn="l" defTabSz="914400" rtl="0" eaLnBrk="1" latinLnBrk="0" hangingPunct="1">
+              <a:defRPr sz="1800" kern="1200">
+                <a:solidFill>
+                  <a:schemeClr val="lt1"/>
+                </a:solidFill>
+                <a:latin typeface="+mn-lt"/>
+                <a:ea typeface="+mn-ea"/>
+                <a:cs typeface="+mn-cs"/>
+              </a:defRPr>
+            </a:lvl3pPr>
+            <a:lvl4pPr marL="1371600" algn="l" defTabSz="914400" rtl="0" eaLnBrk="1" latinLnBrk="0" hangingPunct="1">
+              <a:defRPr sz="1800" kern="1200">
+                <a:solidFill>
+                  <a:schemeClr val="lt1"/>
+                </a:solidFill>
+                <a:latin typeface="+mn-lt"/>
+                <a:ea typeface="+mn-ea"/>
+                <a:cs typeface="+mn-cs"/>
+              </a:defRPr>
+            </a:lvl4pPr>
+            <a:lvl5pPr marL="1828800" algn="l" defTabSz="914400" rtl="0" eaLnBrk="1" latinLnBrk="0" hangingPunct="1">
+              <a:defRPr sz="1800" kern="1200">
+                <a:solidFill>
+                  <a:schemeClr val="lt1"/>
+                </a:solidFill>
+                <a:latin typeface="+mn-lt"/>
+                <a:ea typeface="+mn-ea"/>
+                <a:cs typeface="+mn-cs"/>
+              </a:defRPr>
+            </a:lvl5pPr>
+            <a:lvl6pPr marL="2286000" algn="l" defTabSz="914400" rtl="0" eaLnBrk="1" latinLnBrk="0" hangingPunct="1">
+              <a:defRPr sz="1800" kern="1200">
+                <a:solidFill>
+                  <a:schemeClr val="lt1"/>
+                </a:solidFill>
+                <a:latin typeface="+mn-lt"/>
+                <a:ea typeface="+mn-ea"/>
+                <a:cs typeface="+mn-cs"/>
+              </a:defRPr>
+            </a:lvl6pPr>
+            <a:lvl7pPr marL="2743200" algn="l" defTabSz="914400" rtl="0" eaLnBrk="1" latinLnBrk="0" hangingPunct="1">
+              <a:defRPr sz="1800" kern="1200">
+                <a:solidFill>
+                  <a:schemeClr val="lt1"/>
+                </a:solidFill>
+                <a:latin typeface="+mn-lt"/>
+                <a:ea typeface="+mn-ea"/>
+                <a:cs typeface="+mn-cs"/>
+              </a:defRPr>
+            </a:lvl7pPr>
+            <a:lvl8pPr marL="3200400" algn="l" defTabSz="914400" rtl="0" eaLnBrk="1" latinLnBrk="0" hangingPunct="1">
+              <a:defRPr sz="1800" kern="1200">
+                <a:solidFill>
+                  <a:schemeClr val="lt1"/>
+                </a:solidFill>
+                <a:latin typeface="+mn-lt"/>
+                <a:ea typeface="+mn-ea"/>
+                <a:cs typeface="+mn-cs"/>
+              </a:defRPr>
+            </a:lvl8pPr>
+            <a:lvl9pPr marL="3657600" algn="l" defTabSz="914400" rtl="0" eaLnBrk="1" latinLnBrk="0" hangingPunct="1">
+              <a:defRPr sz="1800" kern="1200">
+                <a:solidFill>
+                  <a:schemeClr val="lt1"/>
+                </a:solidFill>
+                <a:latin typeface="+mn-lt"/>
+                <a:ea typeface="+mn-ea"/>
+                <a:cs typeface="+mn-cs"/>
+              </a:defRPr>
+            </a:lvl9pPr>
+          </a:lstStyle>
+          <a:p>
+            <a:pPr algn="ctr"/>
+            <a:r>
+              <a:rPr lang="en-US" sz="5400" dirty="0" err="1">
+                <a:solidFill>
+                  <a:schemeClr val="accent4"/>
+                </a:solidFill>
+              </a:rPr>
+              <a:t>F#m</a:t>
+            </a:r>
+            <a:r>
+              <a:rPr lang="en-US" sz="5400" dirty="0">
+                <a:solidFill>
+                  <a:schemeClr val="accent4"/>
+                </a:solidFill>
+              </a:rPr>
+              <a:t>/A</a:t>
+            </a:r>
+            <a:endParaRPr lang="en-PH" sz="5400" dirty="0">
+              <a:solidFill>
+                <a:schemeClr val="accent4"/>
+              </a:solidFill>
+            </a:endParaRPr>
+          </a:p>
+        </p:txBody>
+      </p:sp>
     </p:spTree>
     <p:extLst>
       <p:ext uri="{BB962C8B-B14F-4D97-AF65-F5344CB8AC3E}">
@@ -3821,10 +7818,1258 @@
           </a:p>
         </p:txBody>
       </p:sp>
+      <p:sp>
+        <p:nvSpPr>
+          <p:cNvPr id="3" name="Rectangle 2">
+            <a:extLst>
+              <a:ext uri="{FF2B5EF4-FFF2-40B4-BE49-F238E27FC236}">
+                <a16:creationId xmlns:a16="http://schemas.microsoft.com/office/drawing/2014/main" id="{41830E8C-610D-4073-AA73-B4F60A414A38}"/>
+              </a:ext>
+            </a:extLst>
+          </p:cNvPr>
+          <p:cNvSpPr/>
+          <p:nvPr/>
+        </p:nvSpPr>
+        <p:spPr>
+          <a:xfrm>
+            <a:off x="1396248" y="-246102"/>
+            <a:ext cx="1786597" cy="970671"/>
+          </a:xfrm>
+          <a:prstGeom prst="rect">
+            <a:avLst/>
+          </a:prstGeom>
+          <a:noFill/>
+          <a:ln>
+            <a:noFill/>
+          </a:ln>
+        </p:spPr>
+        <p:style>
+          <a:lnRef idx="2">
+            <a:schemeClr val="accent1">
+              <a:shade val="50000"/>
+            </a:schemeClr>
+          </a:lnRef>
+          <a:fillRef idx="1">
+            <a:schemeClr val="accent1"/>
+          </a:fillRef>
+          <a:effectRef idx="0">
+            <a:schemeClr val="accent1"/>
+          </a:effectRef>
+          <a:fontRef idx="minor">
+            <a:schemeClr val="lt1"/>
+          </a:fontRef>
+        </p:style>
+        <p:txBody>
+          <a:bodyPr rtlCol="0" anchor="ctr"/>
+          <a:lstStyle>
+            <a:defPPr>
+              <a:defRPr lang="en-US"/>
+            </a:defPPr>
+            <a:lvl1pPr marL="0" algn="l" defTabSz="914400" rtl="0" eaLnBrk="1" latinLnBrk="0" hangingPunct="1">
+              <a:defRPr sz="1800" kern="1200">
+                <a:solidFill>
+                  <a:schemeClr val="lt1"/>
+                </a:solidFill>
+                <a:latin typeface="+mn-lt"/>
+                <a:ea typeface="+mn-ea"/>
+                <a:cs typeface="+mn-cs"/>
+              </a:defRPr>
+            </a:lvl1pPr>
+            <a:lvl2pPr marL="457200" algn="l" defTabSz="914400" rtl="0" eaLnBrk="1" latinLnBrk="0" hangingPunct="1">
+              <a:defRPr sz="1800" kern="1200">
+                <a:solidFill>
+                  <a:schemeClr val="lt1"/>
+                </a:solidFill>
+                <a:latin typeface="+mn-lt"/>
+                <a:ea typeface="+mn-ea"/>
+                <a:cs typeface="+mn-cs"/>
+              </a:defRPr>
+            </a:lvl2pPr>
+            <a:lvl3pPr marL="914400" algn="l" defTabSz="914400" rtl="0" eaLnBrk="1" latinLnBrk="0" hangingPunct="1">
+              <a:defRPr sz="1800" kern="1200">
+                <a:solidFill>
+                  <a:schemeClr val="lt1"/>
+                </a:solidFill>
+                <a:latin typeface="+mn-lt"/>
+                <a:ea typeface="+mn-ea"/>
+                <a:cs typeface="+mn-cs"/>
+              </a:defRPr>
+            </a:lvl3pPr>
+            <a:lvl4pPr marL="1371600" algn="l" defTabSz="914400" rtl="0" eaLnBrk="1" latinLnBrk="0" hangingPunct="1">
+              <a:defRPr sz="1800" kern="1200">
+                <a:solidFill>
+                  <a:schemeClr val="lt1"/>
+                </a:solidFill>
+                <a:latin typeface="+mn-lt"/>
+                <a:ea typeface="+mn-ea"/>
+                <a:cs typeface="+mn-cs"/>
+              </a:defRPr>
+            </a:lvl4pPr>
+            <a:lvl5pPr marL="1828800" algn="l" defTabSz="914400" rtl="0" eaLnBrk="1" latinLnBrk="0" hangingPunct="1">
+              <a:defRPr sz="1800" kern="1200">
+                <a:solidFill>
+                  <a:schemeClr val="lt1"/>
+                </a:solidFill>
+                <a:latin typeface="+mn-lt"/>
+                <a:ea typeface="+mn-ea"/>
+                <a:cs typeface="+mn-cs"/>
+              </a:defRPr>
+            </a:lvl5pPr>
+            <a:lvl6pPr marL="2286000" algn="l" defTabSz="914400" rtl="0" eaLnBrk="1" latinLnBrk="0" hangingPunct="1">
+              <a:defRPr sz="1800" kern="1200">
+                <a:solidFill>
+                  <a:schemeClr val="lt1"/>
+                </a:solidFill>
+                <a:latin typeface="+mn-lt"/>
+                <a:ea typeface="+mn-ea"/>
+                <a:cs typeface="+mn-cs"/>
+              </a:defRPr>
+            </a:lvl6pPr>
+            <a:lvl7pPr marL="2743200" algn="l" defTabSz="914400" rtl="0" eaLnBrk="1" latinLnBrk="0" hangingPunct="1">
+              <a:defRPr sz="1800" kern="1200">
+                <a:solidFill>
+                  <a:schemeClr val="lt1"/>
+                </a:solidFill>
+                <a:latin typeface="+mn-lt"/>
+                <a:ea typeface="+mn-ea"/>
+                <a:cs typeface="+mn-cs"/>
+              </a:defRPr>
+            </a:lvl7pPr>
+            <a:lvl8pPr marL="3200400" algn="l" defTabSz="914400" rtl="0" eaLnBrk="1" latinLnBrk="0" hangingPunct="1">
+              <a:defRPr sz="1800" kern="1200">
+                <a:solidFill>
+                  <a:schemeClr val="lt1"/>
+                </a:solidFill>
+                <a:latin typeface="+mn-lt"/>
+                <a:ea typeface="+mn-ea"/>
+                <a:cs typeface="+mn-cs"/>
+              </a:defRPr>
+            </a:lvl8pPr>
+            <a:lvl9pPr marL="3657600" algn="l" defTabSz="914400" rtl="0" eaLnBrk="1" latinLnBrk="0" hangingPunct="1">
+              <a:defRPr sz="1800" kern="1200">
+                <a:solidFill>
+                  <a:schemeClr val="lt1"/>
+                </a:solidFill>
+                <a:latin typeface="+mn-lt"/>
+                <a:ea typeface="+mn-ea"/>
+                <a:cs typeface="+mn-cs"/>
+              </a:defRPr>
+            </a:lvl9pPr>
+          </a:lstStyle>
+          <a:p>
+            <a:pPr algn="ctr"/>
+            <a:r>
+              <a:rPr lang="en-US" sz="5400" dirty="0">
+                <a:solidFill>
+                  <a:schemeClr val="accent4"/>
+                </a:solidFill>
+              </a:rPr>
+              <a:t>A</a:t>
+            </a:r>
+            <a:endParaRPr lang="en-PH" sz="5400" dirty="0">
+              <a:solidFill>
+                <a:schemeClr val="accent4"/>
+              </a:solidFill>
+            </a:endParaRPr>
+          </a:p>
+        </p:txBody>
+      </p:sp>
+      <p:sp>
+        <p:nvSpPr>
+          <p:cNvPr id="4" name="Rectangle 3">
+            <a:extLst>
+              <a:ext uri="{FF2B5EF4-FFF2-40B4-BE49-F238E27FC236}">
+                <a16:creationId xmlns:a16="http://schemas.microsoft.com/office/drawing/2014/main" id="{C84BE522-B192-402A-8A2E-AFA32010F8CB}"/>
+              </a:ext>
+            </a:extLst>
+          </p:cNvPr>
+          <p:cNvSpPr/>
+          <p:nvPr/>
+        </p:nvSpPr>
+        <p:spPr>
+          <a:xfrm>
+            <a:off x="8396015" y="-242557"/>
+            <a:ext cx="1786597" cy="970671"/>
+          </a:xfrm>
+          <a:prstGeom prst="rect">
+            <a:avLst/>
+          </a:prstGeom>
+          <a:noFill/>
+          <a:ln>
+            <a:noFill/>
+          </a:ln>
+        </p:spPr>
+        <p:style>
+          <a:lnRef idx="2">
+            <a:schemeClr val="accent1">
+              <a:shade val="50000"/>
+            </a:schemeClr>
+          </a:lnRef>
+          <a:fillRef idx="1">
+            <a:schemeClr val="accent1"/>
+          </a:fillRef>
+          <a:effectRef idx="0">
+            <a:schemeClr val="accent1"/>
+          </a:effectRef>
+          <a:fontRef idx="minor">
+            <a:schemeClr val="lt1"/>
+          </a:fontRef>
+        </p:style>
+        <p:txBody>
+          <a:bodyPr rtlCol="0" anchor="ctr"/>
+          <a:lstStyle>
+            <a:defPPr>
+              <a:defRPr lang="en-US"/>
+            </a:defPPr>
+            <a:lvl1pPr marL="0" algn="l" defTabSz="914400" rtl="0" eaLnBrk="1" latinLnBrk="0" hangingPunct="1">
+              <a:defRPr sz="1800" kern="1200">
+                <a:solidFill>
+                  <a:schemeClr val="lt1"/>
+                </a:solidFill>
+                <a:latin typeface="+mn-lt"/>
+                <a:ea typeface="+mn-ea"/>
+                <a:cs typeface="+mn-cs"/>
+              </a:defRPr>
+            </a:lvl1pPr>
+            <a:lvl2pPr marL="457200" algn="l" defTabSz="914400" rtl="0" eaLnBrk="1" latinLnBrk="0" hangingPunct="1">
+              <a:defRPr sz="1800" kern="1200">
+                <a:solidFill>
+                  <a:schemeClr val="lt1"/>
+                </a:solidFill>
+                <a:latin typeface="+mn-lt"/>
+                <a:ea typeface="+mn-ea"/>
+                <a:cs typeface="+mn-cs"/>
+              </a:defRPr>
+            </a:lvl2pPr>
+            <a:lvl3pPr marL="914400" algn="l" defTabSz="914400" rtl="0" eaLnBrk="1" latinLnBrk="0" hangingPunct="1">
+              <a:defRPr sz="1800" kern="1200">
+                <a:solidFill>
+                  <a:schemeClr val="lt1"/>
+                </a:solidFill>
+                <a:latin typeface="+mn-lt"/>
+                <a:ea typeface="+mn-ea"/>
+                <a:cs typeface="+mn-cs"/>
+              </a:defRPr>
+            </a:lvl3pPr>
+            <a:lvl4pPr marL="1371600" algn="l" defTabSz="914400" rtl="0" eaLnBrk="1" latinLnBrk="0" hangingPunct="1">
+              <a:defRPr sz="1800" kern="1200">
+                <a:solidFill>
+                  <a:schemeClr val="lt1"/>
+                </a:solidFill>
+                <a:latin typeface="+mn-lt"/>
+                <a:ea typeface="+mn-ea"/>
+                <a:cs typeface="+mn-cs"/>
+              </a:defRPr>
+            </a:lvl4pPr>
+            <a:lvl5pPr marL="1828800" algn="l" defTabSz="914400" rtl="0" eaLnBrk="1" latinLnBrk="0" hangingPunct="1">
+              <a:defRPr sz="1800" kern="1200">
+                <a:solidFill>
+                  <a:schemeClr val="lt1"/>
+                </a:solidFill>
+                <a:latin typeface="+mn-lt"/>
+                <a:ea typeface="+mn-ea"/>
+                <a:cs typeface="+mn-cs"/>
+              </a:defRPr>
+            </a:lvl5pPr>
+            <a:lvl6pPr marL="2286000" algn="l" defTabSz="914400" rtl="0" eaLnBrk="1" latinLnBrk="0" hangingPunct="1">
+              <a:defRPr sz="1800" kern="1200">
+                <a:solidFill>
+                  <a:schemeClr val="lt1"/>
+                </a:solidFill>
+                <a:latin typeface="+mn-lt"/>
+                <a:ea typeface="+mn-ea"/>
+                <a:cs typeface="+mn-cs"/>
+              </a:defRPr>
+            </a:lvl6pPr>
+            <a:lvl7pPr marL="2743200" algn="l" defTabSz="914400" rtl="0" eaLnBrk="1" latinLnBrk="0" hangingPunct="1">
+              <a:defRPr sz="1800" kern="1200">
+                <a:solidFill>
+                  <a:schemeClr val="lt1"/>
+                </a:solidFill>
+                <a:latin typeface="+mn-lt"/>
+                <a:ea typeface="+mn-ea"/>
+                <a:cs typeface="+mn-cs"/>
+              </a:defRPr>
+            </a:lvl7pPr>
+            <a:lvl8pPr marL="3200400" algn="l" defTabSz="914400" rtl="0" eaLnBrk="1" latinLnBrk="0" hangingPunct="1">
+              <a:defRPr sz="1800" kern="1200">
+                <a:solidFill>
+                  <a:schemeClr val="lt1"/>
+                </a:solidFill>
+                <a:latin typeface="+mn-lt"/>
+                <a:ea typeface="+mn-ea"/>
+                <a:cs typeface="+mn-cs"/>
+              </a:defRPr>
+            </a:lvl8pPr>
+            <a:lvl9pPr marL="3657600" algn="l" defTabSz="914400" rtl="0" eaLnBrk="1" latinLnBrk="0" hangingPunct="1">
+              <a:defRPr sz="1800" kern="1200">
+                <a:solidFill>
+                  <a:schemeClr val="lt1"/>
+                </a:solidFill>
+                <a:latin typeface="+mn-lt"/>
+                <a:ea typeface="+mn-ea"/>
+                <a:cs typeface="+mn-cs"/>
+              </a:defRPr>
+            </a:lvl9pPr>
+          </a:lstStyle>
+          <a:p>
+            <a:pPr algn="ctr"/>
+            <a:r>
+              <a:rPr lang="en-US" sz="5400" dirty="0" err="1">
+                <a:solidFill>
+                  <a:schemeClr val="accent4"/>
+                </a:solidFill>
+              </a:rPr>
+              <a:t>F#m</a:t>
+            </a:r>
+            <a:endParaRPr lang="en-PH" sz="5400" dirty="0">
+              <a:solidFill>
+                <a:schemeClr val="accent4"/>
+              </a:solidFill>
+            </a:endParaRPr>
+          </a:p>
+        </p:txBody>
+      </p:sp>
+      <p:sp>
+        <p:nvSpPr>
+          <p:cNvPr id="5" name="Rectangle 4">
+            <a:extLst>
+              <a:ext uri="{FF2B5EF4-FFF2-40B4-BE49-F238E27FC236}">
+                <a16:creationId xmlns:a16="http://schemas.microsoft.com/office/drawing/2014/main" id="{6C22058C-D19A-476E-A266-B535BF740A64}"/>
+              </a:ext>
+            </a:extLst>
+          </p:cNvPr>
+          <p:cNvSpPr/>
+          <p:nvPr/>
+        </p:nvSpPr>
+        <p:spPr>
+          <a:xfrm>
+            <a:off x="5099919" y="1437384"/>
+            <a:ext cx="1786597" cy="970671"/>
+          </a:xfrm>
+          <a:prstGeom prst="rect">
+            <a:avLst/>
+          </a:prstGeom>
+          <a:noFill/>
+          <a:ln>
+            <a:noFill/>
+          </a:ln>
+        </p:spPr>
+        <p:style>
+          <a:lnRef idx="2">
+            <a:schemeClr val="accent1">
+              <a:shade val="50000"/>
+            </a:schemeClr>
+          </a:lnRef>
+          <a:fillRef idx="1">
+            <a:schemeClr val="accent1"/>
+          </a:fillRef>
+          <a:effectRef idx="0">
+            <a:schemeClr val="accent1"/>
+          </a:effectRef>
+          <a:fontRef idx="minor">
+            <a:schemeClr val="lt1"/>
+          </a:fontRef>
+        </p:style>
+        <p:txBody>
+          <a:bodyPr rtlCol="0" anchor="ctr"/>
+          <a:lstStyle>
+            <a:defPPr>
+              <a:defRPr lang="en-US"/>
+            </a:defPPr>
+            <a:lvl1pPr marL="0" algn="l" defTabSz="914400" rtl="0" eaLnBrk="1" latinLnBrk="0" hangingPunct="1">
+              <a:defRPr sz="1800" kern="1200">
+                <a:solidFill>
+                  <a:schemeClr val="lt1"/>
+                </a:solidFill>
+                <a:latin typeface="+mn-lt"/>
+                <a:ea typeface="+mn-ea"/>
+                <a:cs typeface="+mn-cs"/>
+              </a:defRPr>
+            </a:lvl1pPr>
+            <a:lvl2pPr marL="457200" algn="l" defTabSz="914400" rtl="0" eaLnBrk="1" latinLnBrk="0" hangingPunct="1">
+              <a:defRPr sz="1800" kern="1200">
+                <a:solidFill>
+                  <a:schemeClr val="lt1"/>
+                </a:solidFill>
+                <a:latin typeface="+mn-lt"/>
+                <a:ea typeface="+mn-ea"/>
+                <a:cs typeface="+mn-cs"/>
+              </a:defRPr>
+            </a:lvl2pPr>
+            <a:lvl3pPr marL="914400" algn="l" defTabSz="914400" rtl="0" eaLnBrk="1" latinLnBrk="0" hangingPunct="1">
+              <a:defRPr sz="1800" kern="1200">
+                <a:solidFill>
+                  <a:schemeClr val="lt1"/>
+                </a:solidFill>
+                <a:latin typeface="+mn-lt"/>
+                <a:ea typeface="+mn-ea"/>
+                <a:cs typeface="+mn-cs"/>
+              </a:defRPr>
+            </a:lvl3pPr>
+            <a:lvl4pPr marL="1371600" algn="l" defTabSz="914400" rtl="0" eaLnBrk="1" latinLnBrk="0" hangingPunct="1">
+              <a:defRPr sz="1800" kern="1200">
+                <a:solidFill>
+                  <a:schemeClr val="lt1"/>
+                </a:solidFill>
+                <a:latin typeface="+mn-lt"/>
+                <a:ea typeface="+mn-ea"/>
+                <a:cs typeface="+mn-cs"/>
+              </a:defRPr>
+            </a:lvl4pPr>
+            <a:lvl5pPr marL="1828800" algn="l" defTabSz="914400" rtl="0" eaLnBrk="1" latinLnBrk="0" hangingPunct="1">
+              <a:defRPr sz="1800" kern="1200">
+                <a:solidFill>
+                  <a:schemeClr val="lt1"/>
+                </a:solidFill>
+                <a:latin typeface="+mn-lt"/>
+                <a:ea typeface="+mn-ea"/>
+                <a:cs typeface="+mn-cs"/>
+              </a:defRPr>
+            </a:lvl5pPr>
+            <a:lvl6pPr marL="2286000" algn="l" defTabSz="914400" rtl="0" eaLnBrk="1" latinLnBrk="0" hangingPunct="1">
+              <a:defRPr sz="1800" kern="1200">
+                <a:solidFill>
+                  <a:schemeClr val="lt1"/>
+                </a:solidFill>
+                <a:latin typeface="+mn-lt"/>
+                <a:ea typeface="+mn-ea"/>
+                <a:cs typeface="+mn-cs"/>
+              </a:defRPr>
+            </a:lvl6pPr>
+            <a:lvl7pPr marL="2743200" algn="l" defTabSz="914400" rtl="0" eaLnBrk="1" latinLnBrk="0" hangingPunct="1">
+              <a:defRPr sz="1800" kern="1200">
+                <a:solidFill>
+                  <a:schemeClr val="lt1"/>
+                </a:solidFill>
+                <a:latin typeface="+mn-lt"/>
+                <a:ea typeface="+mn-ea"/>
+                <a:cs typeface="+mn-cs"/>
+              </a:defRPr>
+            </a:lvl7pPr>
+            <a:lvl8pPr marL="3200400" algn="l" defTabSz="914400" rtl="0" eaLnBrk="1" latinLnBrk="0" hangingPunct="1">
+              <a:defRPr sz="1800" kern="1200">
+                <a:solidFill>
+                  <a:schemeClr val="lt1"/>
+                </a:solidFill>
+                <a:latin typeface="+mn-lt"/>
+                <a:ea typeface="+mn-ea"/>
+                <a:cs typeface="+mn-cs"/>
+              </a:defRPr>
+            </a:lvl8pPr>
+            <a:lvl9pPr marL="3657600" algn="l" defTabSz="914400" rtl="0" eaLnBrk="1" latinLnBrk="0" hangingPunct="1">
+              <a:defRPr sz="1800" kern="1200">
+                <a:solidFill>
+                  <a:schemeClr val="lt1"/>
+                </a:solidFill>
+                <a:latin typeface="+mn-lt"/>
+                <a:ea typeface="+mn-ea"/>
+                <a:cs typeface="+mn-cs"/>
+              </a:defRPr>
+            </a:lvl9pPr>
+          </a:lstStyle>
+          <a:p>
+            <a:pPr algn="ctr"/>
+            <a:r>
+              <a:rPr lang="en-US" sz="5400" dirty="0">
+                <a:solidFill>
+                  <a:schemeClr val="accent4"/>
+                </a:solidFill>
+              </a:rPr>
+              <a:t>D</a:t>
+            </a:r>
+            <a:endParaRPr lang="en-PH" sz="5400" dirty="0">
+              <a:solidFill>
+                <a:schemeClr val="accent4"/>
+              </a:solidFill>
+            </a:endParaRPr>
+          </a:p>
+        </p:txBody>
+      </p:sp>
+      <p:sp>
+        <p:nvSpPr>
+          <p:cNvPr id="6" name="Rectangle 5">
+            <a:extLst>
+              <a:ext uri="{FF2B5EF4-FFF2-40B4-BE49-F238E27FC236}">
+                <a16:creationId xmlns:a16="http://schemas.microsoft.com/office/drawing/2014/main" id="{A02E83D3-C78A-47CD-B0B8-D03A60F433B9}"/>
+              </a:ext>
+            </a:extLst>
+          </p:cNvPr>
+          <p:cNvSpPr/>
+          <p:nvPr/>
+        </p:nvSpPr>
+        <p:spPr>
+          <a:xfrm>
+            <a:off x="8800047" y="1458652"/>
+            <a:ext cx="1786597" cy="970671"/>
+          </a:xfrm>
+          <a:prstGeom prst="rect">
+            <a:avLst/>
+          </a:prstGeom>
+          <a:noFill/>
+          <a:ln>
+            <a:noFill/>
+          </a:ln>
+        </p:spPr>
+        <p:style>
+          <a:lnRef idx="2">
+            <a:schemeClr val="accent1">
+              <a:shade val="50000"/>
+            </a:schemeClr>
+          </a:lnRef>
+          <a:fillRef idx="1">
+            <a:schemeClr val="accent1"/>
+          </a:fillRef>
+          <a:effectRef idx="0">
+            <a:schemeClr val="accent1"/>
+          </a:effectRef>
+          <a:fontRef idx="minor">
+            <a:schemeClr val="lt1"/>
+          </a:fontRef>
+        </p:style>
+        <p:txBody>
+          <a:bodyPr rtlCol="0" anchor="ctr"/>
+          <a:lstStyle>
+            <a:defPPr>
+              <a:defRPr lang="en-US"/>
+            </a:defPPr>
+            <a:lvl1pPr marL="0" algn="l" defTabSz="914400" rtl="0" eaLnBrk="1" latinLnBrk="0" hangingPunct="1">
+              <a:defRPr sz="1800" kern="1200">
+                <a:solidFill>
+                  <a:schemeClr val="lt1"/>
+                </a:solidFill>
+                <a:latin typeface="+mn-lt"/>
+                <a:ea typeface="+mn-ea"/>
+                <a:cs typeface="+mn-cs"/>
+              </a:defRPr>
+            </a:lvl1pPr>
+            <a:lvl2pPr marL="457200" algn="l" defTabSz="914400" rtl="0" eaLnBrk="1" latinLnBrk="0" hangingPunct="1">
+              <a:defRPr sz="1800" kern="1200">
+                <a:solidFill>
+                  <a:schemeClr val="lt1"/>
+                </a:solidFill>
+                <a:latin typeface="+mn-lt"/>
+                <a:ea typeface="+mn-ea"/>
+                <a:cs typeface="+mn-cs"/>
+              </a:defRPr>
+            </a:lvl2pPr>
+            <a:lvl3pPr marL="914400" algn="l" defTabSz="914400" rtl="0" eaLnBrk="1" latinLnBrk="0" hangingPunct="1">
+              <a:defRPr sz="1800" kern="1200">
+                <a:solidFill>
+                  <a:schemeClr val="lt1"/>
+                </a:solidFill>
+                <a:latin typeface="+mn-lt"/>
+                <a:ea typeface="+mn-ea"/>
+                <a:cs typeface="+mn-cs"/>
+              </a:defRPr>
+            </a:lvl3pPr>
+            <a:lvl4pPr marL="1371600" algn="l" defTabSz="914400" rtl="0" eaLnBrk="1" latinLnBrk="0" hangingPunct="1">
+              <a:defRPr sz="1800" kern="1200">
+                <a:solidFill>
+                  <a:schemeClr val="lt1"/>
+                </a:solidFill>
+                <a:latin typeface="+mn-lt"/>
+                <a:ea typeface="+mn-ea"/>
+                <a:cs typeface="+mn-cs"/>
+              </a:defRPr>
+            </a:lvl4pPr>
+            <a:lvl5pPr marL="1828800" algn="l" defTabSz="914400" rtl="0" eaLnBrk="1" latinLnBrk="0" hangingPunct="1">
+              <a:defRPr sz="1800" kern="1200">
+                <a:solidFill>
+                  <a:schemeClr val="lt1"/>
+                </a:solidFill>
+                <a:latin typeface="+mn-lt"/>
+                <a:ea typeface="+mn-ea"/>
+                <a:cs typeface="+mn-cs"/>
+              </a:defRPr>
+            </a:lvl5pPr>
+            <a:lvl6pPr marL="2286000" algn="l" defTabSz="914400" rtl="0" eaLnBrk="1" latinLnBrk="0" hangingPunct="1">
+              <a:defRPr sz="1800" kern="1200">
+                <a:solidFill>
+                  <a:schemeClr val="lt1"/>
+                </a:solidFill>
+                <a:latin typeface="+mn-lt"/>
+                <a:ea typeface="+mn-ea"/>
+                <a:cs typeface="+mn-cs"/>
+              </a:defRPr>
+            </a:lvl6pPr>
+            <a:lvl7pPr marL="2743200" algn="l" defTabSz="914400" rtl="0" eaLnBrk="1" latinLnBrk="0" hangingPunct="1">
+              <a:defRPr sz="1800" kern="1200">
+                <a:solidFill>
+                  <a:schemeClr val="lt1"/>
+                </a:solidFill>
+                <a:latin typeface="+mn-lt"/>
+                <a:ea typeface="+mn-ea"/>
+                <a:cs typeface="+mn-cs"/>
+              </a:defRPr>
+            </a:lvl7pPr>
+            <a:lvl8pPr marL="3200400" algn="l" defTabSz="914400" rtl="0" eaLnBrk="1" latinLnBrk="0" hangingPunct="1">
+              <a:defRPr sz="1800" kern="1200">
+                <a:solidFill>
+                  <a:schemeClr val="lt1"/>
+                </a:solidFill>
+                <a:latin typeface="+mn-lt"/>
+                <a:ea typeface="+mn-ea"/>
+                <a:cs typeface="+mn-cs"/>
+              </a:defRPr>
+            </a:lvl8pPr>
+            <a:lvl9pPr marL="3657600" algn="l" defTabSz="914400" rtl="0" eaLnBrk="1" latinLnBrk="0" hangingPunct="1">
+              <a:defRPr sz="1800" kern="1200">
+                <a:solidFill>
+                  <a:schemeClr val="lt1"/>
+                </a:solidFill>
+                <a:latin typeface="+mn-lt"/>
+                <a:ea typeface="+mn-ea"/>
+                <a:cs typeface="+mn-cs"/>
+              </a:defRPr>
+            </a:lvl9pPr>
+          </a:lstStyle>
+          <a:p>
+            <a:pPr algn="ctr"/>
+            <a:r>
+              <a:rPr lang="en-US" sz="5400" dirty="0">
+                <a:solidFill>
+                  <a:schemeClr val="accent4"/>
+                </a:solidFill>
+              </a:rPr>
+              <a:t>A</a:t>
+            </a:r>
+            <a:endParaRPr lang="en-PH" sz="5400" dirty="0">
+              <a:solidFill>
+                <a:schemeClr val="accent4"/>
+              </a:solidFill>
+            </a:endParaRPr>
+          </a:p>
+        </p:txBody>
+      </p:sp>
+      <p:sp>
+        <p:nvSpPr>
+          <p:cNvPr id="7" name="Rectangle 6">
+            <a:extLst>
+              <a:ext uri="{FF2B5EF4-FFF2-40B4-BE49-F238E27FC236}">
+                <a16:creationId xmlns:a16="http://schemas.microsoft.com/office/drawing/2014/main" id="{A72D9D86-30D6-453D-9A0A-7C0D47388F2E}"/>
+              </a:ext>
+            </a:extLst>
+          </p:cNvPr>
+          <p:cNvSpPr/>
+          <p:nvPr/>
+        </p:nvSpPr>
+        <p:spPr>
+          <a:xfrm>
+            <a:off x="2952142" y="2798355"/>
+            <a:ext cx="1786597" cy="970671"/>
+          </a:xfrm>
+          <a:prstGeom prst="rect">
+            <a:avLst/>
+          </a:prstGeom>
+          <a:noFill/>
+          <a:ln>
+            <a:noFill/>
+          </a:ln>
+        </p:spPr>
+        <p:style>
+          <a:lnRef idx="2">
+            <a:schemeClr val="accent1">
+              <a:shade val="50000"/>
+            </a:schemeClr>
+          </a:lnRef>
+          <a:fillRef idx="1">
+            <a:schemeClr val="accent1"/>
+          </a:fillRef>
+          <a:effectRef idx="0">
+            <a:schemeClr val="accent1"/>
+          </a:effectRef>
+          <a:fontRef idx="minor">
+            <a:schemeClr val="lt1"/>
+          </a:fontRef>
+        </p:style>
+        <p:txBody>
+          <a:bodyPr rtlCol="0" anchor="ctr"/>
+          <a:lstStyle>
+            <a:defPPr>
+              <a:defRPr lang="en-US"/>
+            </a:defPPr>
+            <a:lvl1pPr marL="0" algn="l" defTabSz="914400" rtl="0" eaLnBrk="1" latinLnBrk="0" hangingPunct="1">
+              <a:defRPr sz="1800" kern="1200">
+                <a:solidFill>
+                  <a:schemeClr val="lt1"/>
+                </a:solidFill>
+                <a:latin typeface="+mn-lt"/>
+                <a:ea typeface="+mn-ea"/>
+                <a:cs typeface="+mn-cs"/>
+              </a:defRPr>
+            </a:lvl1pPr>
+            <a:lvl2pPr marL="457200" algn="l" defTabSz="914400" rtl="0" eaLnBrk="1" latinLnBrk="0" hangingPunct="1">
+              <a:defRPr sz="1800" kern="1200">
+                <a:solidFill>
+                  <a:schemeClr val="lt1"/>
+                </a:solidFill>
+                <a:latin typeface="+mn-lt"/>
+                <a:ea typeface="+mn-ea"/>
+                <a:cs typeface="+mn-cs"/>
+              </a:defRPr>
+            </a:lvl2pPr>
+            <a:lvl3pPr marL="914400" algn="l" defTabSz="914400" rtl="0" eaLnBrk="1" latinLnBrk="0" hangingPunct="1">
+              <a:defRPr sz="1800" kern="1200">
+                <a:solidFill>
+                  <a:schemeClr val="lt1"/>
+                </a:solidFill>
+                <a:latin typeface="+mn-lt"/>
+                <a:ea typeface="+mn-ea"/>
+                <a:cs typeface="+mn-cs"/>
+              </a:defRPr>
+            </a:lvl3pPr>
+            <a:lvl4pPr marL="1371600" algn="l" defTabSz="914400" rtl="0" eaLnBrk="1" latinLnBrk="0" hangingPunct="1">
+              <a:defRPr sz="1800" kern="1200">
+                <a:solidFill>
+                  <a:schemeClr val="lt1"/>
+                </a:solidFill>
+                <a:latin typeface="+mn-lt"/>
+                <a:ea typeface="+mn-ea"/>
+                <a:cs typeface="+mn-cs"/>
+              </a:defRPr>
+            </a:lvl4pPr>
+            <a:lvl5pPr marL="1828800" algn="l" defTabSz="914400" rtl="0" eaLnBrk="1" latinLnBrk="0" hangingPunct="1">
+              <a:defRPr sz="1800" kern="1200">
+                <a:solidFill>
+                  <a:schemeClr val="lt1"/>
+                </a:solidFill>
+                <a:latin typeface="+mn-lt"/>
+                <a:ea typeface="+mn-ea"/>
+                <a:cs typeface="+mn-cs"/>
+              </a:defRPr>
+            </a:lvl5pPr>
+            <a:lvl6pPr marL="2286000" algn="l" defTabSz="914400" rtl="0" eaLnBrk="1" latinLnBrk="0" hangingPunct="1">
+              <a:defRPr sz="1800" kern="1200">
+                <a:solidFill>
+                  <a:schemeClr val="lt1"/>
+                </a:solidFill>
+                <a:latin typeface="+mn-lt"/>
+                <a:ea typeface="+mn-ea"/>
+                <a:cs typeface="+mn-cs"/>
+              </a:defRPr>
+            </a:lvl6pPr>
+            <a:lvl7pPr marL="2743200" algn="l" defTabSz="914400" rtl="0" eaLnBrk="1" latinLnBrk="0" hangingPunct="1">
+              <a:defRPr sz="1800" kern="1200">
+                <a:solidFill>
+                  <a:schemeClr val="lt1"/>
+                </a:solidFill>
+                <a:latin typeface="+mn-lt"/>
+                <a:ea typeface="+mn-ea"/>
+                <a:cs typeface="+mn-cs"/>
+              </a:defRPr>
+            </a:lvl7pPr>
+            <a:lvl8pPr marL="3200400" algn="l" defTabSz="914400" rtl="0" eaLnBrk="1" latinLnBrk="0" hangingPunct="1">
+              <a:defRPr sz="1800" kern="1200">
+                <a:solidFill>
+                  <a:schemeClr val="lt1"/>
+                </a:solidFill>
+                <a:latin typeface="+mn-lt"/>
+                <a:ea typeface="+mn-ea"/>
+                <a:cs typeface="+mn-cs"/>
+              </a:defRPr>
+            </a:lvl8pPr>
+            <a:lvl9pPr marL="3657600" algn="l" defTabSz="914400" rtl="0" eaLnBrk="1" latinLnBrk="0" hangingPunct="1">
+              <a:defRPr sz="1800" kern="1200">
+                <a:solidFill>
+                  <a:schemeClr val="lt1"/>
+                </a:solidFill>
+                <a:latin typeface="+mn-lt"/>
+                <a:ea typeface="+mn-ea"/>
+                <a:cs typeface="+mn-cs"/>
+              </a:defRPr>
+            </a:lvl9pPr>
+          </a:lstStyle>
+          <a:p>
+            <a:pPr algn="ctr"/>
+            <a:r>
+              <a:rPr lang="en-US" sz="5400" dirty="0" err="1">
+                <a:solidFill>
+                  <a:schemeClr val="accent4"/>
+                </a:solidFill>
+              </a:rPr>
+              <a:t>B#m</a:t>
+            </a:r>
+            <a:endParaRPr lang="en-PH" sz="5400" dirty="0">
+              <a:solidFill>
+                <a:schemeClr val="accent4"/>
+              </a:solidFill>
+            </a:endParaRPr>
+          </a:p>
+        </p:txBody>
+      </p:sp>
+      <p:sp>
+        <p:nvSpPr>
+          <p:cNvPr id="8" name="Rectangle 7">
+            <a:extLst>
+              <a:ext uri="{FF2B5EF4-FFF2-40B4-BE49-F238E27FC236}">
+                <a16:creationId xmlns:a16="http://schemas.microsoft.com/office/drawing/2014/main" id="{A490EE79-A428-4325-AD2C-DB14F33A4776}"/>
+              </a:ext>
+            </a:extLst>
+          </p:cNvPr>
+          <p:cNvSpPr/>
+          <p:nvPr/>
+        </p:nvSpPr>
+        <p:spPr>
+          <a:xfrm>
+            <a:off x="7247699" y="3064110"/>
+            <a:ext cx="1786597" cy="970671"/>
+          </a:xfrm>
+          <a:prstGeom prst="rect">
+            <a:avLst/>
+          </a:prstGeom>
+          <a:noFill/>
+          <a:ln>
+            <a:noFill/>
+          </a:ln>
+        </p:spPr>
+        <p:style>
+          <a:lnRef idx="2">
+            <a:schemeClr val="accent1">
+              <a:shade val="50000"/>
+            </a:schemeClr>
+          </a:lnRef>
+          <a:fillRef idx="1">
+            <a:schemeClr val="accent1"/>
+          </a:fillRef>
+          <a:effectRef idx="0">
+            <a:schemeClr val="accent1"/>
+          </a:effectRef>
+          <a:fontRef idx="minor">
+            <a:schemeClr val="lt1"/>
+          </a:fontRef>
+        </p:style>
+        <p:txBody>
+          <a:bodyPr rtlCol="0" anchor="ctr"/>
+          <a:lstStyle>
+            <a:defPPr>
+              <a:defRPr lang="en-US"/>
+            </a:defPPr>
+            <a:lvl1pPr marL="0" algn="l" defTabSz="914400" rtl="0" eaLnBrk="1" latinLnBrk="0" hangingPunct="1">
+              <a:defRPr sz="1800" kern="1200">
+                <a:solidFill>
+                  <a:schemeClr val="lt1"/>
+                </a:solidFill>
+                <a:latin typeface="+mn-lt"/>
+                <a:ea typeface="+mn-ea"/>
+                <a:cs typeface="+mn-cs"/>
+              </a:defRPr>
+            </a:lvl1pPr>
+            <a:lvl2pPr marL="457200" algn="l" defTabSz="914400" rtl="0" eaLnBrk="1" latinLnBrk="0" hangingPunct="1">
+              <a:defRPr sz="1800" kern="1200">
+                <a:solidFill>
+                  <a:schemeClr val="lt1"/>
+                </a:solidFill>
+                <a:latin typeface="+mn-lt"/>
+                <a:ea typeface="+mn-ea"/>
+                <a:cs typeface="+mn-cs"/>
+              </a:defRPr>
+            </a:lvl2pPr>
+            <a:lvl3pPr marL="914400" algn="l" defTabSz="914400" rtl="0" eaLnBrk="1" latinLnBrk="0" hangingPunct="1">
+              <a:defRPr sz="1800" kern="1200">
+                <a:solidFill>
+                  <a:schemeClr val="lt1"/>
+                </a:solidFill>
+                <a:latin typeface="+mn-lt"/>
+                <a:ea typeface="+mn-ea"/>
+                <a:cs typeface="+mn-cs"/>
+              </a:defRPr>
+            </a:lvl3pPr>
+            <a:lvl4pPr marL="1371600" algn="l" defTabSz="914400" rtl="0" eaLnBrk="1" latinLnBrk="0" hangingPunct="1">
+              <a:defRPr sz="1800" kern="1200">
+                <a:solidFill>
+                  <a:schemeClr val="lt1"/>
+                </a:solidFill>
+                <a:latin typeface="+mn-lt"/>
+                <a:ea typeface="+mn-ea"/>
+                <a:cs typeface="+mn-cs"/>
+              </a:defRPr>
+            </a:lvl4pPr>
+            <a:lvl5pPr marL="1828800" algn="l" defTabSz="914400" rtl="0" eaLnBrk="1" latinLnBrk="0" hangingPunct="1">
+              <a:defRPr sz="1800" kern="1200">
+                <a:solidFill>
+                  <a:schemeClr val="lt1"/>
+                </a:solidFill>
+                <a:latin typeface="+mn-lt"/>
+                <a:ea typeface="+mn-ea"/>
+                <a:cs typeface="+mn-cs"/>
+              </a:defRPr>
+            </a:lvl5pPr>
+            <a:lvl6pPr marL="2286000" algn="l" defTabSz="914400" rtl="0" eaLnBrk="1" latinLnBrk="0" hangingPunct="1">
+              <a:defRPr sz="1800" kern="1200">
+                <a:solidFill>
+                  <a:schemeClr val="lt1"/>
+                </a:solidFill>
+                <a:latin typeface="+mn-lt"/>
+                <a:ea typeface="+mn-ea"/>
+                <a:cs typeface="+mn-cs"/>
+              </a:defRPr>
+            </a:lvl6pPr>
+            <a:lvl7pPr marL="2743200" algn="l" defTabSz="914400" rtl="0" eaLnBrk="1" latinLnBrk="0" hangingPunct="1">
+              <a:defRPr sz="1800" kern="1200">
+                <a:solidFill>
+                  <a:schemeClr val="lt1"/>
+                </a:solidFill>
+                <a:latin typeface="+mn-lt"/>
+                <a:ea typeface="+mn-ea"/>
+                <a:cs typeface="+mn-cs"/>
+              </a:defRPr>
+            </a:lvl7pPr>
+            <a:lvl8pPr marL="3200400" algn="l" defTabSz="914400" rtl="0" eaLnBrk="1" latinLnBrk="0" hangingPunct="1">
+              <a:defRPr sz="1800" kern="1200">
+                <a:solidFill>
+                  <a:schemeClr val="lt1"/>
+                </a:solidFill>
+                <a:latin typeface="+mn-lt"/>
+                <a:ea typeface="+mn-ea"/>
+                <a:cs typeface="+mn-cs"/>
+              </a:defRPr>
+            </a:lvl8pPr>
+            <a:lvl9pPr marL="3657600" algn="l" defTabSz="914400" rtl="0" eaLnBrk="1" latinLnBrk="0" hangingPunct="1">
+              <a:defRPr sz="1800" kern="1200">
+                <a:solidFill>
+                  <a:schemeClr val="lt1"/>
+                </a:solidFill>
+                <a:latin typeface="+mn-lt"/>
+                <a:ea typeface="+mn-ea"/>
+                <a:cs typeface="+mn-cs"/>
+              </a:defRPr>
+            </a:lvl9pPr>
+          </a:lstStyle>
+          <a:p>
+            <a:pPr algn="ctr"/>
+            <a:r>
+              <a:rPr lang="en-US" sz="5400" dirty="0">
+                <a:solidFill>
+                  <a:schemeClr val="accent4"/>
+                </a:solidFill>
+              </a:rPr>
+              <a:t>E</a:t>
+            </a:r>
+            <a:endParaRPr lang="en-PH" sz="5400" dirty="0">
+              <a:solidFill>
+                <a:schemeClr val="accent4"/>
+              </a:solidFill>
+            </a:endParaRPr>
+          </a:p>
+        </p:txBody>
+      </p:sp>
+      <p:sp>
+        <p:nvSpPr>
+          <p:cNvPr id="9" name="Rectangle 8">
+            <a:extLst>
+              <a:ext uri="{FF2B5EF4-FFF2-40B4-BE49-F238E27FC236}">
+                <a16:creationId xmlns:a16="http://schemas.microsoft.com/office/drawing/2014/main" id="{4B77EF32-108A-442A-B38B-0D50C56DAEB3}"/>
+              </a:ext>
+            </a:extLst>
+          </p:cNvPr>
+          <p:cNvSpPr/>
+          <p:nvPr/>
+        </p:nvSpPr>
+        <p:spPr>
+          <a:xfrm>
+            <a:off x="1414297" y="4583519"/>
+            <a:ext cx="1786597" cy="970671"/>
+          </a:xfrm>
+          <a:prstGeom prst="rect">
+            <a:avLst/>
+          </a:prstGeom>
+          <a:noFill/>
+          <a:ln>
+            <a:noFill/>
+          </a:ln>
+        </p:spPr>
+        <p:style>
+          <a:lnRef idx="2">
+            <a:schemeClr val="accent1">
+              <a:shade val="50000"/>
+            </a:schemeClr>
+          </a:lnRef>
+          <a:fillRef idx="1">
+            <a:schemeClr val="accent1"/>
+          </a:fillRef>
+          <a:effectRef idx="0">
+            <a:schemeClr val="accent1"/>
+          </a:effectRef>
+          <a:fontRef idx="minor">
+            <a:schemeClr val="lt1"/>
+          </a:fontRef>
+        </p:style>
+        <p:txBody>
+          <a:bodyPr rtlCol="0" anchor="ctr"/>
+          <a:lstStyle>
+            <a:defPPr>
+              <a:defRPr lang="en-US"/>
+            </a:defPPr>
+            <a:lvl1pPr marL="0" algn="l" defTabSz="914400" rtl="0" eaLnBrk="1" latinLnBrk="0" hangingPunct="1">
+              <a:defRPr sz="1800" kern="1200">
+                <a:solidFill>
+                  <a:schemeClr val="lt1"/>
+                </a:solidFill>
+                <a:latin typeface="+mn-lt"/>
+                <a:ea typeface="+mn-ea"/>
+                <a:cs typeface="+mn-cs"/>
+              </a:defRPr>
+            </a:lvl1pPr>
+            <a:lvl2pPr marL="457200" algn="l" defTabSz="914400" rtl="0" eaLnBrk="1" latinLnBrk="0" hangingPunct="1">
+              <a:defRPr sz="1800" kern="1200">
+                <a:solidFill>
+                  <a:schemeClr val="lt1"/>
+                </a:solidFill>
+                <a:latin typeface="+mn-lt"/>
+                <a:ea typeface="+mn-ea"/>
+                <a:cs typeface="+mn-cs"/>
+              </a:defRPr>
+            </a:lvl2pPr>
+            <a:lvl3pPr marL="914400" algn="l" defTabSz="914400" rtl="0" eaLnBrk="1" latinLnBrk="0" hangingPunct="1">
+              <a:defRPr sz="1800" kern="1200">
+                <a:solidFill>
+                  <a:schemeClr val="lt1"/>
+                </a:solidFill>
+                <a:latin typeface="+mn-lt"/>
+                <a:ea typeface="+mn-ea"/>
+                <a:cs typeface="+mn-cs"/>
+              </a:defRPr>
+            </a:lvl3pPr>
+            <a:lvl4pPr marL="1371600" algn="l" defTabSz="914400" rtl="0" eaLnBrk="1" latinLnBrk="0" hangingPunct="1">
+              <a:defRPr sz="1800" kern="1200">
+                <a:solidFill>
+                  <a:schemeClr val="lt1"/>
+                </a:solidFill>
+                <a:latin typeface="+mn-lt"/>
+                <a:ea typeface="+mn-ea"/>
+                <a:cs typeface="+mn-cs"/>
+              </a:defRPr>
+            </a:lvl4pPr>
+            <a:lvl5pPr marL="1828800" algn="l" defTabSz="914400" rtl="0" eaLnBrk="1" latinLnBrk="0" hangingPunct="1">
+              <a:defRPr sz="1800" kern="1200">
+                <a:solidFill>
+                  <a:schemeClr val="lt1"/>
+                </a:solidFill>
+                <a:latin typeface="+mn-lt"/>
+                <a:ea typeface="+mn-ea"/>
+                <a:cs typeface="+mn-cs"/>
+              </a:defRPr>
+            </a:lvl5pPr>
+            <a:lvl6pPr marL="2286000" algn="l" defTabSz="914400" rtl="0" eaLnBrk="1" latinLnBrk="0" hangingPunct="1">
+              <a:defRPr sz="1800" kern="1200">
+                <a:solidFill>
+                  <a:schemeClr val="lt1"/>
+                </a:solidFill>
+                <a:latin typeface="+mn-lt"/>
+                <a:ea typeface="+mn-ea"/>
+                <a:cs typeface="+mn-cs"/>
+              </a:defRPr>
+            </a:lvl6pPr>
+            <a:lvl7pPr marL="2743200" algn="l" defTabSz="914400" rtl="0" eaLnBrk="1" latinLnBrk="0" hangingPunct="1">
+              <a:defRPr sz="1800" kern="1200">
+                <a:solidFill>
+                  <a:schemeClr val="lt1"/>
+                </a:solidFill>
+                <a:latin typeface="+mn-lt"/>
+                <a:ea typeface="+mn-ea"/>
+                <a:cs typeface="+mn-cs"/>
+              </a:defRPr>
+            </a:lvl7pPr>
+            <a:lvl8pPr marL="3200400" algn="l" defTabSz="914400" rtl="0" eaLnBrk="1" latinLnBrk="0" hangingPunct="1">
+              <a:defRPr sz="1800" kern="1200">
+                <a:solidFill>
+                  <a:schemeClr val="lt1"/>
+                </a:solidFill>
+                <a:latin typeface="+mn-lt"/>
+                <a:ea typeface="+mn-ea"/>
+                <a:cs typeface="+mn-cs"/>
+              </a:defRPr>
+            </a:lvl8pPr>
+            <a:lvl9pPr marL="3657600" algn="l" defTabSz="914400" rtl="0" eaLnBrk="1" latinLnBrk="0" hangingPunct="1">
+              <a:defRPr sz="1800" kern="1200">
+                <a:solidFill>
+                  <a:schemeClr val="lt1"/>
+                </a:solidFill>
+                <a:latin typeface="+mn-lt"/>
+                <a:ea typeface="+mn-ea"/>
+                <a:cs typeface="+mn-cs"/>
+              </a:defRPr>
+            </a:lvl9pPr>
+          </a:lstStyle>
+          <a:p>
+            <a:pPr algn="ctr"/>
+            <a:r>
+              <a:rPr lang="en-US" sz="5400" dirty="0">
+                <a:solidFill>
+                  <a:schemeClr val="accent4"/>
+                </a:solidFill>
+              </a:rPr>
+              <a:t>A</a:t>
+            </a:r>
+            <a:endParaRPr lang="en-PH" sz="5400" dirty="0">
+              <a:solidFill>
+                <a:schemeClr val="accent4"/>
+              </a:solidFill>
+            </a:endParaRPr>
+          </a:p>
+        </p:txBody>
+      </p:sp>
+      <p:sp>
+        <p:nvSpPr>
+          <p:cNvPr id="10" name="Rectangle 9">
+            <a:extLst>
+              <a:ext uri="{FF2B5EF4-FFF2-40B4-BE49-F238E27FC236}">
+                <a16:creationId xmlns:a16="http://schemas.microsoft.com/office/drawing/2014/main" id="{69E9420F-C2DB-48E5-B78E-5CF1EE9FBA20}"/>
+              </a:ext>
+            </a:extLst>
+          </p:cNvPr>
+          <p:cNvSpPr/>
+          <p:nvPr/>
+        </p:nvSpPr>
+        <p:spPr>
+          <a:xfrm>
+            <a:off x="8590945" y="4566904"/>
+            <a:ext cx="1786597" cy="970671"/>
+          </a:xfrm>
+          <a:prstGeom prst="rect">
+            <a:avLst/>
+          </a:prstGeom>
+          <a:noFill/>
+          <a:ln>
+            <a:noFill/>
+          </a:ln>
+        </p:spPr>
+        <p:style>
+          <a:lnRef idx="2">
+            <a:schemeClr val="accent1">
+              <a:shade val="50000"/>
+            </a:schemeClr>
+          </a:lnRef>
+          <a:fillRef idx="1">
+            <a:schemeClr val="accent1"/>
+          </a:fillRef>
+          <a:effectRef idx="0">
+            <a:schemeClr val="accent1"/>
+          </a:effectRef>
+          <a:fontRef idx="minor">
+            <a:schemeClr val="lt1"/>
+          </a:fontRef>
+        </p:style>
+        <p:txBody>
+          <a:bodyPr rtlCol="0" anchor="ctr"/>
+          <a:lstStyle>
+            <a:defPPr>
+              <a:defRPr lang="en-US"/>
+            </a:defPPr>
+            <a:lvl1pPr marL="0" algn="l" defTabSz="914400" rtl="0" eaLnBrk="1" latinLnBrk="0" hangingPunct="1">
+              <a:defRPr sz="1800" kern="1200">
+                <a:solidFill>
+                  <a:schemeClr val="lt1"/>
+                </a:solidFill>
+                <a:latin typeface="+mn-lt"/>
+                <a:ea typeface="+mn-ea"/>
+                <a:cs typeface="+mn-cs"/>
+              </a:defRPr>
+            </a:lvl1pPr>
+            <a:lvl2pPr marL="457200" algn="l" defTabSz="914400" rtl="0" eaLnBrk="1" latinLnBrk="0" hangingPunct="1">
+              <a:defRPr sz="1800" kern="1200">
+                <a:solidFill>
+                  <a:schemeClr val="lt1"/>
+                </a:solidFill>
+                <a:latin typeface="+mn-lt"/>
+                <a:ea typeface="+mn-ea"/>
+                <a:cs typeface="+mn-cs"/>
+              </a:defRPr>
+            </a:lvl2pPr>
+            <a:lvl3pPr marL="914400" algn="l" defTabSz="914400" rtl="0" eaLnBrk="1" latinLnBrk="0" hangingPunct="1">
+              <a:defRPr sz="1800" kern="1200">
+                <a:solidFill>
+                  <a:schemeClr val="lt1"/>
+                </a:solidFill>
+                <a:latin typeface="+mn-lt"/>
+                <a:ea typeface="+mn-ea"/>
+                <a:cs typeface="+mn-cs"/>
+              </a:defRPr>
+            </a:lvl3pPr>
+            <a:lvl4pPr marL="1371600" algn="l" defTabSz="914400" rtl="0" eaLnBrk="1" latinLnBrk="0" hangingPunct="1">
+              <a:defRPr sz="1800" kern="1200">
+                <a:solidFill>
+                  <a:schemeClr val="lt1"/>
+                </a:solidFill>
+                <a:latin typeface="+mn-lt"/>
+                <a:ea typeface="+mn-ea"/>
+                <a:cs typeface="+mn-cs"/>
+              </a:defRPr>
+            </a:lvl4pPr>
+            <a:lvl5pPr marL="1828800" algn="l" defTabSz="914400" rtl="0" eaLnBrk="1" latinLnBrk="0" hangingPunct="1">
+              <a:defRPr sz="1800" kern="1200">
+                <a:solidFill>
+                  <a:schemeClr val="lt1"/>
+                </a:solidFill>
+                <a:latin typeface="+mn-lt"/>
+                <a:ea typeface="+mn-ea"/>
+                <a:cs typeface="+mn-cs"/>
+              </a:defRPr>
+            </a:lvl5pPr>
+            <a:lvl6pPr marL="2286000" algn="l" defTabSz="914400" rtl="0" eaLnBrk="1" latinLnBrk="0" hangingPunct="1">
+              <a:defRPr sz="1800" kern="1200">
+                <a:solidFill>
+                  <a:schemeClr val="lt1"/>
+                </a:solidFill>
+                <a:latin typeface="+mn-lt"/>
+                <a:ea typeface="+mn-ea"/>
+                <a:cs typeface="+mn-cs"/>
+              </a:defRPr>
+            </a:lvl6pPr>
+            <a:lvl7pPr marL="2743200" algn="l" defTabSz="914400" rtl="0" eaLnBrk="1" latinLnBrk="0" hangingPunct="1">
+              <a:defRPr sz="1800" kern="1200">
+                <a:solidFill>
+                  <a:schemeClr val="lt1"/>
+                </a:solidFill>
+                <a:latin typeface="+mn-lt"/>
+                <a:ea typeface="+mn-ea"/>
+                <a:cs typeface="+mn-cs"/>
+              </a:defRPr>
+            </a:lvl7pPr>
+            <a:lvl8pPr marL="3200400" algn="l" defTabSz="914400" rtl="0" eaLnBrk="1" latinLnBrk="0" hangingPunct="1">
+              <a:defRPr sz="1800" kern="1200">
+                <a:solidFill>
+                  <a:schemeClr val="lt1"/>
+                </a:solidFill>
+                <a:latin typeface="+mn-lt"/>
+                <a:ea typeface="+mn-ea"/>
+                <a:cs typeface="+mn-cs"/>
+              </a:defRPr>
+            </a:lvl8pPr>
+            <a:lvl9pPr marL="3657600" algn="l" defTabSz="914400" rtl="0" eaLnBrk="1" latinLnBrk="0" hangingPunct="1">
+              <a:defRPr sz="1800" kern="1200">
+                <a:solidFill>
+                  <a:schemeClr val="lt1"/>
+                </a:solidFill>
+                <a:latin typeface="+mn-lt"/>
+                <a:ea typeface="+mn-ea"/>
+                <a:cs typeface="+mn-cs"/>
+              </a:defRPr>
+            </a:lvl9pPr>
+          </a:lstStyle>
+          <a:p>
+            <a:pPr algn="ctr"/>
+            <a:r>
+              <a:rPr lang="en-US" sz="5400" dirty="0" err="1">
+                <a:solidFill>
+                  <a:schemeClr val="accent4"/>
+                </a:solidFill>
+              </a:rPr>
+              <a:t>F#m</a:t>
+            </a:r>
+            <a:endParaRPr lang="en-PH" sz="5400" dirty="0">
+              <a:solidFill>
+                <a:schemeClr val="accent4"/>
+              </a:solidFill>
+            </a:endParaRPr>
+          </a:p>
+        </p:txBody>
+      </p:sp>
     </p:spTree>
     <p:extLst>
       <p:ext uri="{BB962C8B-B14F-4D97-AF65-F5344CB8AC3E}">
-        <p14:creationId xmlns:p14="http://schemas.microsoft.com/office/powerpoint/2010/main" val="2994520199"/>
+        <p14:creationId xmlns:p14="http://schemas.microsoft.com/office/powerpoint/2010/main" val="3241636621"/>
       </p:ext>
     </p:extLst>
   </p:cSld>
@@ -3887,10 +9132,1102 @@
           </a:p>
         </p:txBody>
       </p:sp>
+      <p:sp>
+        <p:nvSpPr>
+          <p:cNvPr id="3" name="Rectangle 2">
+            <a:extLst>
+              <a:ext uri="{FF2B5EF4-FFF2-40B4-BE49-F238E27FC236}">
+                <a16:creationId xmlns:a16="http://schemas.microsoft.com/office/drawing/2014/main" id="{ED84CC93-9145-4DFF-A8A8-C778AAA9BDC5}"/>
+              </a:ext>
+            </a:extLst>
+          </p:cNvPr>
+          <p:cNvSpPr/>
+          <p:nvPr/>
+        </p:nvSpPr>
+        <p:spPr>
+          <a:xfrm>
+            <a:off x="5503968" y="-178762"/>
+            <a:ext cx="1786597" cy="970671"/>
+          </a:xfrm>
+          <a:prstGeom prst="rect">
+            <a:avLst/>
+          </a:prstGeom>
+          <a:noFill/>
+          <a:ln>
+            <a:noFill/>
+          </a:ln>
+        </p:spPr>
+        <p:style>
+          <a:lnRef idx="2">
+            <a:schemeClr val="accent1">
+              <a:shade val="50000"/>
+            </a:schemeClr>
+          </a:lnRef>
+          <a:fillRef idx="1">
+            <a:schemeClr val="accent1"/>
+          </a:fillRef>
+          <a:effectRef idx="0">
+            <a:schemeClr val="accent1"/>
+          </a:effectRef>
+          <a:fontRef idx="minor">
+            <a:schemeClr val="lt1"/>
+          </a:fontRef>
+        </p:style>
+        <p:txBody>
+          <a:bodyPr rtlCol="0" anchor="ctr"/>
+          <a:lstStyle>
+            <a:defPPr>
+              <a:defRPr lang="en-US"/>
+            </a:defPPr>
+            <a:lvl1pPr marL="0" algn="l" defTabSz="914400" rtl="0" eaLnBrk="1" latinLnBrk="0" hangingPunct="1">
+              <a:defRPr sz="1800" kern="1200">
+                <a:solidFill>
+                  <a:schemeClr val="lt1"/>
+                </a:solidFill>
+                <a:latin typeface="+mn-lt"/>
+                <a:ea typeface="+mn-ea"/>
+                <a:cs typeface="+mn-cs"/>
+              </a:defRPr>
+            </a:lvl1pPr>
+            <a:lvl2pPr marL="457200" algn="l" defTabSz="914400" rtl="0" eaLnBrk="1" latinLnBrk="0" hangingPunct="1">
+              <a:defRPr sz="1800" kern="1200">
+                <a:solidFill>
+                  <a:schemeClr val="lt1"/>
+                </a:solidFill>
+                <a:latin typeface="+mn-lt"/>
+                <a:ea typeface="+mn-ea"/>
+                <a:cs typeface="+mn-cs"/>
+              </a:defRPr>
+            </a:lvl2pPr>
+            <a:lvl3pPr marL="914400" algn="l" defTabSz="914400" rtl="0" eaLnBrk="1" latinLnBrk="0" hangingPunct="1">
+              <a:defRPr sz="1800" kern="1200">
+                <a:solidFill>
+                  <a:schemeClr val="lt1"/>
+                </a:solidFill>
+                <a:latin typeface="+mn-lt"/>
+                <a:ea typeface="+mn-ea"/>
+                <a:cs typeface="+mn-cs"/>
+              </a:defRPr>
+            </a:lvl3pPr>
+            <a:lvl4pPr marL="1371600" algn="l" defTabSz="914400" rtl="0" eaLnBrk="1" latinLnBrk="0" hangingPunct="1">
+              <a:defRPr sz="1800" kern="1200">
+                <a:solidFill>
+                  <a:schemeClr val="lt1"/>
+                </a:solidFill>
+                <a:latin typeface="+mn-lt"/>
+                <a:ea typeface="+mn-ea"/>
+                <a:cs typeface="+mn-cs"/>
+              </a:defRPr>
+            </a:lvl4pPr>
+            <a:lvl5pPr marL="1828800" algn="l" defTabSz="914400" rtl="0" eaLnBrk="1" latinLnBrk="0" hangingPunct="1">
+              <a:defRPr sz="1800" kern="1200">
+                <a:solidFill>
+                  <a:schemeClr val="lt1"/>
+                </a:solidFill>
+                <a:latin typeface="+mn-lt"/>
+                <a:ea typeface="+mn-ea"/>
+                <a:cs typeface="+mn-cs"/>
+              </a:defRPr>
+            </a:lvl5pPr>
+            <a:lvl6pPr marL="2286000" algn="l" defTabSz="914400" rtl="0" eaLnBrk="1" latinLnBrk="0" hangingPunct="1">
+              <a:defRPr sz="1800" kern="1200">
+                <a:solidFill>
+                  <a:schemeClr val="lt1"/>
+                </a:solidFill>
+                <a:latin typeface="+mn-lt"/>
+                <a:ea typeface="+mn-ea"/>
+                <a:cs typeface="+mn-cs"/>
+              </a:defRPr>
+            </a:lvl6pPr>
+            <a:lvl7pPr marL="2743200" algn="l" defTabSz="914400" rtl="0" eaLnBrk="1" latinLnBrk="0" hangingPunct="1">
+              <a:defRPr sz="1800" kern="1200">
+                <a:solidFill>
+                  <a:schemeClr val="lt1"/>
+                </a:solidFill>
+                <a:latin typeface="+mn-lt"/>
+                <a:ea typeface="+mn-ea"/>
+                <a:cs typeface="+mn-cs"/>
+              </a:defRPr>
+            </a:lvl7pPr>
+            <a:lvl8pPr marL="3200400" algn="l" defTabSz="914400" rtl="0" eaLnBrk="1" latinLnBrk="0" hangingPunct="1">
+              <a:defRPr sz="1800" kern="1200">
+                <a:solidFill>
+                  <a:schemeClr val="lt1"/>
+                </a:solidFill>
+                <a:latin typeface="+mn-lt"/>
+                <a:ea typeface="+mn-ea"/>
+                <a:cs typeface="+mn-cs"/>
+              </a:defRPr>
+            </a:lvl8pPr>
+            <a:lvl9pPr marL="3657600" algn="l" defTabSz="914400" rtl="0" eaLnBrk="1" latinLnBrk="0" hangingPunct="1">
+              <a:defRPr sz="1800" kern="1200">
+                <a:solidFill>
+                  <a:schemeClr val="lt1"/>
+                </a:solidFill>
+                <a:latin typeface="+mn-lt"/>
+                <a:ea typeface="+mn-ea"/>
+                <a:cs typeface="+mn-cs"/>
+              </a:defRPr>
+            </a:lvl9pPr>
+          </a:lstStyle>
+          <a:p>
+            <a:pPr algn="ctr"/>
+            <a:r>
+              <a:rPr lang="en-US" sz="5400" dirty="0">
+                <a:solidFill>
+                  <a:schemeClr val="accent4"/>
+                </a:solidFill>
+              </a:rPr>
+              <a:t>D</a:t>
+            </a:r>
+            <a:endParaRPr lang="en-PH" sz="5400" dirty="0">
+              <a:solidFill>
+                <a:schemeClr val="accent4"/>
+              </a:solidFill>
+            </a:endParaRPr>
+          </a:p>
+        </p:txBody>
+      </p:sp>
+      <p:sp>
+        <p:nvSpPr>
+          <p:cNvPr id="4" name="Rectangle 3">
+            <a:extLst>
+              <a:ext uri="{FF2B5EF4-FFF2-40B4-BE49-F238E27FC236}">
+                <a16:creationId xmlns:a16="http://schemas.microsoft.com/office/drawing/2014/main" id="{63F16981-5AB7-442C-801D-43771AE17B94}"/>
+              </a:ext>
+            </a:extLst>
+          </p:cNvPr>
+          <p:cNvSpPr/>
+          <p:nvPr/>
+        </p:nvSpPr>
+        <p:spPr>
+          <a:xfrm>
+            <a:off x="9756978" y="-136232"/>
+            <a:ext cx="1786597" cy="970671"/>
+          </a:xfrm>
+          <a:prstGeom prst="rect">
+            <a:avLst/>
+          </a:prstGeom>
+          <a:noFill/>
+          <a:ln>
+            <a:noFill/>
+          </a:ln>
+        </p:spPr>
+        <p:style>
+          <a:lnRef idx="2">
+            <a:schemeClr val="accent1">
+              <a:shade val="50000"/>
+            </a:schemeClr>
+          </a:lnRef>
+          <a:fillRef idx="1">
+            <a:schemeClr val="accent1"/>
+          </a:fillRef>
+          <a:effectRef idx="0">
+            <a:schemeClr val="accent1"/>
+          </a:effectRef>
+          <a:fontRef idx="minor">
+            <a:schemeClr val="lt1"/>
+          </a:fontRef>
+        </p:style>
+        <p:txBody>
+          <a:bodyPr rtlCol="0" anchor="ctr"/>
+          <a:lstStyle>
+            <a:defPPr>
+              <a:defRPr lang="en-US"/>
+            </a:defPPr>
+            <a:lvl1pPr marL="0" algn="l" defTabSz="914400" rtl="0" eaLnBrk="1" latinLnBrk="0" hangingPunct="1">
+              <a:defRPr sz="1800" kern="1200">
+                <a:solidFill>
+                  <a:schemeClr val="lt1"/>
+                </a:solidFill>
+                <a:latin typeface="+mn-lt"/>
+                <a:ea typeface="+mn-ea"/>
+                <a:cs typeface="+mn-cs"/>
+              </a:defRPr>
+            </a:lvl1pPr>
+            <a:lvl2pPr marL="457200" algn="l" defTabSz="914400" rtl="0" eaLnBrk="1" latinLnBrk="0" hangingPunct="1">
+              <a:defRPr sz="1800" kern="1200">
+                <a:solidFill>
+                  <a:schemeClr val="lt1"/>
+                </a:solidFill>
+                <a:latin typeface="+mn-lt"/>
+                <a:ea typeface="+mn-ea"/>
+                <a:cs typeface="+mn-cs"/>
+              </a:defRPr>
+            </a:lvl2pPr>
+            <a:lvl3pPr marL="914400" algn="l" defTabSz="914400" rtl="0" eaLnBrk="1" latinLnBrk="0" hangingPunct="1">
+              <a:defRPr sz="1800" kern="1200">
+                <a:solidFill>
+                  <a:schemeClr val="lt1"/>
+                </a:solidFill>
+                <a:latin typeface="+mn-lt"/>
+                <a:ea typeface="+mn-ea"/>
+                <a:cs typeface="+mn-cs"/>
+              </a:defRPr>
+            </a:lvl3pPr>
+            <a:lvl4pPr marL="1371600" algn="l" defTabSz="914400" rtl="0" eaLnBrk="1" latinLnBrk="0" hangingPunct="1">
+              <a:defRPr sz="1800" kern="1200">
+                <a:solidFill>
+                  <a:schemeClr val="lt1"/>
+                </a:solidFill>
+                <a:latin typeface="+mn-lt"/>
+                <a:ea typeface="+mn-ea"/>
+                <a:cs typeface="+mn-cs"/>
+              </a:defRPr>
+            </a:lvl4pPr>
+            <a:lvl5pPr marL="1828800" algn="l" defTabSz="914400" rtl="0" eaLnBrk="1" latinLnBrk="0" hangingPunct="1">
+              <a:defRPr sz="1800" kern="1200">
+                <a:solidFill>
+                  <a:schemeClr val="lt1"/>
+                </a:solidFill>
+                <a:latin typeface="+mn-lt"/>
+                <a:ea typeface="+mn-ea"/>
+                <a:cs typeface="+mn-cs"/>
+              </a:defRPr>
+            </a:lvl5pPr>
+            <a:lvl6pPr marL="2286000" algn="l" defTabSz="914400" rtl="0" eaLnBrk="1" latinLnBrk="0" hangingPunct="1">
+              <a:defRPr sz="1800" kern="1200">
+                <a:solidFill>
+                  <a:schemeClr val="lt1"/>
+                </a:solidFill>
+                <a:latin typeface="+mn-lt"/>
+                <a:ea typeface="+mn-ea"/>
+                <a:cs typeface="+mn-cs"/>
+              </a:defRPr>
+            </a:lvl6pPr>
+            <a:lvl7pPr marL="2743200" algn="l" defTabSz="914400" rtl="0" eaLnBrk="1" latinLnBrk="0" hangingPunct="1">
+              <a:defRPr sz="1800" kern="1200">
+                <a:solidFill>
+                  <a:schemeClr val="lt1"/>
+                </a:solidFill>
+                <a:latin typeface="+mn-lt"/>
+                <a:ea typeface="+mn-ea"/>
+                <a:cs typeface="+mn-cs"/>
+              </a:defRPr>
+            </a:lvl7pPr>
+            <a:lvl8pPr marL="3200400" algn="l" defTabSz="914400" rtl="0" eaLnBrk="1" latinLnBrk="0" hangingPunct="1">
+              <a:defRPr sz="1800" kern="1200">
+                <a:solidFill>
+                  <a:schemeClr val="lt1"/>
+                </a:solidFill>
+                <a:latin typeface="+mn-lt"/>
+                <a:ea typeface="+mn-ea"/>
+                <a:cs typeface="+mn-cs"/>
+              </a:defRPr>
+            </a:lvl8pPr>
+            <a:lvl9pPr marL="3657600" algn="l" defTabSz="914400" rtl="0" eaLnBrk="1" latinLnBrk="0" hangingPunct="1">
+              <a:defRPr sz="1800" kern="1200">
+                <a:solidFill>
+                  <a:schemeClr val="lt1"/>
+                </a:solidFill>
+                <a:latin typeface="+mn-lt"/>
+                <a:ea typeface="+mn-ea"/>
+                <a:cs typeface="+mn-cs"/>
+              </a:defRPr>
+            </a:lvl9pPr>
+          </a:lstStyle>
+          <a:p>
+            <a:pPr algn="ctr"/>
+            <a:r>
+              <a:rPr lang="en-US" sz="5400" dirty="0">
+                <a:solidFill>
+                  <a:schemeClr val="accent4"/>
+                </a:solidFill>
+              </a:rPr>
+              <a:t>E</a:t>
+            </a:r>
+            <a:endParaRPr lang="en-PH" sz="5400" dirty="0">
+              <a:solidFill>
+                <a:schemeClr val="accent4"/>
+              </a:solidFill>
+            </a:endParaRPr>
+          </a:p>
+        </p:txBody>
+      </p:sp>
+      <p:sp>
+        <p:nvSpPr>
+          <p:cNvPr id="5" name="Rectangle 4">
+            <a:extLst>
+              <a:ext uri="{FF2B5EF4-FFF2-40B4-BE49-F238E27FC236}">
+                <a16:creationId xmlns:a16="http://schemas.microsoft.com/office/drawing/2014/main" id="{CCFA1BEE-CA3A-4AC9-8E49-E5C1A7683754}"/>
+              </a:ext>
+            </a:extLst>
+          </p:cNvPr>
+          <p:cNvSpPr/>
+          <p:nvPr/>
+        </p:nvSpPr>
+        <p:spPr>
+          <a:xfrm>
+            <a:off x="3568833" y="1288523"/>
+            <a:ext cx="1786597" cy="970671"/>
+          </a:xfrm>
+          <a:prstGeom prst="rect">
+            <a:avLst/>
+          </a:prstGeom>
+          <a:noFill/>
+          <a:ln>
+            <a:noFill/>
+          </a:ln>
+        </p:spPr>
+        <p:style>
+          <a:lnRef idx="2">
+            <a:schemeClr val="accent1">
+              <a:shade val="50000"/>
+            </a:schemeClr>
+          </a:lnRef>
+          <a:fillRef idx="1">
+            <a:schemeClr val="accent1"/>
+          </a:fillRef>
+          <a:effectRef idx="0">
+            <a:schemeClr val="accent1"/>
+          </a:effectRef>
+          <a:fontRef idx="minor">
+            <a:schemeClr val="lt1"/>
+          </a:fontRef>
+        </p:style>
+        <p:txBody>
+          <a:bodyPr rtlCol="0" anchor="ctr"/>
+          <a:lstStyle>
+            <a:defPPr>
+              <a:defRPr lang="en-US"/>
+            </a:defPPr>
+            <a:lvl1pPr marL="0" algn="l" defTabSz="914400" rtl="0" eaLnBrk="1" latinLnBrk="0" hangingPunct="1">
+              <a:defRPr sz="1800" kern="1200">
+                <a:solidFill>
+                  <a:schemeClr val="lt1"/>
+                </a:solidFill>
+                <a:latin typeface="+mn-lt"/>
+                <a:ea typeface="+mn-ea"/>
+                <a:cs typeface="+mn-cs"/>
+              </a:defRPr>
+            </a:lvl1pPr>
+            <a:lvl2pPr marL="457200" algn="l" defTabSz="914400" rtl="0" eaLnBrk="1" latinLnBrk="0" hangingPunct="1">
+              <a:defRPr sz="1800" kern="1200">
+                <a:solidFill>
+                  <a:schemeClr val="lt1"/>
+                </a:solidFill>
+                <a:latin typeface="+mn-lt"/>
+                <a:ea typeface="+mn-ea"/>
+                <a:cs typeface="+mn-cs"/>
+              </a:defRPr>
+            </a:lvl2pPr>
+            <a:lvl3pPr marL="914400" algn="l" defTabSz="914400" rtl="0" eaLnBrk="1" latinLnBrk="0" hangingPunct="1">
+              <a:defRPr sz="1800" kern="1200">
+                <a:solidFill>
+                  <a:schemeClr val="lt1"/>
+                </a:solidFill>
+                <a:latin typeface="+mn-lt"/>
+                <a:ea typeface="+mn-ea"/>
+                <a:cs typeface="+mn-cs"/>
+              </a:defRPr>
+            </a:lvl3pPr>
+            <a:lvl4pPr marL="1371600" algn="l" defTabSz="914400" rtl="0" eaLnBrk="1" latinLnBrk="0" hangingPunct="1">
+              <a:defRPr sz="1800" kern="1200">
+                <a:solidFill>
+                  <a:schemeClr val="lt1"/>
+                </a:solidFill>
+                <a:latin typeface="+mn-lt"/>
+                <a:ea typeface="+mn-ea"/>
+                <a:cs typeface="+mn-cs"/>
+              </a:defRPr>
+            </a:lvl4pPr>
+            <a:lvl5pPr marL="1828800" algn="l" defTabSz="914400" rtl="0" eaLnBrk="1" latinLnBrk="0" hangingPunct="1">
+              <a:defRPr sz="1800" kern="1200">
+                <a:solidFill>
+                  <a:schemeClr val="lt1"/>
+                </a:solidFill>
+                <a:latin typeface="+mn-lt"/>
+                <a:ea typeface="+mn-ea"/>
+                <a:cs typeface="+mn-cs"/>
+              </a:defRPr>
+            </a:lvl5pPr>
+            <a:lvl6pPr marL="2286000" algn="l" defTabSz="914400" rtl="0" eaLnBrk="1" latinLnBrk="0" hangingPunct="1">
+              <a:defRPr sz="1800" kern="1200">
+                <a:solidFill>
+                  <a:schemeClr val="lt1"/>
+                </a:solidFill>
+                <a:latin typeface="+mn-lt"/>
+                <a:ea typeface="+mn-ea"/>
+                <a:cs typeface="+mn-cs"/>
+              </a:defRPr>
+            </a:lvl6pPr>
+            <a:lvl7pPr marL="2743200" algn="l" defTabSz="914400" rtl="0" eaLnBrk="1" latinLnBrk="0" hangingPunct="1">
+              <a:defRPr sz="1800" kern="1200">
+                <a:solidFill>
+                  <a:schemeClr val="lt1"/>
+                </a:solidFill>
+                <a:latin typeface="+mn-lt"/>
+                <a:ea typeface="+mn-ea"/>
+                <a:cs typeface="+mn-cs"/>
+              </a:defRPr>
+            </a:lvl7pPr>
+            <a:lvl8pPr marL="3200400" algn="l" defTabSz="914400" rtl="0" eaLnBrk="1" latinLnBrk="0" hangingPunct="1">
+              <a:defRPr sz="1800" kern="1200">
+                <a:solidFill>
+                  <a:schemeClr val="lt1"/>
+                </a:solidFill>
+                <a:latin typeface="+mn-lt"/>
+                <a:ea typeface="+mn-ea"/>
+                <a:cs typeface="+mn-cs"/>
+              </a:defRPr>
+            </a:lvl8pPr>
+            <a:lvl9pPr marL="3657600" algn="l" defTabSz="914400" rtl="0" eaLnBrk="1" latinLnBrk="0" hangingPunct="1">
+              <a:defRPr sz="1800" kern="1200">
+                <a:solidFill>
+                  <a:schemeClr val="lt1"/>
+                </a:solidFill>
+                <a:latin typeface="+mn-lt"/>
+                <a:ea typeface="+mn-ea"/>
+                <a:cs typeface="+mn-cs"/>
+              </a:defRPr>
+            </a:lvl9pPr>
+          </a:lstStyle>
+          <a:p>
+            <a:pPr algn="ctr"/>
+            <a:r>
+              <a:rPr lang="en-US" sz="5400" dirty="0">
+                <a:solidFill>
+                  <a:schemeClr val="accent4"/>
+                </a:solidFill>
+              </a:rPr>
+              <a:t>A</a:t>
+            </a:r>
+            <a:endParaRPr lang="en-PH" sz="5400" dirty="0">
+              <a:solidFill>
+                <a:schemeClr val="accent4"/>
+              </a:solidFill>
+            </a:endParaRPr>
+          </a:p>
+        </p:txBody>
+      </p:sp>
+      <p:sp>
+        <p:nvSpPr>
+          <p:cNvPr id="7" name="Rectangle 6">
+            <a:extLst>
+              <a:ext uri="{FF2B5EF4-FFF2-40B4-BE49-F238E27FC236}">
+                <a16:creationId xmlns:a16="http://schemas.microsoft.com/office/drawing/2014/main" id="{BD16F8A1-47E2-4D12-9B93-EA42DDB08D7F}"/>
+              </a:ext>
+            </a:extLst>
+          </p:cNvPr>
+          <p:cNvSpPr/>
+          <p:nvPr/>
+        </p:nvSpPr>
+        <p:spPr>
+          <a:xfrm>
+            <a:off x="7311492" y="1246000"/>
+            <a:ext cx="1786597" cy="970671"/>
+          </a:xfrm>
+          <a:prstGeom prst="rect">
+            <a:avLst/>
+          </a:prstGeom>
+          <a:noFill/>
+          <a:ln>
+            <a:noFill/>
+          </a:ln>
+        </p:spPr>
+        <p:style>
+          <a:lnRef idx="2">
+            <a:schemeClr val="accent1">
+              <a:shade val="50000"/>
+            </a:schemeClr>
+          </a:lnRef>
+          <a:fillRef idx="1">
+            <a:schemeClr val="accent1"/>
+          </a:fillRef>
+          <a:effectRef idx="0">
+            <a:schemeClr val="accent1"/>
+          </a:effectRef>
+          <a:fontRef idx="minor">
+            <a:schemeClr val="lt1"/>
+          </a:fontRef>
+        </p:style>
+        <p:txBody>
+          <a:bodyPr rtlCol="0" anchor="ctr"/>
+          <a:lstStyle>
+            <a:defPPr>
+              <a:defRPr lang="en-US"/>
+            </a:defPPr>
+            <a:lvl1pPr marL="0" algn="l" defTabSz="914400" rtl="0" eaLnBrk="1" latinLnBrk="0" hangingPunct="1">
+              <a:defRPr sz="1800" kern="1200">
+                <a:solidFill>
+                  <a:schemeClr val="lt1"/>
+                </a:solidFill>
+                <a:latin typeface="+mn-lt"/>
+                <a:ea typeface="+mn-ea"/>
+                <a:cs typeface="+mn-cs"/>
+              </a:defRPr>
+            </a:lvl1pPr>
+            <a:lvl2pPr marL="457200" algn="l" defTabSz="914400" rtl="0" eaLnBrk="1" latinLnBrk="0" hangingPunct="1">
+              <a:defRPr sz="1800" kern="1200">
+                <a:solidFill>
+                  <a:schemeClr val="lt1"/>
+                </a:solidFill>
+                <a:latin typeface="+mn-lt"/>
+                <a:ea typeface="+mn-ea"/>
+                <a:cs typeface="+mn-cs"/>
+              </a:defRPr>
+            </a:lvl2pPr>
+            <a:lvl3pPr marL="914400" algn="l" defTabSz="914400" rtl="0" eaLnBrk="1" latinLnBrk="0" hangingPunct="1">
+              <a:defRPr sz="1800" kern="1200">
+                <a:solidFill>
+                  <a:schemeClr val="lt1"/>
+                </a:solidFill>
+                <a:latin typeface="+mn-lt"/>
+                <a:ea typeface="+mn-ea"/>
+                <a:cs typeface="+mn-cs"/>
+              </a:defRPr>
+            </a:lvl3pPr>
+            <a:lvl4pPr marL="1371600" algn="l" defTabSz="914400" rtl="0" eaLnBrk="1" latinLnBrk="0" hangingPunct="1">
+              <a:defRPr sz="1800" kern="1200">
+                <a:solidFill>
+                  <a:schemeClr val="lt1"/>
+                </a:solidFill>
+                <a:latin typeface="+mn-lt"/>
+                <a:ea typeface="+mn-ea"/>
+                <a:cs typeface="+mn-cs"/>
+              </a:defRPr>
+            </a:lvl4pPr>
+            <a:lvl5pPr marL="1828800" algn="l" defTabSz="914400" rtl="0" eaLnBrk="1" latinLnBrk="0" hangingPunct="1">
+              <a:defRPr sz="1800" kern="1200">
+                <a:solidFill>
+                  <a:schemeClr val="lt1"/>
+                </a:solidFill>
+                <a:latin typeface="+mn-lt"/>
+                <a:ea typeface="+mn-ea"/>
+                <a:cs typeface="+mn-cs"/>
+              </a:defRPr>
+            </a:lvl5pPr>
+            <a:lvl6pPr marL="2286000" algn="l" defTabSz="914400" rtl="0" eaLnBrk="1" latinLnBrk="0" hangingPunct="1">
+              <a:defRPr sz="1800" kern="1200">
+                <a:solidFill>
+                  <a:schemeClr val="lt1"/>
+                </a:solidFill>
+                <a:latin typeface="+mn-lt"/>
+                <a:ea typeface="+mn-ea"/>
+                <a:cs typeface="+mn-cs"/>
+              </a:defRPr>
+            </a:lvl6pPr>
+            <a:lvl7pPr marL="2743200" algn="l" defTabSz="914400" rtl="0" eaLnBrk="1" latinLnBrk="0" hangingPunct="1">
+              <a:defRPr sz="1800" kern="1200">
+                <a:solidFill>
+                  <a:schemeClr val="lt1"/>
+                </a:solidFill>
+                <a:latin typeface="+mn-lt"/>
+                <a:ea typeface="+mn-ea"/>
+                <a:cs typeface="+mn-cs"/>
+              </a:defRPr>
+            </a:lvl7pPr>
+            <a:lvl8pPr marL="3200400" algn="l" defTabSz="914400" rtl="0" eaLnBrk="1" latinLnBrk="0" hangingPunct="1">
+              <a:defRPr sz="1800" kern="1200">
+                <a:solidFill>
+                  <a:schemeClr val="lt1"/>
+                </a:solidFill>
+                <a:latin typeface="+mn-lt"/>
+                <a:ea typeface="+mn-ea"/>
+                <a:cs typeface="+mn-cs"/>
+              </a:defRPr>
+            </a:lvl8pPr>
+            <a:lvl9pPr marL="3657600" algn="l" defTabSz="914400" rtl="0" eaLnBrk="1" latinLnBrk="0" hangingPunct="1">
+              <a:defRPr sz="1800" kern="1200">
+                <a:solidFill>
+                  <a:schemeClr val="lt1"/>
+                </a:solidFill>
+                <a:latin typeface="+mn-lt"/>
+                <a:ea typeface="+mn-ea"/>
+                <a:cs typeface="+mn-cs"/>
+              </a:defRPr>
+            </a:lvl9pPr>
+          </a:lstStyle>
+          <a:p>
+            <a:pPr algn="ctr"/>
+            <a:r>
+              <a:rPr lang="en-US" sz="5400" dirty="0">
+                <a:solidFill>
+                  <a:schemeClr val="accent4"/>
+                </a:solidFill>
+              </a:rPr>
+              <a:t>A</a:t>
+            </a:r>
+            <a:endParaRPr lang="en-PH" sz="5400" dirty="0">
+              <a:solidFill>
+                <a:schemeClr val="accent4"/>
+              </a:solidFill>
+            </a:endParaRPr>
+          </a:p>
+        </p:txBody>
+      </p:sp>
+      <p:sp>
+        <p:nvSpPr>
+          <p:cNvPr id="8" name="Rectangle 7">
+            <a:extLst>
+              <a:ext uri="{FF2B5EF4-FFF2-40B4-BE49-F238E27FC236}">
+                <a16:creationId xmlns:a16="http://schemas.microsoft.com/office/drawing/2014/main" id="{6A47EFBF-4798-421C-A8DA-D90D5DB1CC27}"/>
+              </a:ext>
+            </a:extLst>
+          </p:cNvPr>
+          <p:cNvSpPr/>
+          <p:nvPr/>
+        </p:nvSpPr>
+        <p:spPr>
+          <a:xfrm>
+            <a:off x="3083280" y="2823159"/>
+            <a:ext cx="1786597" cy="970671"/>
+          </a:xfrm>
+          <a:prstGeom prst="rect">
+            <a:avLst/>
+          </a:prstGeom>
+          <a:noFill/>
+          <a:ln>
+            <a:noFill/>
+          </a:ln>
+        </p:spPr>
+        <p:style>
+          <a:lnRef idx="2">
+            <a:schemeClr val="accent1">
+              <a:shade val="50000"/>
+            </a:schemeClr>
+          </a:lnRef>
+          <a:fillRef idx="1">
+            <a:schemeClr val="accent1"/>
+          </a:fillRef>
+          <a:effectRef idx="0">
+            <a:schemeClr val="accent1"/>
+          </a:effectRef>
+          <a:fontRef idx="minor">
+            <a:schemeClr val="lt1"/>
+          </a:fontRef>
+        </p:style>
+        <p:txBody>
+          <a:bodyPr rtlCol="0" anchor="ctr"/>
+          <a:lstStyle>
+            <a:defPPr>
+              <a:defRPr lang="en-US"/>
+            </a:defPPr>
+            <a:lvl1pPr marL="0" algn="l" defTabSz="914400" rtl="0" eaLnBrk="1" latinLnBrk="0" hangingPunct="1">
+              <a:defRPr sz="1800" kern="1200">
+                <a:solidFill>
+                  <a:schemeClr val="lt1"/>
+                </a:solidFill>
+                <a:latin typeface="+mn-lt"/>
+                <a:ea typeface="+mn-ea"/>
+                <a:cs typeface="+mn-cs"/>
+              </a:defRPr>
+            </a:lvl1pPr>
+            <a:lvl2pPr marL="457200" algn="l" defTabSz="914400" rtl="0" eaLnBrk="1" latinLnBrk="0" hangingPunct="1">
+              <a:defRPr sz="1800" kern="1200">
+                <a:solidFill>
+                  <a:schemeClr val="lt1"/>
+                </a:solidFill>
+                <a:latin typeface="+mn-lt"/>
+                <a:ea typeface="+mn-ea"/>
+                <a:cs typeface="+mn-cs"/>
+              </a:defRPr>
+            </a:lvl2pPr>
+            <a:lvl3pPr marL="914400" algn="l" defTabSz="914400" rtl="0" eaLnBrk="1" latinLnBrk="0" hangingPunct="1">
+              <a:defRPr sz="1800" kern="1200">
+                <a:solidFill>
+                  <a:schemeClr val="lt1"/>
+                </a:solidFill>
+                <a:latin typeface="+mn-lt"/>
+                <a:ea typeface="+mn-ea"/>
+                <a:cs typeface="+mn-cs"/>
+              </a:defRPr>
+            </a:lvl3pPr>
+            <a:lvl4pPr marL="1371600" algn="l" defTabSz="914400" rtl="0" eaLnBrk="1" latinLnBrk="0" hangingPunct="1">
+              <a:defRPr sz="1800" kern="1200">
+                <a:solidFill>
+                  <a:schemeClr val="lt1"/>
+                </a:solidFill>
+                <a:latin typeface="+mn-lt"/>
+                <a:ea typeface="+mn-ea"/>
+                <a:cs typeface="+mn-cs"/>
+              </a:defRPr>
+            </a:lvl4pPr>
+            <a:lvl5pPr marL="1828800" algn="l" defTabSz="914400" rtl="0" eaLnBrk="1" latinLnBrk="0" hangingPunct="1">
+              <a:defRPr sz="1800" kern="1200">
+                <a:solidFill>
+                  <a:schemeClr val="lt1"/>
+                </a:solidFill>
+                <a:latin typeface="+mn-lt"/>
+                <a:ea typeface="+mn-ea"/>
+                <a:cs typeface="+mn-cs"/>
+              </a:defRPr>
+            </a:lvl5pPr>
+            <a:lvl6pPr marL="2286000" algn="l" defTabSz="914400" rtl="0" eaLnBrk="1" latinLnBrk="0" hangingPunct="1">
+              <a:defRPr sz="1800" kern="1200">
+                <a:solidFill>
+                  <a:schemeClr val="lt1"/>
+                </a:solidFill>
+                <a:latin typeface="+mn-lt"/>
+                <a:ea typeface="+mn-ea"/>
+                <a:cs typeface="+mn-cs"/>
+              </a:defRPr>
+            </a:lvl6pPr>
+            <a:lvl7pPr marL="2743200" algn="l" defTabSz="914400" rtl="0" eaLnBrk="1" latinLnBrk="0" hangingPunct="1">
+              <a:defRPr sz="1800" kern="1200">
+                <a:solidFill>
+                  <a:schemeClr val="lt1"/>
+                </a:solidFill>
+                <a:latin typeface="+mn-lt"/>
+                <a:ea typeface="+mn-ea"/>
+                <a:cs typeface="+mn-cs"/>
+              </a:defRPr>
+            </a:lvl7pPr>
+            <a:lvl8pPr marL="3200400" algn="l" defTabSz="914400" rtl="0" eaLnBrk="1" latinLnBrk="0" hangingPunct="1">
+              <a:defRPr sz="1800" kern="1200">
+                <a:solidFill>
+                  <a:schemeClr val="lt1"/>
+                </a:solidFill>
+                <a:latin typeface="+mn-lt"/>
+                <a:ea typeface="+mn-ea"/>
+                <a:cs typeface="+mn-cs"/>
+              </a:defRPr>
+            </a:lvl8pPr>
+            <a:lvl9pPr marL="3657600" algn="l" defTabSz="914400" rtl="0" eaLnBrk="1" latinLnBrk="0" hangingPunct="1">
+              <a:defRPr sz="1800" kern="1200">
+                <a:solidFill>
+                  <a:schemeClr val="lt1"/>
+                </a:solidFill>
+                <a:latin typeface="+mn-lt"/>
+                <a:ea typeface="+mn-ea"/>
+                <a:cs typeface="+mn-cs"/>
+              </a:defRPr>
+            </a:lvl9pPr>
+          </a:lstStyle>
+          <a:p>
+            <a:pPr algn="ctr"/>
+            <a:r>
+              <a:rPr lang="en-US" sz="5400" dirty="0">
+                <a:solidFill>
+                  <a:schemeClr val="accent4"/>
+                </a:solidFill>
+              </a:rPr>
+              <a:t>A7</a:t>
+            </a:r>
+            <a:endParaRPr lang="en-PH" sz="5400" dirty="0">
+              <a:solidFill>
+                <a:schemeClr val="accent4"/>
+              </a:solidFill>
+            </a:endParaRPr>
+          </a:p>
+        </p:txBody>
+      </p:sp>
+      <p:sp>
+        <p:nvSpPr>
+          <p:cNvPr id="9" name="Rectangle 8">
+            <a:extLst>
+              <a:ext uri="{FF2B5EF4-FFF2-40B4-BE49-F238E27FC236}">
+                <a16:creationId xmlns:a16="http://schemas.microsoft.com/office/drawing/2014/main" id="{2377FF9E-5A39-4A1D-B646-8710D15689FB}"/>
+              </a:ext>
+            </a:extLst>
+          </p:cNvPr>
+          <p:cNvSpPr/>
+          <p:nvPr/>
+        </p:nvSpPr>
+        <p:spPr>
+          <a:xfrm>
+            <a:off x="8931177" y="2759360"/>
+            <a:ext cx="1786597" cy="970671"/>
+          </a:xfrm>
+          <a:prstGeom prst="rect">
+            <a:avLst/>
+          </a:prstGeom>
+          <a:noFill/>
+          <a:ln>
+            <a:noFill/>
+          </a:ln>
+        </p:spPr>
+        <p:style>
+          <a:lnRef idx="2">
+            <a:schemeClr val="accent1">
+              <a:shade val="50000"/>
+            </a:schemeClr>
+          </a:lnRef>
+          <a:fillRef idx="1">
+            <a:schemeClr val="accent1"/>
+          </a:fillRef>
+          <a:effectRef idx="0">
+            <a:schemeClr val="accent1"/>
+          </a:effectRef>
+          <a:fontRef idx="minor">
+            <a:schemeClr val="lt1"/>
+          </a:fontRef>
+        </p:style>
+        <p:txBody>
+          <a:bodyPr rtlCol="0" anchor="ctr"/>
+          <a:lstStyle>
+            <a:defPPr>
+              <a:defRPr lang="en-US"/>
+            </a:defPPr>
+            <a:lvl1pPr marL="0" algn="l" defTabSz="914400" rtl="0" eaLnBrk="1" latinLnBrk="0" hangingPunct="1">
+              <a:defRPr sz="1800" kern="1200">
+                <a:solidFill>
+                  <a:schemeClr val="lt1"/>
+                </a:solidFill>
+                <a:latin typeface="+mn-lt"/>
+                <a:ea typeface="+mn-ea"/>
+                <a:cs typeface="+mn-cs"/>
+              </a:defRPr>
+            </a:lvl1pPr>
+            <a:lvl2pPr marL="457200" algn="l" defTabSz="914400" rtl="0" eaLnBrk="1" latinLnBrk="0" hangingPunct="1">
+              <a:defRPr sz="1800" kern="1200">
+                <a:solidFill>
+                  <a:schemeClr val="lt1"/>
+                </a:solidFill>
+                <a:latin typeface="+mn-lt"/>
+                <a:ea typeface="+mn-ea"/>
+                <a:cs typeface="+mn-cs"/>
+              </a:defRPr>
+            </a:lvl2pPr>
+            <a:lvl3pPr marL="914400" algn="l" defTabSz="914400" rtl="0" eaLnBrk="1" latinLnBrk="0" hangingPunct="1">
+              <a:defRPr sz="1800" kern="1200">
+                <a:solidFill>
+                  <a:schemeClr val="lt1"/>
+                </a:solidFill>
+                <a:latin typeface="+mn-lt"/>
+                <a:ea typeface="+mn-ea"/>
+                <a:cs typeface="+mn-cs"/>
+              </a:defRPr>
+            </a:lvl3pPr>
+            <a:lvl4pPr marL="1371600" algn="l" defTabSz="914400" rtl="0" eaLnBrk="1" latinLnBrk="0" hangingPunct="1">
+              <a:defRPr sz="1800" kern="1200">
+                <a:solidFill>
+                  <a:schemeClr val="lt1"/>
+                </a:solidFill>
+                <a:latin typeface="+mn-lt"/>
+                <a:ea typeface="+mn-ea"/>
+                <a:cs typeface="+mn-cs"/>
+              </a:defRPr>
+            </a:lvl4pPr>
+            <a:lvl5pPr marL="1828800" algn="l" defTabSz="914400" rtl="0" eaLnBrk="1" latinLnBrk="0" hangingPunct="1">
+              <a:defRPr sz="1800" kern="1200">
+                <a:solidFill>
+                  <a:schemeClr val="lt1"/>
+                </a:solidFill>
+                <a:latin typeface="+mn-lt"/>
+                <a:ea typeface="+mn-ea"/>
+                <a:cs typeface="+mn-cs"/>
+              </a:defRPr>
+            </a:lvl5pPr>
+            <a:lvl6pPr marL="2286000" algn="l" defTabSz="914400" rtl="0" eaLnBrk="1" latinLnBrk="0" hangingPunct="1">
+              <a:defRPr sz="1800" kern="1200">
+                <a:solidFill>
+                  <a:schemeClr val="lt1"/>
+                </a:solidFill>
+                <a:latin typeface="+mn-lt"/>
+                <a:ea typeface="+mn-ea"/>
+                <a:cs typeface="+mn-cs"/>
+              </a:defRPr>
+            </a:lvl6pPr>
+            <a:lvl7pPr marL="2743200" algn="l" defTabSz="914400" rtl="0" eaLnBrk="1" latinLnBrk="0" hangingPunct="1">
+              <a:defRPr sz="1800" kern="1200">
+                <a:solidFill>
+                  <a:schemeClr val="lt1"/>
+                </a:solidFill>
+                <a:latin typeface="+mn-lt"/>
+                <a:ea typeface="+mn-ea"/>
+                <a:cs typeface="+mn-cs"/>
+              </a:defRPr>
+            </a:lvl7pPr>
+            <a:lvl8pPr marL="3200400" algn="l" defTabSz="914400" rtl="0" eaLnBrk="1" latinLnBrk="0" hangingPunct="1">
+              <a:defRPr sz="1800" kern="1200">
+                <a:solidFill>
+                  <a:schemeClr val="lt1"/>
+                </a:solidFill>
+                <a:latin typeface="+mn-lt"/>
+                <a:ea typeface="+mn-ea"/>
+                <a:cs typeface="+mn-cs"/>
+              </a:defRPr>
+            </a:lvl8pPr>
+            <a:lvl9pPr marL="3657600" algn="l" defTabSz="914400" rtl="0" eaLnBrk="1" latinLnBrk="0" hangingPunct="1">
+              <a:defRPr sz="1800" kern="1200">
+                <a:solidFill>
+                  <a:schemeClr val="lt1"/>
+                </a:solidFill>
+                <a:latin typeface="+mn-lt"/>
+                <a:ea typeface="+mn-ea"/>
+                <a:cs typeface="+mn-cs"/>
+              </a:defRPr>
+            </a:lvl9pPr>
+          </a:lstStyle>
+          <a:p>
+            <a:pPr algn="ctr"/>
+            <a:r>
+              <a:rPr lang="en-US" sz="5400" dirty="0">
+                <a:solidFill>
+                  <a:schemeClr val="accent4"/>
+                </a:solidFill>
+              </a:rPr>
+              <a:t>D</a:t>
+            </a:r>
+            <a:endParaRPr lang="en-PH" sz="5400" dirty="0">
+              <a:solidFill>
+                <a:schemeClr val="accent4"/>
+              </a:solidFill>
+            </a:endParaRPr>
+          </a:p>
+        </p:txBody>
+      </p:sp>
+      <p:sp>
+        <p:nvSpPr>
+          <p:cNvPr id="10" name="Rectangle 9">
+            <a:extLst>
+              <a:ext uri="{FF2B5EF4-FFF2-40B4-BE49-F238E27FC236}">
+                <a16:creationId xmlns:a16="http://schemas.microsoft.com/office/drawing/2014/main" id="{4BF9A48B-2F75-43DD-B09F-328BA36A731E}"/>
+              </a:ext>
+            </a:extLst>
+          </p:cNvPr>
+          <p:cNvSpPr/>
+          <p:nvPr/>
+        </p:nvSpPr>
+        <p:spPr>
+          <a:xfrm>
+            <a:off x="8123107" y="4120333"/>
+            <a:ext cx="1786597" cy="970671"/>
+          </a:xfrm>
+          <a:prstGeom prst="rect">
+            <a:avLst/>
+          </a:prstGeom>
+          <a:noFill/>
+          <a:ln>
+            <a:noFill/>
+          </a:ln>
+        </p:spPr>
+        <p:style>
+          <a:lnRef idx="2">
+            <a:schemeClr val="accent1">
+              <a:shade val="50000"/>
+            </a:schemeClr>
+          </a:lnRef>
+          <a:fillRef idx="1">
+            <a:schemeClr val="accent1"/>
+          </a:fillRef>
+          <a:effectRef idx="0">
+            <a:schemeClr val="accent1"/>
+          </a:effectRef>
+          <a:fontRef idx="minor">
+            <a:schemeClr val="lt1"/>
+          </a:fontRef>
+        </p:style>
+        <p:txBody>
+          <a:bodyPr rtlCol="0" anchor="ctr"/>
+          <a:lstStyle>
+            <a:defPPr>
+              <a:defRPr lang="en-US"/>
+            </a:defPPr>
+            <a:lvl1pPr marL="0" algn="l" defTabSz="914400" rtl="0" eaLnBrk="1" latinLnBrk="0" hangingPunct="1">
+              <a:defRPr sz="1800" kern="1200">
+                <a:solidFill>
+                  <a:schemeClr val="lt1"/>
+                </a:solidFill>
+                <a:latin typeface="+mn-lt"/>
+                <a:ea typeface="+mn-ea"/>
+                <a:cs typeface="+mn-cs"/>
+              </a:defRPr>
+            </a:lvl1pPr>
+            <a:lvl2pPr marL="457200" algn="l" defTabSz="914400" rtl="0" eaLnBrk="1" latinLnBrk="0" hangingPunct="1">
+              <a:defRPr sz="1800" kern="1200">
+                <a:solidFill>
+                  <a:schemeClr val="lt1"/>
+                </a:solidFill>
+                <a:latin typeface="+mn-lt"/>
+                <a:ea typeface="+mn-ea"/>
+                <a:cs typeface="+mn-cs"/>
+              </a:defRPr>
+            </a:lvl2pPr>
+            <a:lvl3pPr marL="914400" algn="l" defTabSz="914400" rtl="0" eaLnBrk="1" latinLnBrk="0" hangingPunct="1">
+              <a:defRPr sz="1800" kern="1200">
+                <a:solidFill>
+                  <a:schemeClr val="lt1"/>
+                </a:solidFill>
+                <a:latin typeface="+mn-lt"/>
+                <a:ea typeface="+mn-ea"/>
+                <a:cs typeface="+mn-cs"/>
+              </a:defRPr>
+            </a:lvl3pPr>
+            <a:lvl4pPr marL="1371600" algn="l" defTabSz="914400" rtl="0" eaLnBrk="1" latinLnBrk="0" hangingPunct="1">
+              <a:defRPr sz="1800" kern="1200">
+                <a:solidFill>
+                  <a:schemeClr val="lt1"/>
+                </a:solidFill>
+                <a:latin typeface="+mn-lt"/>
+                <a:ea typeface="+mn-ea"/>
+                <a:cs typeface="+mn-cs"/>
+              </a:defRPr>
+            </a:lvl4pPr>
+            <a:lvl5pPr marL="1828800" algn="l" defTabSz="914400" rtl="0" eaLnBrk="1" latinLnBrk="0" hangingPunct="1">
+              <a:defRPr sz="1800" kern="1200">
+                <a:solidFill>
+                  <a:schemeClr val="lt1"/>
+                </a:solidFill>
+                <a:latin typeface="+mn-lt"/>
+                <a:ea typeface="+mn-ea"/>
+                <a:cs typeface="+mn-cs"/>
+              </a:defRPr>
+            </a:lvl5pPr>
+            <a:lvl6pPr marL="2286000" algn="l" defTabSz="914400" rtl="0" eaLnBrk="1" latinLnBrk="0" hangingPunct="1">
+              <a:defRPr sz="1800" kern="1200">
+                <a:solidFill>
+                  <a:schemeClr val="lt1"/>
+                </a:solidFill>
+                <a:latin typeface="+mn-lt"/>
+                <a:ea typeface="+mn-ea"/>
+                <a:cs typeface="+mn-cs"/>
+              </a:defRPr>
+            </a:lvl6pPr>
+            <a:lvl7pPr marL="2743200" algn="l" defTabSz="914400" rtl="0" eaLnBrk="1" latinLnBrk="0" hangingPunct="1">
+              <a:defRPr sz="1800" kern="1200">
+                <a:solidFill>
+                  <a:schemeClr val="lt1"/>
+                </a:solidFill>
+                <a:latin typeface="+mn-lt"/>
+                <a:ea typeface="+mn-ea"/>
+                <a:cs typeface="+mn-cs"/>
+              </a:defRPr>
+            </a:lvl7pPr>
+            <a:lvl8pPr marL="3200400" algn="l" defTabSz="914400" rtl="0" eaLnBrk="1" latinLnBrk="0" hangingPunct="1">
+              <a:defRPr sz="1800" kern="1200">
+                <a:solidFill>
+                  <a:schemeClr val="lt1"/>
+                </a:solidFill>
+                <a:latin typeface="+mn-lt"/>
+                <a:ea typeface="+mn-ea"/>
+                <a:cs typeface="+mn-cs"/>
+              </a:defRPr>
+            </a:lvl8pPr>
+            <a:lvl9pPr marL="3657600" algn="l" defTabSz="914400" rtl="0" eaLnBrk="1" latinLnBrk="0" hangingPunct="1">
+              <a:defRPr sz="1800" kern="1200">
+                <a:solidFill>
+                  <a:schemeClr val="lt1"/>
+                </a:solidFill>
+                <a:latin typeface="+mn-lt"/>
+                <a:ea typeface="+mn-ea"/>
+                <a:cs typeface="+mn-cs"/>
+              </a:defRPr>
+            </a:lvl9pPr>
+          </a:lstStyle>
+          <a:p>
+            <a:pPr algn="ctr"/>
+            <a:r>
+              <a:rPr lang="en-US" sz="5400" dirty="0">
+                <a:solidFill>
+                  <a:schemeClr val="accent4"/>
+                </a:solidFill>
+              </a:rPr>
+              <a:t>A</a:t>
+            </a:r>
+            <a:endParaRPr lang="en-PH" sz="5400" dirty="0">
+              <a:solidFill>
+                <a:schemeClr val="accent4"/>
+              </a:solidFill>
+            </a:endParaRPr>
+          </a:p>
+        </p:txBody>
+      </p:sp>
     </p:spTree>
     <p:extLst>
       <p:ext uri="{BB962C8B-B14F-4D97-AF65-F5344CB8AC3E}">
-        <p14:creationId xmlns:p14="http://schemas.microsoft.com/office/powerpoint/2010/main" val="2873787936"/>
+        <p14:creationId xmlns:p14="http://schemas.microsoft.com/office/powerpoint/2010/main" val="2788627470"/>
       </p:ext>
     </p:extLst>
   </p:cSld>
@@ -3968,15 +10305,1263 @@
                 <a:latin typeface="Times New Roman" panose="02020603050405020304" pitchFamily="18" charset="0"/>
                 <a:cs typeface="Times New Roman" panose="02020603050405020304" pitchFamily="18" charset="0"/>
               </a:rPr>
-              <a:t> to light, from death to new life, and praise to the morning that brings forth the sun,</a:t>
-            </a:r>
+              <a:t> to light, from death to new life, and praise to the morning that brings forth the sin,</a:t>
+            </a:r>
+          </a:p>
+        </p:txBody>
+      </p:sp>
+      <p:sp>
+        <p:nvSpPr>
+          <p:cNvPr id="3" name="Rectangle 2">
+            <a:extLst>
+              <a:ext uri="{FF2B5EF4-FFF2-40B4-BE49-F238E27FC236}">
+                <a16:creationId xmlns:a16="http://schemas.microsoft.com/office/drawing/2014/main" id="{37398EE2-F8BB-4EEB-B14B-E73309427201}"/>
+              </a:ext>
+            </a:extLst>
+          </p:cNvPr>
+          <p:cNvSpPr/>
+          <p:nvPr/>
+        </p:nvSpPr>
+        <p:spPr>
+          <a:xfrm>
+            <a:off x="3462508" y="-178755"/>
+            <a:ext cx="1786597" cy="970671"/>
+          </a:xfrm>
+          <a:prstGeom prst="rect">
+            <a:avLst/>
+          </a:prstGeom>
+          <a:noFill/>
+          <a:ln>
+            <a:noFill/>
+          </a:ln>
+        </p:spPr>
+        <p:style>
+          <a:lnRef idx="2">
+            <a:schemeClr val="accent1">
+              <a:shade val="50000"/>
+            </a:schemeClr>
+          </a:lnRef>
+          <a:fillRef idx="1">
+            <a:schemeClr val="accent1"/>
+          </a:fillRef>
+          <a:effectRef idx="0">
+            <a:schemeClr val="accent1"/>
+          </a:effectRef>
+          <a:fontRef idx="minor">
+            <a:schemeClr val="lt1"/>
+          </a:fontRef>
+        </p:style>
+        <p:txBody>
+          <a:bodyPr rtlCol="0" anchor="ctr"/>
+          <a:lstStyle>
+            <a:defPPr>
+              <a:defRPr lang="en-US"/>
+            </a:defPPr>
+            <a:lvl1pPr marL="0" algn="l" defTabSz="914400" rtl="0" eaLnBrk="1" latinLnBrk="0" hangingPunct="1">
+              <a:defRPr sz="1800" kern="1200">
+                <a:solidFill>
+                  <a:schemeClr val="lt1"/>
+                </a:solidFill>
+                <a:latin typeface="+mn-lt"/>
+                <a:ea typeface="+mn-ea"/>
+                <a:cs typeface="+mn-cs"/>
+              </a:defRPr>
+            </a:lvl1pPr>
+            <a:lvl2pPr marL="457200" algn="l" defTabSz="914400" rtl="0" eaLnBrk="1" latinLnBrk="0" hangingPunct="1">
+              <a:defRPr sz="1800" kern="1200">
+                <a:solidFill>
+                  <a:schemeClr val="lt1"/>
+                </a:solidFill>
+                <a:latin typeface="+mn-lt"/>
+                <a:ea typeface="+mn-ea"/>
+                <a:cs typeface="+mn-cs"/>
+              </a:defRPr>
+            </a:lvl2pPr>
+            <a:lvl3pPr marL="914400" algn="l" defTabSz="914400" rtl="0" eaLnBrk="1" latinLnBrk="0" hangingPunct="1">
+              <a:defRPr sz="1800" kern="1200">
+                <a:solidFill>
+                  <a:schemeClr val="lt1"/>
+                </a:solidFill>
+                <a:latin typeface="+mn-lt"/>
+                <a:ea typeface="+mn-ea"/>
+                <a:cs typeface="+mn-cs"/>
+              </a:defRPr>
+            </a:lvl3pPr>
+            <a:lvl4pPr marL="1371600" algn="l" defTabSz="914400" rtl="0" eaLnBrk="1" latinLnBrk="0" hangingPunct="1">
+              <a:defRPr sz="1800" kern="1200">
+                <a:solidFill>
+                  <a:schemeClr val="lt1"/>
+                </a:solidFill>
+                <a:latin typeface="+mn-lt"/>
+                <a:ea typeface="+mn-ea"/>
+                <a:cs typeface="+mn-cs"/>
+              </a:defRPr>
+            </a:lvl4pPr>
+            <a:lvl5pPr marL="1828800" algn="l" defTabSz="914400" rtl="0" eaLnBrk="1" latinLnBrk="0" hangingPunct="1">
+              <a:defRPr sz="1800" kern="1200">
+                <a:solidFill>
+                  <a:schemeClr val="lt1"/>
+                </a:solidFill>
+                <a:latin typeface="+mn-lt"/>
+                <a:ea typeface="+mn-ea"/>
+                <a:cs typeface="+mn-cs"/>
+              </a:defRPr>
+            </a:lvl5pPr>
+            <a:lvl6pPr marL="2286000" algn="l" defTabSz="914400" rtl="0" eaLnBrk="1" latinLnBrk="0" hangingPunct="1">
+              <a:defRPr sz="1800" kern="1200">
+                <a:solidFill>
+                  <a:schemeClr val="lt1"/>
+                </a:solidFill>
+                <a:latin typeface="+mn-lt"/>
+                <a:ea typeface="+mn-ea"/>
+                <a:cs typeface="+mn-cs"/>
+              </a:defRPr>
+            </a:lvl6pPr>
+            <a:lvl7pPr marL="2743200" algn="l" defTabSz="914400" rtl="0" eaLnBrk="1" latinLnBrk="0" hangingPunct="1">
+              <a:defRPr sz="1800" kern="1200">
+                <a:solidFill>
+                  <a:schemeClr val="lt1"/>
+                </a:solidFill>
+                <a:latin typeface="+mn-lt"/>
+                <a:ea typeface="+mn-ea"/>
+                <a:cs typeface="+mn-cs"/>
+              </a:defRPr>
+            </a:lvl7pPr>
+            <a:lvl8pPr marL="3200400" algn="l" defTabSz="914400" rtl="0" eaLnBrk="1" latinLnBrk="0" hangingPunct="1">
+              <a:defRPr sz="1800" kern="1200">
+                <a:solidFill>
+                  <a:schemeClr val="lt1"/>
+                </a:solidFill>
+                <a:latin typeface="+mn-lt"/>
+                <a:ea typeface="+mn-ea"/>
+                <a:cs typeface="+mn-cs"/>
+              </a:defRPr>
+            </a:lvl8pPr>
+            <a:lvl9pPr marL="3657600" algn="l" defTabSz="914400" rtl="0" eaLnBrk="1" latinLnBrk="0" hangingPunct="1">
+              <a:defRPr sz="1800" kern="1200">
+                <a:solidFill>
+                  <a:schemeClr val="lt1"/>
+                </a:solidFill>
+                <a:latin typeface="+mn-lt"/>
+                <a:ea typeface="+mn-ea"/>
+                <a:cs typeface="+mn-cs"/>
+              </a:defRPr>
+            </a:lvl9pPr>
+          </a:lstStyle>
+          <a:p>
+            <a:pPr algn="ctr"/>
+            <a:r>
+              <a:rPr lang="en-US" sz="5400" dirty="0">
+                <a:solidFill>
+                  <a:schemeClr val="accent4"/>
+                </a:solidFill>
+              </a:rPr>
+              <a:t>D</a:t>
+            </a:r>
+            <a:endParaRPr lang="en-PH" sz="5400" dirty="0">
+              <a:solidFill>
+                <a:schemeClr val="accent4"/>
+              </a:solidFill>
+            </a:endParaRPr>
+          </a:p>
+        </p:txBody>
+      </p:sp>
+      <p:sp>
+        <p:nvSpPr>
+          <p:cNvPr id="4" name="Rectangle 3">
+            <a:extLst>
+              <a:ext uri="{FF2B5EF4-FFF2-40B4-BE49-F238E27FC236}">
+                <a16:creationId xmlns:a16="http://schemas.microsoft.com/office/drawing/2014/main" id="{001CA0BA-9866-49E1-BD7E-CE107CD27812}"/>
+              </a:ext>
+            </a:extLst>
+          </p:cNvPr>
+          <p:cNvSpPr/>
+          <p:nvPr/>
+        </p:nvSpPr>
+        <p:spPr>
+          <a:xfrm>
+            <a:off x="9012702" y="-221291"/>
+            <a:ext cx="1786597" cy="970671"/>
+          </a:xfrm>
+          <a:prstGeom prst="rect">
+            <a:avLst/>
+          </a:prstGeom>
+          <a:noFill/>
+          <a:ln>
+            <a:noFill/>
+          </a:ln>
+        </p:spPr>
+        <p:style>
+          <a:lnRef idx="2">
+            <a:schemeClr val="accent1">
+              <a:shade val="50000"/>
+            </a:schemeClr>
+          </a:lnRef>
+          <a:fillRef idx="1">
+            <a:schemeClr val="accent1"/>
+          </a:fillRef>
+          <a:effectRef idx="0">
+            <a:schemeClr val="accent1"/>
+          </a:effectRef>
+          <a:fontRef idx="minor">
+            <a:schemeClr val="lt1"/>
+          </a:fontRef>
+        </p:style>
+        <p:txBody>
+          <a:bodyPr rtlCol="0" anchor="ctr"/>
+          <a:lstStyle>
+            <a:defPPr>
+              <a:defRPr lang="en-US"/>
+            </a:defPPr>
+            <a:lvl1pPr marL="0" algn="l" defTabSz="914400" rtl="0" eaLnBrk="1" latinLnBrk="0" hangingPunct="1">
+              <a:defRPr sz="1800" kern="1200">
+                <a:solidFill>
+                  <a:schemeClr val="lt1"/>
+                </a:solidFill>
+                <a:latin typeface="+mn-lt"/>
+                <a:ea typeface="+mn-ea"/>
+                <a:cs typeface="+mn-cs"/>
+              </a:defRPr>
+            </a:lvl1pPr>
+            <a:lvl2pPr marL="457200" algn="l" defTabSz="914400" rtl="0" eaLnBrk="1" latinLnBrk="0" hangingPunct="1">
+              <a:defRPr sz="1800" kern="1200">
+                <a:solidFill>
+                  <a:schemeClr val="lt1"/>
+                </a:solidFill>
+                <a:latin typeface="+mn-lt"/>
+                <a:ea typeface="+mn-ea"/>
+                <a:cs typeface="+mn-cs"/>
+              </a:defRPr>
+            </a:lvl2pPr>
+            <a:lvl3pPr marL="914400" algn="l" defTabSz="914400" rtl="0" eaLnBrk="1" latinLnBrk="0" hangingPunct="1">
+              <a:defRPr sz="1800" kern="1200">
+                <a:solidFill>
+                  <a:schemeClr val="lt1"/>
+                </a:solidFill>
+                <a:latin typeface="+mn-lt"/>
+                <a:ea typeface="+mn-ea"/>
+                <a:cs typeface="+mn-cs"/>
+              </a:defRPr>
+            </a:lvl3pPr>
+            <a:lvl4pPr marL="1371600" algn="l" defTabSz="914400" rtl="0" eaLnBrk="1" latinLnBrk="0" hangingPunct="1">
+              <a:defRPr sz="1800" kern="1200">
+                <a:solidFill>
+                  <a:schemeClr val="lt1"/>
+                </a:solidFill>
+                <a:latin typeface="+mn-lt"/>
+                <a:ea typeface="+mn-ea"/>
+                <a:cs typeface="+mn-cs"/>
+              </a:defRPr>
+            </a:lvl4pPr>
+            <a:lvl5pPr marL="1828800" algn="l" defTabSz="914400" rtl="0" eaLnBrk="1" latinLnBrk="0" hangingPunct="1">
+              <a:defRPr sz="1800" kern="1200">
+                <a:solidFill>
+                  <a:schemeClr val="lt1"/>
+                </a:solidFill>
+                <a:latin typeface="+mn-lt"/>
+                <a:ea typeface="+mn-ea"/>
+                <a:cs typeface="+mn-cs"/>
+              </a:defRPr>
+            </a:lvl5pPr>
+            <a:lvl6pPr marL="2286000" algn="l" defTabSz="914400" rtl="0" eaLnBrk="1" latinLnBrk="0" hangingPunct="1">
+              <a:defRPr sz="1800" kern="1200">
+                <a:solidFill>
+                  <a:schemeClr val="lt1"/>
+                </a:solidFill>
+                <a:latin typeface="+mn-lt"/>
+                <a:ea typeface="+mn-ea"/>
+                <a:cs typeface="+mn-cs"/>
+              </a:defRPr>
+            </a:lvl6pPr>
+            <a:lvl7pPr marL="2743200" algn="l" defTabSz="914400" rtl="0" eaLnBrk="1" latinLnBrk="0" hangingPunct="1">
+              <a:defRPr sz="1800" kern="1200">
+                <a:solidFill>
+                  <a:schemeClr val="lt1"/>
+                </a:solidFill>
+                <a:latin typeface="+mn-lt"/>
+                <a:ea typeface="+mn-ea"/>
+                <a:cs typeface="+mn-cs"/>
+              </a:defRPr>
+            </a:lvl7pPr>
+            <a:lvl8pPr marL="3200400" algn="l" defTabSz="914400" rtl="0" eaLnBrk="1" latinLnBrk="0" hangingPunct="1">
+              <a:defRPr sz="1800" kern="1200">
+                <a:solidFill>
+                  <a:schemeClr val="lt1"/>
+                </a:solidFill>
+                <a:latin typeface="+mn-lt"/>
+                <a:ea typeface="+mn-ea"/>
+                <a:cs typeface="+mn-cs"/>
+              </a:defRPr>
+            </a:lvl8pPr>
+            <a:lvl9pPr marL="3657600" algn="l" defTabSz="914400" rtl="0" eaLnBrk="1" latinLnBrk="0" hangingPunct="1">
+              <a:defRPr sz="1800" kern="1200">
+                <a:solidFill>
+                  <a:schemeClr val="lt1"/>
+                </a:solidFill>
+                <a:latin typeface="+mn-lt"/>
+                <a:ea typeface="+mn-ea"/>
+                <a:cs typeface="+mn-cs"/>
+              </a:defRPr>
+            </a:lvl9pPr>
+          </a:lstStyle>
+          <a:p>
+            <a:pPr algn="ctr"/>
+            <a:r>
+              <a:rPr lang="en-US" sz="5400" dirty="0">
+                <a:solidFill>
+                  <a:schemeClr val="accent4"/>
+                </a:solidFill>
+              </a:rPr>
+              <a:t>A</a:t>
+            </a:r>
+            <a:endParaRPr lang="en-PH" sz="5400" dirty="0">
+              <a:solidFill>
+                <a:schemeClr val="accent4"/>
+              </a:solidFill>
+            </a:endParaRPr>
+          </a:p>
+        </p:txBody>
+      </p:sp>
+      <p:sp>
+        <p:nvSpPr>
+          <p:cNvPr id="5" name="Rectangle 4">
+            <a:extLst>
+              <a:ext uri="{FF2B5EF4-FFF2-40B4-BE49-F238E27FC236}">
+                <a16:creationId xmlns:a16="http://schemas.microsoft.com/office/drawing/2014/main" id="{D8743A69-B7FC-4986-9D32-F76D63F2AA0A}"/>
+              </a:ext>
+            </a:extLst>
+          </p:cNvPr>
+          <p:cNvSpPr/>
+          <p:nvPr/>
+        </p:nvSpPr>
+        <p:spPr>
+          <a:xfrm>
+            <a:off x="4376902" y="1054615"/>
+            <a:ext cx="1786597" cy="970671"/>
+          </a:xfrm>
+          <a:prstGeom prst="rect">
+            <a:avLst/>
+          </a:prstGeom>
+          <a:noFill/>
+          <a:ln>
+            <a:noFill/>
+          </a:ln>
+        </p:spPr>
+        <p:style>
+          <a:lnRef idx="2">
+            <a:schemeClr val="accent1">
+              <a:shade val="50000"/>
+            </a:schemeClr>
+          </a:lnRef>
+          <a:fillRef idx="1">
+            <a:schemeClr val="accent1"/>
+          </a:fillRef>
+          <a:effectRef idx="0">
+            <a:schemeClr val="accent1"/>
+          </a:effectRef>
+          <a:fontRef idx="minor">
+            <a:schemeClr val="lt1"/>
+          </a:fontRef>
+        </p:style>
+        <p:txBody>
+          <a:bodyPr rtlCol="0" anchor="ctr"/>
+          <a:lstStyle>
+            <a:defPPr>
+              <a:defRPr lang="en-US"/>
+            </a:defPPr>
+            <a:lvl1pPr marL="0" algn="l" defTabSz="914400" rtl="0" eaLnBrk="1" latinLnBrk="0" hangingPunct="1">
+              <a:defRPr sz="1800" kern="1200">
+                <a:solidFill>
+                  <a:schemeClr val="lt1"/>
+                </a:solidFill>
+                <a:latin typeface="+mn-lt"/>
+                <a:ea typeface="+mn-ea"/>
+                <a:cs typeface="+mn-cs"/>
+              </a:defRPr>
+            </a:lvl1pPr>
+            <a:lvl2pPr marL="457200" algn="l" defTabSz="914400" rtl="0" eaLnBrk="1" latinLnBrk="0" hangingPunct="1">
+              <a:defRPr sz="1800" kern="1200">
+                <a:solidFill>
+                  <a:schemeClr val="lt1"/>
+                </a:solidFill>
+                <a:latin typeface="+mn-lt"/>
+                <a:ea typeface="+mn-ea"/>
+                <a:cs typeface="+mn-cs"/>
+              </a:defRPr>
+            </a:lvl2pPr>
+            <a:lvl3pPr marL="914400" algn="l" defTabSz="914400" rtl="0" eaLnBrk="1" latinLnBrk="0" hangingPunct="1">
+              <a:defRPr sz="1800" kern="1200">
+                <a:solidFill>
+                  <a:schemeClr val="lt1"/>
+                </a:solidFill>
+                <a:latin typeface="+mn-lt"/>
+                <a:ea typeface="+mn-ea"/>
+                <a:cs typeface="+mn-cs"/>
+              </a:defRPr>
+            </a:lvl3pPr>
+            <a:lvl4pPr marL="1371600" algn="l" defTabSz="914400" rtl="0" eaLnBrk="1" latinLnBrk="0" hangingPunct="1">
+              <a:defRPr sz="1800" kern="1200">
+                <a:solidFill>
+                  <a:schemeClr val="lt1"/>
+                </a:solidFill>
+                <a:latin typeface="+mn-lt"/>
+                <a:ea typeface="+mn-ea"/>
+                <a:cs typeface="+mn-cs"/>
+              </a:defRPr>
+            </a:lvl4pPr>
+            <a:lvl5pPr marL="1828800" algn="l" defTabSz="914400" rtl="0" eaLnBrk="1" latinLnBrk="0" hangingPunct="1">
+              <a:defRPr sz="1800" kern="1200">
+                <a:solidFill>
+                  <a:schemeClr val="lt1"/>
+                </a:solidFill>
+                <a:latin typeface="+mn-lt"/>
+                <a:ea typeface="+mn-ea"/>
+                <a:cs typeface="+mn-cs"/>
+              </a:defRPr>
+            </a:lvl5pPr>
+            <a:lvl6pPr marL="2286000" algn="l" defTabSz="914400" rtl="0" eaLnBrk="1" latinLnBrk="0" hangingPunct="1">
+              <a:defRPr sz="1800" kern="1200">
+                <a:solidFill>
+                  <a:schemeClr val="lt1"/>
+                </a:solidFill>
+                <a:latin typeface="+mn-lt"/>
+                <a:ea typeface="+mn-ea"/>
+                <a:cs typeface="+mn-cs"/>
+              </a:defRPr>
+            </a:lvl6pPr>
+            <a:lvl7pPr marL="2743200" algn="l" defTabSz="914400" rtl="0" eaLnBrk="1" latinLnBrk="0" hangingPunct="1">
+              <a:defRPr sz="1800" kern="1200">
+                <a:solidFill>
+                  <a:schemeClr val="lt1"/>
+                </a:solidFill>
+                <a:latin typeface="+mn-lt"/>
+                <a:ea typeface="+mn-ea"/>
+                <a:cs typeface="+mn-cs"/>
+              </a:defRPr>
+            </a:lvl7pPr>
+            <a:lvl8pPr marL="3200400" algn="l" defTabSz="914400" rtl="0" eaLnBrk="1" latinLnBrk="0" hangingPunct="1">
+              <a:defRPr sz="1800" kern="1200">
+                <a:solidFill>
+                  <a:schemeClr val="lt1"/>
+                </a:solidFill>
+                <a:latin typeface="+mn-lt"/>
+                <a:ea typeface="+mn-ea"/>
+                <a:cs typeface="+mn-cs"/>
+              </a:defRPr>
+            </a:lvl8pPr>
+            <a:lvl9pPr marL="3657600" algn="l" defTabSz="914400" rtl="0" eaLnBrk="1" latinLnBrk="0" hangingPunct="1">
+              <a:defRPr sz="1800" kern="1200">
+                <a:solidFill>
+                  <a:schemeClr val="lt1"/>
+                </a:solidFill>
+                <a:latin typeface="+mn-lt"/>
+                <a:ea typeface="+mn-ea"/>
+                <a:cs typeface="+mn-cs"/>
+              </a:defRPr>
+            </a:lvl9pPr>
+          </a:lstStyle>
+          <a:p>
+            <a:pPr algn="ctr"/>
+            <a:r>
+              <a:rPr lang="en-US" sz="5400" dirty="0" err="1">
+                <a:solidFill>
+                  <a:schemeClr val="accent4"/>
+                </a:solidFill>
+              </a:rPr>
+              <a:t>B#m</a:t>
+            </a:r>
+            <a:endParaRPr lang="en-PH" sz="5400" dirty="0">
+              <a:solidFill>
+                <a:schemeClr val="accent4"/>
+              </a:solidFill>
+            </a:endParaRPr>
+          </a:p>
+        </p:txBody>
+      </p:sp>
+      <p:sp>
+        <p:nvSpPr>
+          <p:cNvPr id="7" name="Rectangle 6">
+            <a:extLst>
+              <a:ext uri="{FF2B5EF4-FFF2-40B4-BE49-F238E27FC236}">
+                <a16:creationId xmlns:a16="http://schemas.microsoft.com/office/drawing/2014/main" id="{0CAE1480-7E9F-4C20-A1BE-66394E5921CB}"/>
+              </a:ext>
+            </a:extLst>
+          </p:cNvPr>
+          <p:cNvSpPr/>
+          <p:nvPr/>
+        </p:nvSpPr>
+        <p:spPr>
+          <a:xfrm>
+            <a:off x="9523064" y="1033350"/>
+            <a:ext cx="1786597" cy="970671"/>
+          </a:xfrm>
+          <a:prstGeom prst="rect">
+            <a:avLst/>
+          </a:prstGeom>
+          <a:noFill/>
+          <a:ln>
+            <a:noFill/>
+          </a:ln>
+        </p:spPr>
+        <p:style>
+          <a:lnRef idx="2">
+            <a:schemeClr val="accent1">
+              <a:shade val="50000"/>
+            </a:schemeClr>
+          </a:lnRef>
+          <a:fillRef idx="1">
+            <a:schemeClr val="accent1"/>
+          </a:fillRef>
+          <a:effectRef idx="0">
+            <a:schemeClr val="accent1"/>
+          </a:effectRef>
+          <a:fontRef idx="minor">
+            <a:schemeClr val="lt1"/>
+          </a:fontRef>
+        </p:style>
+        <p:txBody>
+          <a:bodyPr rtlCol="0" anchor="ctr"/>
+          <a:lstStyle>
+            <a:defPPr>
+              <a:defRPr lang="en-US"/>
+            </a:defPPr>
+            <a:lvl1pPr marL="0" algn="l" defTabSz="914400" rtl="0" eaLnBrk="1" latinLnBrk="0" hangingPunct="1">
+              <a:defRPr sz="1800" kern="1200">
+                <a:solidFill>
+                  <a:schemeClr val="lt1"/>
+                </a:solidFill>
+                <a:latin typeface="+mn-lt"/>
+                <a:ea typeface="+mn-ea"/>
+                <a:cs typeface="+mn-cs"/>
+              </a:defRPr>
+            </a:lvl1pPr>
+            <a:lvl2pPr marL="457200" algn="l" defTabSz="914400" rtl="0" eaLnBrk="1" latinLnBrk="0" hangingPunct="1">
+              <a:defRPr sz="1800" kern="1200">
+                <a:solidFill>
+                  <a:schemeClr val="lt1"/>
+                </a:solidFill>
+                <a:latin typeface="+mn-lt"/>
+                <a:ea typeface="+mn-ea"/>
+                <a:cs typeface="+mn-cs"/>
+              </a:defRPr>
+            </a:lvl2pPr>
+            <a:lvl3pPr marL="914400" algn="l" defTabSz="914400" rtl="0" eaLnBrk="1" latinLnBrk="0" hangingPunct="1">
+              <a:defRPr sz="1800" kern="1200">
+                <a:solidFill>
+                  <a:schemeClr val="lt1"/>
+                </a:solidFill>
+                <a:latin typeface="+mn-lt"/>
+                <a:ea typeface="+mn-ea"/>
+                <a:cs typeface="+mn-cs"/>
+              </a:defRPr>
+            </a:lvl3pPr>
+            <a:lvl4pPr marL="1371600" algn="l" defTabSz="914400" rtl="0" eaLnBrk="1" latinLnBrk="0" hangingPunct="1">
+              <a:defRPr sz="1800" kern="1200">
+                <a:solidFill>
+                  <a:schemeClr val="lt1"/>
+                </a:solidFill>
+                <a:latin typeface="+mn-lt"/>
+                <a:ea typeface="+mn-ea"/>
+                <a:cs typeface="+mn-cs"/>
+              </a:defRPr>
+            </a:lvl4pPr>
+            <a:lvl5pPr marL="1828800" algn="l" defTabSz="914400" rtl="0" eaLnBrk="1" latinLnBrk="0" hangingPunct="1">
+              <a:defRPr sz="1800" kern="1200">
+                <a:solidFill>
+                  <a:schemeClr val="lt1"/>
+                </a:solidFill>
+                <a:latin typeface="+mn-lt"/>
+                <a:ea typeface="+mn-ea"/>
+                <a:cs typeface="+mn-cs"/>
+              </a:defRPr>
+            </a:lvl5pPr>
+            <a:lvl6pPr marL="2286000" algn="l" defTabSz="914400" rtl="0" eaLnBrk="1" latinLnBrk="0" hangingPunct="1">
+              <a:defRPr sz="1800" kern="1200">
+                <a:solidFill>
+                  <a:schemeClr val="lt1"/>
+                </a:solidFill>
+                <a:latin typeface="+mn-lt"/>
+                <a:ea typeface="+mn-ea"/>
+                <a:cs typeface="+mn-cs"/>
+              </a:defRPr>
+            </a:lvl6pPr>
+            <a:lvl7pPr marL="2743200" algn="l" defTabSz="914400" rtl="0" eaLnBrk="1" latinLnBrk="0" hangingPunct="1">
+              <a:defRPr sz="1800" kern="1200">
+                <a:solidFill>
+                  <a:schemeClr val="lt1"/>
+                </a:solidFill>
+                <a:latin typeface="+mn-lt"/>
+                <a:ea typeface="+mn-ea"/>
+                <a:cs typeface="+mn-cs"/>
+              </a:defRPr>
+            </a:lvl7pPr>
+            <a:lvl8pPr marL="3200400" algn="l" defTabSz="914400" rtl="0" eaLnBrk="1" latinLnBrk="0" hangingPunct="1">
+              <a:defRPr sz="1800" kern="1200">
+                <a:solidFill>
+                  <a:schemeClr val="lt1"/>
+                </a:solidFill>
+                <a:latin typeface="+mn-lt"/>
+                <a:ea typeface="+mn-ea"/>
+                <a:cs typeface="+mn-cs"/>
+              </a:defRPr>
+            </a:lvl8pPr>
+            <a:lvl9pPr marL="3657600" algn="l" defTabSz="914400" rtl="0" eaLnBrk="1" latinLnBrk="0" hangingPunct="1">
+              <a:defRPr sz="1800" kern="1200">
+                <a:solidFill>
+                  <a:schemeClr val="lt1"/>
+                </a:solidFill>
+                <a:latin typeface="+mn-lt"/>
+                <a:ea typeface="+mn-ea"/>
+                <a:cs typeface="+mn-cs"/>
+              </a:defRPr>
+            </a:lvl9pPr>
+          </a:lstStyle>
+          <a:p>
+            <a:pPr algn="ctr"/>
+            <a:r>
+              <a:rPr lang="en-US" sz="5400" dirty="0">
+                <a:solidFill>
+                  <a:schemeClr val="accent4"/>
+                </a:solidFill>
+              </a:rPr>
+              <a:t>E</a:t>
+            </a:r>
+            <a:endParaRPr lang="en-PH" sz="5400" dirty="0">
+              <a:solidFill>
+                <a:schemeClr val="accent4"/>
+              </a:solidFill>
+            </a:endParaRPr>
+          </a:p>
+        </p:txBody>
+      </p:sp>
+      <p:sp>
+        <p:nvSpPr>
+          <p:cNvPr id="8" name="Rectangle 7">
+            <a:extLst>
+              <a:ext uri="{FF2B5EF4-FFF2-40B4-BE49-F238E27FC236}">
+                <a16:creationId xmlns:a16="http://schemas.microsoft.com/office/drawing/2014/main" id="{6EDFA484-B302-4875-81C9-B96A53BD2F1A}"/>
+              </a:ext>
+            </a:extLst>
+          </p:cNvPr>
+          <p:cNvSpPr/>
+          <p:nvPr/>
+        </p:nvSpPr>
+        <p:spPr>
+          <a:xfrm>
+            <a:off x="4525768" y="2500636"/>
+            <a:ext cx="1786597" cy="970671"/>
+          </a:xfrm>
+          <a:prstGeom prst="rect">
+            <a:avLst/>
+          </a:prstGeom>
+          <a:noFill/>
+          <a:ln>
+            <a:noFill/>
+          </a:ln>
+        </p:spPr>
+        <p:style>
+          <a:lnRef idx="2">
+            <a:schemeClr val="accent1">
+              <a:shade val="50000"/>
+            </a:schemeClr>
+          </a:lnRef>
+          <a:fillRef idx="1">
+            <a:schemeClr val="accent1"/>
+          </a:fillRef>
+          <a:effectRef idx="0">
+            <a:schemeClr val="accent1"/>
+          </a:effectRef>
+          <a:fontRef idx="minor">
+            <a:schemeClr val="lt1"/>
+          </a:fontRef>
+        </p:style>
+        <p:txBody>
+          <a:bodyPr rtlCol="0" anchor="ctr"/>
+          <a:lstStyle>
+            <a:defPPr>
+              <a:defRPr lang="en-US"/>
+            </a:defPPr>
+            <a:lvl1pPr marL="0" algn="l" defTabSz="914400" rtl="0" eaLnBrk="1" latinLnBrk="0" hangingPunct="1">
+              <a:defRPr sz="1800" kern="1200">
+                <a:solidFill>
+                  <a:schemeClr val="lt1"/>
+                </a:solidFill>
+                <a:latin typeface="+mn-lt"/>
+                <a:ea typeface="+mn-ea"/>
+                <a:cs typeface="+mn-cs"/>
+              </a:defRPr>
+            </a:lvl1pPr>
+            <a:lvl2pPr marL="457200" algn="l" defTabSz="914400" rtl="0" eaLnBrk="1" latinLnBrk="0" hangingPunct="1">
+              <a:defRPr sz="1800" kern="1200">
+                <a:solidFill>
+                  <a:schemeClr val="lt1"/>
+                </a:solidFill>
+                <a:latin typeface="+mn-lt"/>
+                <a:ea typeface="+mn-ea"/>
+                <a:cs typeface="+mn-cs"/>
+              </a:defRPr>
+            </a:lvl2pPr>
+            <a:lvl3pPr marL="914400" algn="l" defTabSz="914400" rtl="0" eaLnBrk="1" latinLnBrk="0" hangingPunct="1">
+              <a:defRPr sz="1800" kern="1200">
+                <a:solidFill>
+                  <a:schemeClr val="lt1"/>
+                </a:solidFill>
+                <a:latin typeface="+mn-lt"/>
+                <a:ea typeface="+mn-ea"/>
+                <a:cs typeface="+mn-cs"/>
+              </a:defRPr>
+            </a:lvl3pPr>
+            <a:lvl4pPr marL="1371600" algn="l" defTabSz="914400" rtl="0" eaLnBrk="1" latinLnBrk="0" hangingPunct="1">
+              <a:defRPr sz="1800" kern="1200">
+                <a:solidFill>
+                  <a:schemeClr val="lt1"/>
+                </a:solidFill>
+                <a:latin typeface="+mn-lt"/>
+                <a:ea typeface="+mn-ea"/>
+                <a:cs typeface="+mn-cs"/>
+              </a:defRPr>
+            </a:lvl4pPr>
+            <a:lvl5pPr marL="1828800" algn="l" defTabSz="914400" rtl="0" eaLnBrk="1" latinLnBrk="0" hangingPunct="1">
+              <a:defRPr sz="1800" kern="1200">
+                <a:solidFill>
+                  <a:schemeClr val="lt1"/>
+                </a:solidFill>
+                <a:latin typeface="+mn-lt"/>
+                <a:ea typeface="+mn-ea"/>
+                <a:cs typeface="+mn-cs"/>
+              </a:defRPr>
+            </a:lvl5pPr>
+            <a:lvl6pPr marL="2286000" algn="l" defTabSz="914400" rtl="0" eaLnBrk="1" latinLnBrk="0" hangingPunct="1">
+              <a:defRPr sz="1800" kern="1200">
+                <a:solidFill>
+                  <a:schemeClr val="lt1"/>
+                </a:solidFill>
+                <a:latin typeface="+mn-lt"/>
+                <a:ea typeface="+mn-ea"/>
+                <a:cs typeface="+mn-cs"/>
+              </a:defRPr>
+            </a:lvl6pPr>
+            <a:lvl7pPr marL="2743200" algn="l" defTabSz="914400" rtl="0" eaLnBrk="1" latinLnBrk="0" hangingPunct="1">
+              <a:defRPr sz="1800" kern="1200">
+                <a:solidFill>
+                  <a:schemeClr val="lt1"/>
+                </a:solidFill>
+                <a:latin typeface="+mn-lt"/>
+                <a:ea typeface="+mn-ea"/>
+                <a:cs typeface="+mn-cs"/>
+              </a:defRPr>
+            </a:lvl7pPr>
+            <a:lvl8pPr marL="3200400" algn="l" defTabSz="914400" rtl="0" eaLnBrk="1" latinLnBrk="0" hangingPunct="1">
+              <a:defRPr sz="1800" kern="1200">
+                <a:solidFill>
+                  <a:schemeClr val="lt1"/>
+                </a:solidFill>
+                <a:latin typeface="+mn-lt"/>
+                <a:ea typeface="+mn-ea"/>
+                <a:cs typeface="+mn-cs"/>
+              </a:defRPr>
+            </a:lvl8pPr>
+            <a:lvl9pPr marL="3657600" algn="l" defTabSz="914400" rtl="0" eaLnBrk="1" latinLnBrk="0" hangingPunct="1">
+              <a:defRPr sz="1800" kern="1200">
+                <a:solidFill>
+                  <a:schemeClr val="lt1"/>
+                </a:solidFill>
+                <a:latin typeface="+mn-lt"/>
+                <a:ea typeface="+mn-ea"/>
+                <a:cs typeface="+mn-cs"/>
+              </a:defRPr>
+            </a:lvl9pPr>
+          </a:lstStyle>
+          <a:p>
+            <a:pPr algn="ctr"/>
+            <a:r>
+              <a:rPr lang="en-US" sz="5400" dirty="0">
+                <a:solidFill>
+                  <a:schemeClr val="accent4"/>
+                </a:solidFill>
+              </a:rPr>
+              <a:t>A</a:t>
+            </a:r>
+            <a:endParaRPr lang="en-PH" sz="5400" dirty="0">
+              <a:solidFill>
+                <a:schemeClr val="accent4"/>
+              </a:solidFill>
+            </a:endParaRPr>
+          </a:p>
+        </p:txBody>
+      </p:sp>
+      <p:sp>
+        <p:nvSpPr>
+          <p:cNvPr id="9" name="Rectangle 8">
+            <a:extLst>
+              <a:ext uri="{FF2B5EF4-FFF2-40B4-BE49-F238E27FC236}">
+                <a16:creationId xmlns:a16="http://schemas.microsoft.com/office/drawing/2014/main" id="{6ECF761E-D4B5-49FE-8341-B4C9AD302455}"/>
+              </a:ext>
+            </a:extLst>
+          </p:cNvPr>
+          <p:cNvSpPr/>
+          <p:nvPr/>
+        </p:nvSpPr>
+        <p:spPr>
+          <a:xfrm>
+            <a:off x="1314730" y="3797818"/>
+            <a:ext cx="1786597" cy="970671"/>
+          </a:xfrm>
+          <a:prstGeom prst="rect">
+            <a:avLst/>
+          </a:prstGeom>
+          <a:noFill/>
+          <a:ln>
+            <a:noFill/>
+          </a:ln>
+        </p:spPr>
+        <p:style>
+          <a:lnRef idx="2">
+            <a:schemeClr val="accent1">
+              <a:shade val="50000"/>
+            </a:schemeClr>
+          </a:lnRef>
+          <a:fillRef idx="1">
+            <a:schemeClr val="accent1"/>
+          </a:fillRef>
+          <a:effectRef idx="0">
+            <a:schemeClr val="accent1"/>
+          </a:effectRef>
+          <a:fontRef idx="minor">
+            <a:schemeClr val="lt1"/>
+          </a:fontRef>
+        </p:style>
+        <p:txBody>
+          <a:bodyPr rtlCol="0" anchor="ctr"/>
+          <a:lstStyle>
+            <a:defPPr>
+              <a:defRPr lang="en-US"/>
+            </a:defPPr>
+            <a:lvl1pPr marL="0" algn="l" defTabSz="914400" rtl="0" eaLnBrk="1" latinLnBrk="0" hangingPunct="1">
+              <a:defRPr sz="1800" kern="1200">
+                <a:solidFill>
+                  <a:schemeClr val="lt1"/>
+                </a:solidFill>
+                <a:latin typeface="+mn-lt"/>
+                <a:ea typeface="+mn-ea"/>
+                <a:cs typeface="+mn-cs"/>
+              </a:defRPr>
+            </a:lvl1pPr>
+            <a:lvl2pPr marL="457200" algn="l" defTabSz="914400" rtl="0" eaLnBrk="1" latinLnBrk="0" hangingPunct="1">
+              <a:defRPr sz="1800" kern="1200">
+                <a:solidFill>
+                  <a:schemeClr val="lt1"/>
+                </a:solidFill>
+                <a:latin typeface="+mn-lt"/>
+                <a:ea typeface="+mn-ea"/>
+                <a:cs typeface="+mn-cs"/>
+              </a:defRPr>
+            </a:lvl2pPr>
+            <a:lvl3pPr marL="914400" algn="l" defTabSz="914400" rtl="0" eaLnBrk="1" latinLnBrk="0" hangingPunct="1">
+              <a:defRPr sz="1800" kern="1200">
+                <a:solidFill>
+                  <a:schemeClr val="lt1"/>
+                </a:solidFill>
+                <a:latin typeface="+mn-lt"/>
+                <a:ea typeface="+mn-ea"/>
+                <a:cs typeface="+mn-cs"/>
+              </a:defRPr>
+            </a:lvl3pPr>
+            <a:lvl4pPr marL="1371600" algn="l" defTabSz="914400" rtl="0" eaLnBrk="1" latinLnBrk="0" hangingPunct="1">
+              <a:defRPr sz="1800" kern="1200">
+                <a:solidFill>
+                  <a:schemeClr val="lt1"/>
+                </a:solidFill>
+                <a:latin typeface="+mn-lt"/>
+                <a:ea typeface="+mn-ea"/>
+                <a:cs typeface="+mn-cs"/>
+              </a:defRPr>
+            </a:lvl4pPr>
+            <a:lvl5pPr marL="1828800" algn="l" defTabSz="914400" rtl="0" eaLnBrk="1" latinLnBrk="0" hangingPunct="1">
+              <a:defRPr sz="1800" kern="1200">
+                <a:solidFill>
+                  <a:schemeClr val="lt1"/>
+                </a:solidFill>
+                <a:latin typeface="+mn-lt"/>
+                <a:ea typeface="+mn-ea"/>
+                <a:cs typeface="+mn-cs"/>
+              </a:defRPr>
+            </a:lvl5pPr>
+            <a:lvl6pPr marL="2286000" algn="l" defTabSz="914400" rtl="0" eaLnBrk="1" latinLnBrk="0" hangingPunct="1">
+              <a:defRPr sz="1800" kern="1200">
+                <a:solidFill>
+                  <a:schemeClr val="lt1"/>
+                </a:solidFill>
+                <a:latin typeface="+mn-lt"/>
+                <a:ea typeface="+mn-ea"/>
+                <a:cs typeface="+mn-cs"/>
+              </a:defRPr>
+            </a:lvl6pPr>
+            <a:lvl7pPr marL="2743200" algn="l" defTabSz="914400" rtl="0" eaLnBrk="1" latinLnBrk="0" hangingPunct="1">
+              <a:defRPr sz="1800" kern="1200">
+                <a:solidFill>
+                  <a:schemeClr val="lt1"/>
+                </a:solidFill>
+                <a:latin typeface="+mn-lt"/>
+                <a:ea typeface="+mn-ea"/>
+                <a:cs typeface="+mn-cs"/>
+              </a:defRPr>
+            </a:lvl7pPr>
+            <a:lvl8pPr marL="3200400" algn="l" defTabSz="914400" rtl="0" eaLnBrk="1" latinLnBrk="0" hangingPunct="1">
+              <a:defRPr sz="1800" kern="1200">
+                <a:solidFill>
+                  <a:schemeClr val="lt1"/>
+                </a:solidFill>
+                <a:latin typeface="+mn-lt"/>
+                <a:ea typeface="+mn-ea"/>
+                <a:cs typeface="+mn-cs"/>
+              </a:defRPr>
+            </a:lvl8pPr>
+            <a:lvl9pPr marL="3657600" algn="l" defTabSz="914400" rtl="0" eaLnBrk="1" latinLnBrk="0" hangingPunct="1">
+              <a:defRPr sz="1800" kern="1200">
+                <a:solidFill>
+                  <a:schemeClr val="lt1"/>
+                </a:solidFill>
+                <a:latin typeface="+mn-lt"/>
+                <a:ea typeface="+mn-ea"/>
+                <a:cs typeface="+mn-cs"/>
+              </a:defRPr>
+            </a:lvl9pPr>
+          </a:lstStyle>
+          <a:p>
+            <a:pPr algn="ctr"/>
+            <a:r>
+              <a:rPr lang="en-US" sz="5400" dirty="0">
+                <a:solidFill>
+                  <a:schemeClr val="accent4"/>
+                </a:solidFill>
+              </a:rPr>
+              <a:t>A7</a:t>
+            </a:r>
+            <a:endParaRPr lang="en-PH" sz="5400" dirty="0">
+              <a:solidFill>
+                <a:schemeClr val="accent4"/>
+              </a:solidFill>
+            </a:endParaRPr>
+          </a:p>
+        </p:txBody>
+      </p:sp>
+      <p:sp>
+        <p:nvSpPr>
+          <p:cNvPr id="10" name="Rectangle 9">
+            <a:extLst>
+              <a:ext uri="{FF2B5EF4-FFF2-40B4-BE49-F238E27FC236}">
+                <a16:creationId xmlns:a16="http://schemas.microsoft.com/office/drawing/2014/main" id="{7D295C9D-4E86-4A79-982C-3A0D56411F41}"/>
+              </a:ext>
+            </a:extLst>
+          </p:cNvPr>
+          <p:cNvSpPr/>
+          <p:nvPr/>
+        </p:nvSpPr>
+        <p:spPr>
+          <a:xfrm>
+            <a:off x="8587398" y="3776544"/>
+            <a:ext cx="1786597" cy="970671"/>
+          </a:xfrm>
+          <a:prstGeom prst="rect">
+            <a:avLst/>
+          </a:prstGeom>
+          <a:noFill/>
+          <a:ln>
+            <a:noFill/>
+          </a:ln>
+        </p:spPr>
+        <p:style>
+          <a:lnRef idx="2">
+            <a:schemeClr val="accent1">
+              <a:shade val="50000"/>
+            </a:schemeClr>
+          </a:lnRef>
+          <a:fillRef idx="1">
+            <a:schemeClr val="accent1"/>
+          </a:fillRef>
+          <a:effectRef idx="0">
+            <a:schemeClr val="accent1"/>
+          </a:effectRef>
+          <a:fontRef idx="minor">
+            <a:schemeClr val="lt1"/>
+          </a:fontRef>
+        </p:style>
+        <p:txBody>
+          <a:bodyPr rtlCol="0" anchor="ctr"/>
+          <a:lstStyle>
+            <a:defPPr>
+              <a:defRPr lang="en-US"/>
+            </a:defPPr>
+            <a:lvl1pPr marL="0" algn="l" defTabSz="914400" rtl="0" eaLnBrk="1" latinLnBrk="0" hangingPunct="1">
+              <a:defRPr sz="1800" kern="1200">
+                <a:solidFill>
+                  <a:schemeClr val="lt1"/>
+                </a:solidFill>
+                <a:latin typeface="+mn-lt"/>
+                <a:ea typeface="+mn-ea"/>
+                <a:cs typeface="+mn-cs"/>
+              </a:defRPr>
+            </a:lvl1pPr>
+            <a:lvl2pPr marL="457200" algn="l" defTabSz="914400" rtl="0" eaLnBrk="1" latinLnBrk="0" hangingPunct="1">
+              <a:defRPr sz="1800" kern="1200">
+                <a:solidFill>
+                  <a:schemeClr val="lt1"/>
+                </a:solidFill>
+                <a:latin typeface="+mn-lt"/>
+                <a:ea typeface="+mn-ea"/>
+                <a:cs typeface="+mn-cs"/>
+              </a:defRPr>
+            </a:lvl2pPr>
+            <a:lvl3pPr marL="914400" algn="l" defTabSz="914400" rtl="0" eaLnBrk="1" latinLnBrk="0" hangingPunct="1">
+              <a:defRPr sz="1800" kern="1200">
+                <a:solidFill>
+                  <a:schemeClr val="lt1"/>
+                </a:solidFill>
+                <a:latin typeface="+mn-lt"/>
+                <a:ea typeface="+mn-ea"/>
+                <a:cs typeface="+mn-cs"/>
+              </a:defRPr>
+            </a:lvl3pPr>
+            <a:lvl4pPr marL="1371600" algn="l" defTabSz="914400" rtl="0" eaLnBrk="1" latinLnBrk="0" hangingPunct="1">
+              <a:defRPr sz="1800" kern="1200">
+                <a:solidFill>
+                  <a:schemeClr val="lt1"/>
+                </a:solidFill>
+                <a:latin typeface="+mn-lt"/>
+                <a:ea typeface="+mn-ea"/>
+                <a:cs typeface="+mn-cs"/>
+              </a:defRPr>
+            </a:lvl4pPr>
+            <a:lvl5pPr marL="1828800" algn="l" defTabSz="914400" rtl="0" eaLnBrk="1" latinLnBrk="0" hangingPunct="1">
+              <a:defRPr sz="1800" kern="1200">
+                <a:solidFill>
+                  <a:schemeClr val="lt1"/>
+                </a:solidFill>
+                <a:latin typeface="+mn-lt"/>
+                <a:ea typeface="+mn-ea"/>
+                <a:cs typeface="+mn-cs"/>
+              </a:defRPr>
+            </a:lvl5pPr>
+            <a:lvl6pPr marL="2286000" algn="l" defTabSz="914400" rtl="0" eaLnBrk="1" latinLnBrk="0" hangingPunct="1">
+              <a:defRPr sz="1800" kern="1200">
+                <a:solidFill>
+                  <a:schemeClr val="lt1"/>
+                </a:solidFill>
+                <a:latin typeface="+mn-lt"/>
+                <a:ea typeface="+mn-ea"/>
+                <a:cs typeface="+mn-cs"/>
+              </a:defRPr>
+            </a:lvl6pPr>
+            <a:lvl7pPr marL="2743200" algn="l" defTabSz="914400" rtl="0" eaLnBrk="1" latinLnBrk="0" hangingPunct="1">
+              <a:defRPr sz="1800" kern="1200">
+                <a:solidFill>
+                  <a:schemeClr val="lt1"/>
+                </a:solidFill>
+                <a:latin typeface="+mn-lt"/>
+                <a:ea typeface="+mn-ea"/>
+                <a:cs typeface="+mn-cs"/>
+              </a:defRPr>
+            </a:lvl7pPr>
+            <a:lvl8pPr marL="3200400" algn="l" defTabSz="914400" rtl="0" eaLnBrk="1" latinLnBrk="0" hangingPunct="1">
+              <a:defRPr sz="1800" kern="1200">
+                <a:solidFill>
+                  <a:schemeClr val="lt1"/>
+                </a:solidFill>
+                <a:latin typeface="+mn-lt"/>
+                <a:ea typeface="+mn-ea"/>
+                <a:cs typeface="+mn-cs"/>
+              </a:defRPr>
+            </a:lvl8pPr>
+            <a:lvl9pPr marL="3657600" algn="l" defTabSz="914400" rtl="0" eaLnBrk="1" latinLnBrk="0" hangingPunct="1">
+              <a:defRPr sz="1800" kern="1200">
+                <a:solidFill>
+                  <a:schemeClr val="lt1"/>
+                </a:solidFill>
+                <a:latin typeface="+mn-lt"/>
+                <a:ea typeface="+mn-ea"/>
+                <a:cs typeface="+mn-cs"/>
+              </a:defRPr>
+            </a:lvl9pPr>
+          </a:lstStyle>
+          <a:p>
+            <a:pPr algn="ctr"/>
+            <a:r>
+              <a:rPr lang="en-US" sz="5400" dirty="0">
+                <a:solidFill>
+                  <a:schemeClr val="accent4"/>
+                </a:solidFill>
+              </a:rPr>
+              <a:t>D</a:t>
+            </a:r>
+            <a:endParaRPr lang="en-PH" sz="5400" dirty="0">
+              <a:solidFill>
+                <a:schemeClr val="accent4"/>
+              </a:solidFill>
+            </a:endParaRPr>
+          </a:p>
+        </p:txBody>
+      </p:sp>
+      <p:sp>
+        <p:nvSpPr>
+          <p:cNvPr id="11" name="Rectangle 10">
+            <a:extLst>
+              <a:ext uri="{FF2B5EF4-FFF2-40B4-BE49-F238E27FC236}">
+                <a16:creationId xmlns:a16="http://schemas.microsoft.com/office/drawing/2014/main" id="{BCD846E5-BBA7-4E79-9186-8E19DD9B1187}"/>
+              </a:ext>
+            </a:extLst>
+          </p:cNvPr>
+          <p:cNvSpPr/>
+          <p:nvPr/>
+        </p:nvSpPr>
+        <p:spPr>
+          <a:xfrm>
+            <a:off x="7651732" y="5158780"/>
+            <a:ext cx="1786597" cy="970671"/>
+          </a:xfrm>
+          <a:prstGeom prst="rect">
+            <a:avLst/>
+          </a:prstGeom>
+          <a:noFill/>
+          <a:ln>
+            <a:noFill/>
+          </a:ln>
+        </p:spPr>
+        <p:style>
+          <a:lnRef idx="2">
+            <a:schemeClr val="accent1">
+              <a:shade val="50000"/>
+            </a:schemeClr>
+          </a:lnRef>
+          <a:fillRef idx="1">
+            <a:schemeClr val="accent1"/>
+          </a:fillRef>
+          <a:effectRef idx="0">
+            <a:schemeClr val="accent1"/>
+          </a:effectRef>
+          <a:fontRef idx="minor">
+            <a:schemeClr val="lt1"/>
+          </a:fontRef>
+        </p:style>
+        <p:txBody>
+          <a:bodyPr rtlCol="0" anchor="ctr"/>
+          <a:lstStyle>
+            <a:defPPr>
+              <a:defRPr lang="en-US"/>
+            </a:defPPr>
+            <a:lvl1pPr marL="0" algn="l" defTabSz="914400" rtl="0" eaLnBrk="1" latinLnBrk="0" hangingPunct="1">
+              <a:defRPr sz="1800" kern="1200">
+                <a:solidFill>
+                  <a:schemeClr val="lt1"/>
+                </a:solidFill>
+                <a:latin typeface="+mn-lt"/>
+                <a:ea typeface="+mn-ea"/>
+                <a:cs typeface="+mn-cs"/>
+              </a:defRPr>
+            </a:lvl1pPr>
+            <a:lvl2pPr marL="457200" algn="l" defTabSz="914400" rtl="0" eaLnBrk="1" latinLnBrk="0" hangingPunct="1">
+              <a:defRPr sz="1800" kern="1200">
+                <a:solidFill>
+                  <a:schemeClr val="lt1"/>
+                </a:solidFill>
+                <a:latin typeface="+mn-lt"/>
+                <a:ea typeface="+mn-ea"/>
+                <a:cs typeface="+mn-cs"/>
+              </a:defRPr>
+            </a:lvl2pPr>
+            <a:lvl3pPr marL="914400" algn="l" defTabSz="914400" rtl="0" eaLnBrk="1" latinLnBrk="0" hangingPunct="1">
+              <a:defRPr sz="1800" kern="1200">
+                <a:solidFill>
+                  <a:schemeClr val="lt1"/>
+                </a:solidFill>
+                <a:latin typeface="+mn-lt"/>
+                <a:ea typeface="+mn-ea"/>
+                <a:cs typeface="+mn-cs"/>
+              </a:defRPr>
+            </a:lvl3pPr>
+            <a:lvl4pPr marL="1371600" algn="l" defTabSz="914400" rtl="0" eaLnBrk="1" latinLnBrk="0" hangingPunct="1">
+              <a:defRPr sz="1800" kern="1200">
+                <a:solidFill>
+                  <a:schemeClr val="lt1"/>
+                </a:solidFill>
+                <a:latin typeface="+mn-lt"/>
+                <a:ea typeface="+mn-ea"/>
+                <a:cs typeface="+mn-cs"/>
+              </a:defRPr>
+            </a:lvl4pPr>
+            <a:lvl5pPr marL="1828800" algn="l" defTabSz="914400" rtl="0" eaLnBrk="1" latinLnBrk="0" hangingPunct="1">
+              <a:defRPr sz="1800" kern="1200">
+                <a:solidFill>
+                  <a:schemeClr val="lt1"/>
+                </a:solidFill>
+                <a:latin typeface="+mn-lt"/>
+                <a:ea typeface="+mn-ea"/>
+                <a:cs typeface="+mn-cs"/>
+              </a:defRPr>
+            </a:lvl5pPr>
+            <a:lvl6pPr marL="2286000" algn="l" defTabSz="914400" rtl="0" eaLnBrk="1" latinLnBrk="0" hangingPunct="1">
+              <a:defRPr sz="1800" kern="1200">
+                <a:solidFill>
+                  <a:schemeClr val="lt1"/>
+                </a:solidFill>
+                <a:latin typeface="+mn-lt"/>
+                <a:ea typeface="+mn-ea"/>
+                <a:cs typeface="+mn-cs"/>
+              </a:defRPr>
+            </a:lvl6pPr>
+            <a:lvl7pPr marL="2743200" algn="l" defTabSz="914400" rtl="0" eaLnBrk="1" latinLnBrk="0" hangingPunct="1">
+              <a:defRPr sz="1800" kern="1200">
+                <a:solidFill>
+                  <a:schemeClr val="lt1"/>
+                </a:solidFill>
+                <a:latin typeface="+mn-lt"/>
+                <a:ea typeface="+mn-ea"/>
+                <a:cs typeface="+mn-cs"/>
+              </a:defRPr>
+            </a:lvl7pPr>
+            <a:lvl8pPr marL="3200400" algn="l" defTabSz="914400" rtl="0" eaLnBrk="1" latinLnBrk="0" hangingPunct="1">
+              <a:defRPr sz="1800" kern="1200">
+                <a:solidFill>
+                  <a:schemeClr val="lt1"/>
+                </a:solidFill>
+                <a:latin typeface="+mn-lt"/>
+                <a:ea typeface="+mn-ea"/>
+                <a:cs typeface="+mn-cs"/>
+              </a:defRPr>
+            </a:lvl8pPr>
+            <a:lvl9pPr marL="3657600" algn="l" defTabSz="914400" rtl="0" eaLnBrk="1" latinLnBrk="0" hangingPunct="1">
+              <a:defRPr sz="1800" kern="1200">
+                <a:solidFill>
+                  <a:schemeClr val="lt1"/>
+                </a:solidFill>
+                <a:latin typeface="+mn-lt"/>
+                <a:ea typeface="+mn-ea"/>
+                <a:cs typeface="+mn-cs"/>
+              </a:defRPr>
+            </a:lvl9pPr>
+          </a:lstStyle>
+          <a:p>
+            <a:pPr algn="ctr"/>
+            <a:r>
+              <a:rPr lang="en-US" sz="5400" dirty="0">
+                <a:solidFill>
+                  <a:schemeClr val="accent4"/>
+                </a:solidFill>
+              </a:rPr>
+              <a:t>A</a:t>
+            </a:r>
+            <a:endParaRPr lang="en-PH" sz="5400" dirty="0">
+              <a:solidFill>
+                <a:schemeClr val="accent4"/>
+              </a:solidFill>
+            </a:endParaRPr>
           </a:p>
         </p:txBody>
       </p:sp>
     </p:spTree>
     <p:extLst>
       <p:ext uri="{BB962C8B-B14F-4D97-AF65-F5344CB8AC3E}">
-        <p14:creationId xmlns:p14="http://schemas.microsoft.com/office/powerpoint/2010/main" val="3393338039"/>
+        <p14:creationId xmlns:p14="http://schemas.microsoft.com/office/powerpoint/2010/main" val="1865039211"/>
       </p:ext>
     </p:extLst>
   </p:cSld>
@@ -4039,10 +11624,486 @@
           </a:p>
         </p:txBody>
       </p:sp>
+      <p:sp>
+        <p:nvSpPr>
+          <p:cNvPr id="3" name="Rectangle 2">
+            <a:extLst>
+              <a:ext uri="{FF2B5EF4-FFF2-40B4-BE49-F238E27FC236}">
+                <a16:creationId xmlns:a16="http://schemas.microsoft.com/office/drawing/2014/main" id="{AE70E0F2-8847-4F20-A10C-02C3AEA18C39}"/>
+              </a:ext>
+            </a:extLst>
+          </p:cNvPr>
+          <p:cNvSpPr/>
+          <p:nvPr/>
+        </p:nvSpPr>
+        <p:spPr>
+          <a:xfrm>
+            <a:off x="2250399" y="1437385"/>
+            <a:ext cx="1786597" cy="970671"/>
+          </a:xfrm>
+          <a:prstGeom prst="rect">
+            <a:avLst/>
+          </a:prstGeom>
+          <a:noFill/>
+          <a:ln>
+            <a:noFill/>
+          </a:ln>
+        </p:spPr>
+        <p:style>
+          <a:lnRef idx="2">
+            <a:schemeClr val="accent1">
+              <a:shade val="50000"/>
+            </a:schemeClr>
+          </a:lnRef>
+          <a:fillRef idx="1">
+            <a:schemeClr val="accent1"/>
+          </a:fillRef>
+          <a:effectRef idx="0">
+            <a:schemeClr val="accent1"/>
+          </a:effectRef>
+          <a:fontRef idx="minor">
+            <a:schemeClr val="lt1"/>
+          </a:fontRef>
+        </p:style>
+        <p:txBody>
+          <a:bodyPr rtlCol="0" anchor="ctr"/>
+          <a:lstStyle>
+            <a:defPPr>
+              <a:defRPr lang="en-US"/>
+            </a:defPPr>
+            <a:lvl1pPr marL="0" algn="l" defTabSz="914400" rtl="0" eaLnBrk="1" latinLnBrk="0" hangingPunct="1">
+              <a:defRPr sz="1800" kern="1200">
+                <a:solidFill>
+                  <a:schemeClr val="lt1"/>
+                </a:solidFill>
+                <a:latin typeface="+mn-lt"/>
+                <a:ea typeface="+mn-ea"/>
+                <a:cs typeface="+mn-cs"/>
+              </a:defRPr>
+            </a:lvl1pPr>
+            <a:lvl2pPr marL="457200" algn="l" defTabSz="914400" rtl="0" eaLnBrk="1" latinLnBrk="0" hangingPunct="1">
+              <a:defRPr sz="1800" kern="1200">
+                <a:solidFill>
+                  <a:schemeClr val="lt1"/>
+                </a:solidFill>
+                <a:latin typeface="+mn-lt"/>
+                <a:ea typeface="+mn-ea"/>
+                <a:cs typeface="+mn-cs"/>
+              </a:defRPr>
+            </a:lvl2pPr>
+            <a:lvl3pPr marL="914400" algn="l" defTabSz="914400" rtl="0" eaLnBrk="1" latinLnBrk="0" hangingPunct="1">
+              <a:defRPr sz="1800" kern="1200">
+                <a:solidFill>
+                  <a:schemeClr val="lt1"/>
+                </a:solidFill>
+                <a:latin typeface="+mn-lt"/>
+                <a:ea typeface="+mn-ea"/>
+                <a:cs typeface="+mn-cs"/>
+              </a:defRPr>
+            </a:lvl3pPr>
+            <a:lvl4pPr marL="1371600" algn="l" defTabSz="914400" rtl="0" eaLnBrk="1" latinLnBrk="0" hangingPunct="1">
+              <a:defRPr sz="1800" kern="1200">
+                <a:solidFill>
+                  <a:schemeClr val="lt1"/>
+                </a:solidFill>
+                <a:latin typeface="+mn-lt"/>
+                <a:ea typeface="+mn-ea"/>
+                <a:cs typeface="+mn-cs"/>
+              </a:defRPr>
+            </a:lvl4pPr>
+            <a:lvl5pPr marL="1828800" algn="l" defTabSz="914400" rtl="0" eaLnBrk="1" latinLnBrk="0" hangingPunct="1">
+              <a:defRPr sz="1800" kern="1200">
+                <a:solidFill>
+                  <a:schemeClr val="lt1"/>
+                </a:solidFill>
+                <a:latin typeface="+mn-lt"/>
+                <a:ea typeface="+mn-ea"/>
+                <a:cs typeface="+mn-cs"/>
+              </a:defRPr>
+            </a:lvl5pPr>
+            <a:lvl6pPr marL="2286000" algn="l" defTabSz="914400" rtl="0" eaLnBrk="1" latinLnBrk="0" hangingPunct="1">
+              <a:defRPr sz="1800" kern="1200">
+                <a:solidFill>
+                  <a:schemeClr val="lt1"/>
+                </a:solidFill>
+                <a:latin typeface="+mn-lt"/>
+                <a:ea typeface="+mn-ea"/>
+                <a:cs typeface="+mn-cs"/>
+              </a:defRPr>
+            </a:lvl6pPr>
+            <a:lvl7pPr marL="2743200" algn="l" defTabSz="914400" rtl="0" eaLnBrk="1" latinLnBrk="0" hangingPunct="1">
+              <a:defRPr sz="1800" kern="1200">
+                <a:solidFill>
+                  <a:schemeClr val="lt1"/>
+                </a:solidFill>
+                <a:latin typeface="+mn-lt"/>
+                <a:ea typeface="+mn-ea"/>
+                <a:cs typeface="+mn-cs"/>
+              </a:defRPr>
+            </a:lvl7pPr>
+            <a:lvl8pPr marL="3200400" algn="l" defTabSz="914400" rtl="0" eaLnBrk="1" latinLnBrk="0" hangingPunct="1">
+              <a:defRPr sz="1800" kern="1200">
+                <a:solidFill>
+                  <a:schemeClr val="lt1"/>
+                </a:solidFill>
+                <a:latin typeface="+mn-lt"/>
+                <a:ea typeface="+mn-ea"/>
+                <a:cs typeface="+mn-cs"/>
+              </a:defRPr>
+            </a:lvl8pPr>
+            <a:lvl9pPr marL="3657600" algn="l" defTabSz="914400" rtl="0" eaLnBrk="1" latinLnBrk="0" hangingPunct="1">
+              <a:defRPr sz="1800" kern="1200">
+                <a:solidFill>
+                  <a:schemeClr val="lt1"/>
+                </a:solidFill>
+                <a:latin typeface="+mn-lt"/>
+                <a:ea typeface="+mn-ea"/>
+                <a:cs typeface="+mn-cs"/>
+              </a:defRPr>
+            </a:lvl9pPr>
+          </a:lstStyle>
+          <a:p>
+            <a:pPr algn="ctr"/>
+            <a:r>
+              <a:rPr lang="en-US" sz="5400" dirty="0">
+                <a:solidFill>
+                  <a:schemeClr val="accent4"/>
+                </a:solidFill>
+              </a:rPr>
+              <a:t>D</a:t>
+            </a:r>
+            <a:endParaRPr lang="en-PH" sz="5400" dirty="0">
+              <a:solidFill>
+                <a:schemeClr val="accent4"/>
+              </a:solidFill>
+            </a:endParaRPr>
+          </a:p>
+        </p:txBody>
+      </p:sp>
+      <p:sp>
+        <p:nvSpPr>
+          <p:cNvPr id="4" name="Rectangle 3">
+            <a:extLst>
+              <a:ext uri="{FF2B5EF4-FFF2-40B4-BE49-F238E27FC236}">
+                <a16:creationId xmlns:a16="http://schemas.microsoft.com/office/drawing/2014/main" id="{D1CC9CCF-D147-4D74-9492-DE78611D1411}"/>
+              </a:ext>
+            </a:extLst>
+          </p:cNvPr>
+          <p:cNvSpPr/>
+          <p:nvPr/>
+        </p:nvSpPr>
+        <p:spPr>
+          <a:xfrm>
+            <a:off x="7719077" y="1377134"/>
+            <a:ext cx="1786597" cy="970671"/>
+          </a:xfrm>
+          <a:prstGeom prst="rect">
+            <a:avLst/>
+          </a:prstGeom>
+          <a:noFill/>
+          <a:ln>
+            <a:noFill/>
+          </a:ln>
+        </p:spPr>
+        <p:style>
+          <a:lnRef idx="2">
+            <a:schemeClr val="accent1">
+              <a:shade val="50000"/>
+            </a:schemeClr>
+          </a:lnRef>
+          <a:fillRef idx="1">
+            <a:schemeClr val="accent1"/>
+          </a:fillRef>
+          <a:effectRef idx="0">
+            <a:schemeClr val="accent1"/>
+          </a:effectRef>
+          <a:fontRef idx="minor">
+            <a:schemeClr val="lt1"/>
+          </a:fontRef>
+        </p:style>
+        <p:txBody>
+          <a:bodyPr rtlCol="0" anchor="ctr"/>
+          <a:lstStyle>
+            <a:defPPr>
+              <a:defRPr lang="en-US"/>
+            </a:defPPr>
+            <a:lvl1pPr marL="0" algn="l" defTabSz="914400" rtl="0" eaLnBrk="1" latinLnBrk="0" hangingPunct="1">
+              <a:defRPr sz="1800" kern="1200">
+                <a:solidFill>
+                  <a:schemeClr val="lt1"/>
+                </a:solidFill>
+                <a:latin typeface="+mn-lt"/>
+                <a:ea typeface="+mn-ea"/>
+                <a:cs typeface="+mn-cs"/>
+              </a:defRPr>
+            </a:lvl1pPr>
+            <a:lvl2pPr marL="457200" algn="l" defTabSz="914400" rtl="0" eaLnBrk="1" latinLnBrk="0" hangingPunct="1">
+              <a:defRPr sz="1800" kern="1200">
+                <a:solidFill>
+                  <a:schemeClr val="lt1"/>
+                </a:solidFill>
+                <a:latin typeface="+mn-lt"/>
+                <a:ea typeface="+mn-ea"/>
+                <a:cs typeface="+mn-cs"/>
+              </a:defRPr>
+            </a:lvl2pPr>
+            <a:lvl3pPr marL="914400" algn="l" defTabSz="914400" rtl="0" eaLnBrk="1" latinLnBrk="0" hangingPunct="1">
+              <a:defRPr sz="1800" kern="1200">
+                <a:solidFill>
+                  <a:schemeClr val="lt1"/>
+                </a:solidFill>
+                <a:latin typeface="+mn-lt"/>
+                <a:ea typeface="+mn-ea"/>
+                <a:cs typeface="+mn-cs"/>
+              </a:defRPr>
+            </a:lvl3pPr>
+            <a:lvl4pPr marL="1371600" algn="l" defTabSz="914400" rtl="0" eaLnBrk="1" latinLnBrk="0" hangingPunct="1">
+              <a:defRPr sz="1800" kern="1200">
+                <a:solidFill>
+                  <a:schemeClr val="lt1"/>
+                </a:solidFill>
+                <a:latin typeface="+mn-lt"/>
+                <a:ea typeface="+mn-ea"/>
+                <a:cs typeface="+mn-cs"/>
+              </a:defRPr>
+            </a:lvl4pPr>
+            <a:lvl5pPr marL="1828800" algn="l" defTabSz="914400" rtl="0" eaLnBrk="1" latinLnBrk="0" hangingPunct="1">
+              <a:defRPr sz="1800" kern="1200">
+                <a:solidFill>
+                  <a:schemeClr val="lt1"/>
+                </a:solidFill>
+                <a:latin typeface="+mn-lt"/>
+                <a:ea typeface="+mn-ea"/>
+                <a:cs typeface="+mn-cs"/>
+              </a:defRPr>
+            </a:lvl5pPr>
+            <a:lvl6pPr marL="2286000" algn="l" defTabSz="914400" rtl="0" eaLnBrk="1" latinLnBrk="0" hangingPunct="1">
+              <a:defRPr sz="1800" kern="1200">
+                <a:solidFill>
+                  <a:schemeClr val="lt1"/>
+                </a:solidFill>
+                <a:latin typeface="+mn-lt"/>
+                <a:ea typeface="+mn-ea"/>
+                <a:cs typeface="+mn-cs"/>
+              </a:defRPr>
+            </a:lvl6pPr>
+            <a:lvl7pPr marL="2743200" algn="l" defTabSz="914400" rtl="0" eaLnBrk="1" latinLnBrk="0" hangingPunct="1">
+              <a:defRPr sz="1800" kern="1200">
+                <a:solidFill>
+                  <a:schemeClr val="lt1"/>
+                </a:solidFill>
+                <a:latin typeface="+mn-lt"/>
+                <a:ea typeface="+mn-ea"/>
+                <a:cs typeface="+mn-cs"/>
+              </a:defRPr>
+            </a:lvl7pPr>
+            <a:lvl8pPr marL="3200400" algn="l" defTabSz="914400" rtl="0" eaLnBrk="1" latinLnBrk="0" hangingPunct="1">
+              <a:defRPr sz="1800" kern="1200">
+                <a:solidFill>
+                  <a:schemeClr val="lt1"/>
+                </a:solidFill>
+                <a:latin typeface="+mn-lt"/>
+                <a:ea typeface="+mn-ea"/>
+                <a:cs typeface="+mn-cs"/>
+              </a:defRPr>
+            </a:lvl8pPr>
+            <a:lvl9pPr marL="3657600" algn="l" defTabSz="914400" rtl="0" eaLnBrk="1" latinLnBrk="0" hangingPunct="1">
+              <a:defRPr sz="1800" kern="1200">
+                <a:solidFill>
+                  <a:schemeClr val="lt1"/>
+                </a:solidFill>
+                <a:latin typeface="+mn-lt"/>
+                <a:ea typeface="+mn-ea"/>
+                <a:cs typeface="+mn-cs"/>
+              </a:defRPr>
+            </a:lvl9pPr>
+          </a:lstStyle>
+          <a:p>
+            <a:pPr algn="ctr"/>
+            <a:r>
+              <a:rPr lang="en-US" sz="5400" dirty="0">
+                <a:solidFill>
+                  <a:schemeClr val="accent4"/>
+                </a:solidFill>
+              </a:rPr>
+              <a:t>E</a:t>
+            </a:r>
+            <a:endParaRPr lang="en-PH" sz="5400" dirty="0">
+              <a:solidFill>
+                <a:schemeClr val="accent4"/>
+              </a:solidFill>
+            </a:endParaRPr>
+          </a:p>
+        </p:txBody>
+      </p:sp>
+      <p:sp>
+        <p:nvSpPr>
+          <p:cNvPr id="5" name="Rectangle 4">
+            <a:extLst>
+              <a:ext uri="{FF2B5EF4-FFF2-40B4-BE49-F238E27FC236}">
+                <a16:creationId xmlns:a16="http://schemas.microsoft.com/office/drawing/2014/main" id="{1FBBDF6E-CEEC-4D68-A625-E61772C269B9}"/>
+              </a:ext>
+            </a:extLst>
+          </p:cNvPr>
+          <p:cNvSpPr/>
+          <p:nvPr/>
+        </p:nvSpPr>
+        <p:spPr>
+          <a:xfrm>
+            <a:off x="6230522" y="2929480"/>
+            <a:ext cx="2232994" cy="970671"/>
+          </a:xfrm>
+          <a:prstGeom prst="rect">
+            <a:avLst/>
+          </a:prstGeom>
+          <a:noFill/>
+          <a:ln>
+            <a:noFill/>
+          </a:ln>
+        </p:spPr>
+        <p:style>
+          <a:lnRef idx="2">
+            <a:schemeClr val="accent1">
+              <a:shade val="50000"/>
+            </a:schemeClr>
+          </a:lnRef>
+          <a:fillRef idx="1">
+            <a:schemeClr val="accent1"/>
+          </a:fillRef>
+          <a:effectRef idx="0">
+            <a:schemeClr val="accent1"/>
+          </a:effectRef>
+          <a:fontRef idx="minor">
+            <a:schemeClr val="lt1"/>
+          </a:fontRef>
+        </p:style>
+        <p:txBody>
+          <a:bodyPr rtlCol="0" anchor="ctr"/>
+          <a:lstStyle>
+            <a:defPPr>
+              <a:defRPr lang="en-US"/>
+            </a:defPPr>
+            <a:lvl1pPr marL="0" algn="l" defTabSz="914400" rtl="0" eaLnBrk="1" latinLnBrk="0" hangingPunct="1">
+              <a:defRPr sz="1800" kern="1200">
+                <a:solidFill>
+                  <a:schemeClr val="lt1"/>
+                </a:solidFill>
+                <a:latin typeface="+mn-lt"/>
+                <a:ea typeface="+mn-ea"/>
+                <a:cs typeface="+mn-cs"/>
+              </a:defRPr>
+            </a:lvl1pPr>
+            <a:lvl2pPr marL="457200" algn="l" defTabSz="914400" rtl="0" eaLnBrk="1" latinLnBrk="0" hangingPunct="1">
+              <a:defRPr sz="1800" kern="1200">
+                <a:solidFill>
+                  <a:schemeClr val="lt1"/>
+                </a:solidFill>
+                <a:latin typeface="+mn-lt"/>
+                <a:ea typeface="+mn-ea"/>
+                <a:cs typeface="+mn-cs"/>
+              </a:defRPr>
+            </a:lvl2pPr>
+            <a:lvl3pPr marL="914400" algn="l" defTabSz="914400" rtl="0" eaLnBrk="1" latinLnBrk="0" hangingPunct="1">
+              <a:defRPr sz="1800" kern="1200">
+                <a:solidFill>
+                  <a:schemeClr val="lt1"/>
+                </a:solidFill>
+                <a:latin typeface="+mn-lt"/>
+                <a:ea typeface="+mn-ea"/>
+                <a:cs typeface="+mn-cs"/>
+              </a:defRPr>
+            </a:lvl3pPr>
+            <a:lvl4pPr marL="1371600" algn="l" defTabSz="914400" rtl="0" eaLnBrk="1" latinLnBrk="0" hangingPunct="1">
+              <a:defRPr sz="1800" kern="1200">
+                <a:solidFill>
+                  <a:schemeClr val="lt1"/>
+                </a:solidFill>
+                <a:latin typeface="+mn-lt"/>
+                <a:ea typeface="+mn-ea"/>
+                <a:cs typeface="+mn-cs"/>
+              </a:defRPr>
+            </a:lvl4pPr>
+            <a:lvl5pPr marL="1828800" algn="l" defTabSz="914400" rtl="0" eaLnBrk="1" latinLnBrk="0" hangingPunct="1">
+              <a:defRPr sz="1800" kern="1200">
+                <a:solidFill>
+                  <a:schemeClr val="lt1"/>
+                </a:solidFill>
+                <a:latin typeface="+mn-lt"/>
+                <a:ea typeface="+mn-ea"/>
+                <a:cs typeface="+mn-cs"/>
+              </a:defRPr>
+            </a:lvl5pPr>
+            <a:lvl6pPr marL="2286000" algn="l" defTabSz="914400" rtl="0" eaLnBrk="1" latinLnBrk="0" hangingPunct="1">
+              <a:defRPr sz="1800" kern="1200">
+                <a:solidFill>
+                  <a:schemeClr val="lt1"/>
+                </a:solidFill>
+                <a:latin typeface="+mn-lt"/>
+                <a:ea typeface="+mn-ea"/>
+                <a:cs typeface="+mn-cs"/>
+              </a:defRPr>
+            </a:lvl6pPr>
+            <a:lvl7pPr marL="2743200" algn="l" defTabSz="914400" rtl="0" eaLnBrk="1" latinLnBrk="0" hangingPunct="1">
+              <a:defRPr sz="1800" kern="1200">
+                <a:solidFill>
+                  <a:schemeClr val="lt1"/>
+                </a:solidFill>
+                <a:latin typeface="+mn-lt"/>
+                <a:ea typeface="+mn-ea"/>
+                <a:cs typeface="+mn-cs"/>
+              </a:defRPr>
+            </a:lvl7pPr>
+            <a:lvl8pPr marL="3200400" algn="l" defTabSz="914400" rtl="0" eaLnBrk="1" latinLnBrk="0" hangingPunct="1">
+              <a:defRPr sz="1800" kern="1200">
+                <a:solidFill>
+                  <a:schemeClr val="lt1"/>
+                </a:solidFill>
+                <a:latin typeface="+mn-lt"/>
+                <a:ea typeface="+mn-ea"/>
+                <a:cs typeface="+mn-cs"/>
+              </a:defRPr>
+            </a:lvl8pPr>
+            <a:lvl9pPr marL="3657600" algn="l" defTabSz="914400" rtl="0" eaLnBrk="1" latinLnBrk="0" hangingPunct="1">
+              <a:defRPr sz="1800" kern="1200">
+                <a:solidFill>
+                  <a:schemeClr val="lt1"/>
+                </a:solidFill>
+                <a:latin typeface="+mn-lt"/>
+                <a:ea typeface="+mn-ea"/>
+                <a:cs typeface="+mn-cs"/>
+              </a:defRPr>
+            </a:lvl9pPr>
+          </a:lstStyle>
+          <a:p>
+            <a:pPr algn="ctr"/>
+            <a:r>
+              <a:rPr lang="en-US" sz="5400" dirty="0" err="1">
+                <a:solidFill>
+                  <a:schemeClr val="accent4"/>
+                </a:solidFill>
+              </a:rPr>
+              <a:t>F#m</a:t>
+            </a:r>
+            <a:r>
+              <a:rPr lang="en-US" sz="5400" dirty="0">
+                <a:solidFill>
+                  <a:schemeClr val="accent4"/>
+                </a:solidFill>
+              </a:rPr>
+              <a:t>/A</a:t>
+            </a:r>
+            <a:endParaRPr lang="en-PH" sz="5400" dirty="0">
+              <a:solidFill>
+                <a:schemeClr val="accent4"/>
+              </a:solidFill>
+            </a:endParaRPr>
+          </a:p>
+        </p:txBody>
+      </p:sp>
     </p:spTree>
     <p:extLst>
       <p:ext uri="{BB962C8B-B14F-4D97-AF65-F5344CB8AC3E}">
-        <p14:creationId xmlns:p14="http://schemas.microsoft.com/office/powerpoint/2010/main" val="399504981"/>
+        <p14:creationId xmlns:p14="http://schemas.microsoft.com/office/powerpoint/2010/main" val="837557885"/>
       </p:ext>
     </p:extLst>
   </p:cSld>
